--- a/Sentiment Analysis dengan TF-IDF dan SVM.pptx
+++ b/Sentiment Analysis dengan TF-IDF dan SVM.pptx
@@ -9,6 +9,12 @@
     <p:sldId id="257" r:id="rId3"/>
     <p:sldId id="258" r:id="rId4"/>
     <p:sldId id="259" r:id="rId5"/>
+    <p:sldId id="261" r:id="rId6"/>
+    <p:sldId id="260" r:id="rId7"/>
+    <p:sldId id="262" r:id="rId8"/>
+    <p:sldId id="263" r:id="rId9"/>
+    <p:sldId id="265" r:id="rId10"/>
+    <p:sldId id="264" r:id="rId11"/>
   </p:sldIdLst>
   <p:sldSz cx="12192000" cy="6858000"/>
   <p:notesSz cx="6858000" cy="9144000"/>
@@ -107,6 +113,37 @@
       </a:defRPr>
     </a:lvl9pPr>
   </p:defaultTextStyle>
+  <p:extLst>
+    <p:ext uri="{521415D9-36F7-43E2-AB2F-B90AF26B5E84}">
+      <p14:sectionLst xmlns:p14="http://schemas.microsoft.com/office/powerpoint/2010/main">
+        <p14:section name="Default Section" id="{CF902EE6-5602-4A44-BAB1-0363A6B86C6E}">
+          <p14:sldIdLst>
+            <p14:sldId id="256"/>
+            <p14:sldId id="257"/>
+            <p14:sldId id="258"/>
+            <p14:sldId id="259"/>
+          </p14:sldIdLst>
+        </p14:section>
+        <p14:section name="Untitled Section" id="{E52EF4C7-2139-4D05-87E2-15FA70121D8F}">
+          <p14:sldIdLst>
+            <p14:sldId id="261"/>
+            <p14:sldId id="260"/>
+          </p14:sldIdLst>
+        </p14:section>
+        <p14:section name="Untitled Section" id="{061F4DD8-1B2C-4B12-960F-ADE7121B25C8}">
+          <p14:sldIdLst>
+            <p14:sldId id="262"/>
+            <p14:sldId id="263"/>
+            <p14:sldId id="265"/>
+            <p14:sldId id="264"/>
+          </p14:sldIdLst>
+        </p14:section>
+      </p14:sectionLst>
+    </p:ext>
+    <p:ext uri="{EFAFB233-063F-42B5-8137-9DF3F51BA10A}">
+      <p15:sldGuideLst xmlns:p15="http://schemas.microsoft.com/office/powerpoint/2012/main"/>
+    </p:ext>
+  </p:extLst>
 </p:presentation>
 </file>
 
@@ -3368,11 +3405,11 @@
           <a:p>
             <a:r>
               <a:rPr lang="en-US" dirty="0"/>
-              <a:t>Sentiment Analysis </a:t>
+              <a:t>Text Classification </a:t>
             </a:r>
             <a:r>
               <a:rPr lang="en-US" dirty="0" err="1"/>
-              <a:t>dengan</a:t>
+              <a:t>Dengan</a:t>
             </a:r>
             <a:r>
               <a:rPr lang="en-US" dirty="0"/>
@@ -3433,6 +3470,73 @@
     <p:extLst>
       <p:ext uri="{BB962C8B-B14F-4D97-AF65-F5344CB8AC3E}">
         <p14:creationId xmlns:p14="http://schemas.microsoft.com/office/powerpoint/2010/main" val="102488215"/>
+      </p:ext>
+    </p:extLst>
+  </p:cSld>
+  <p:clrMapOvr>
+    <a:masterClrMapping/>
+  </p:clrMapOvr>
+</p:sld>
+</file>
+
+<file path=ppt/slides/slide10.xml><?xml version="1.0" encoding="utf-8"?>
+<p:sld xmlns:a="http://schemas.openxmlformats.org/drawingml/2006/main" xmlns:r="http://schemas.openxmlformats.org/officeDocument/2006/relationships" xmlns:p="http://schemas.openxmlformats.org/presentationml/2006/main">
+  <p:cSld>
+    <p:spTree>
+      <p:nvGrpSpPr>
+        <p:cNvPr id="1" name=""/>
+        <p:cNvGrpSpPr/>
+        <p:nvPr/>
+      </p:nvGrpSpPr>
+      <p:grpSpPr>
+        <a:xfrm>
+          <a:off x="0" y="0"/>
+          <a:ext cx="0" cy="0"/>
+          <a:chOff x="0" y="0"/>
+          <a:chExt cx="0" cy="0"/>
+        </a:xfrm>
+      </p:grpSpPr>
+      <p:sp>
+        <p:nvSpPr>
+          <p:cNvPr id="2" name="Title 1">
+            <a:extLst>
+              <a:ext uri="{FF2B5EF4-FFF2-40B4-BE49-F238E27FC236}">
+                <a16:creationId xmlns:a16="http://schemas.microsoft.com/office/drawing/2014/main" id="{47AB223A-84B3-85AF-035E-7E5F0C5B06E1}"/>
+              </a:ext>
+            </a:extLst>
+          </p:cNvPr>
+          <p:cNvSpPr>
+            <a:spLocks noGrp="1"/>
+          </p:cNvSpPr>
+          <p:nvPr>
+            <p:ph type="title"/>
+          </p:nvPr>
+        </p:nvSpPr>
+        <p:spPr>
+          <a:xfrm>
+            <a:off x="4464269" y="2766218"/>
+            <a:ext cx="3263462" cy="1325563"/>
+          </a:xfrm>
+        </p:spPr>
+        <p:txBody>
+          <a:bodyPr/>
+          <a:lstStyle/>
+          <a:p>
+            <a:r>
+              <a:rPr lang="en-US" dirty="0" err="1"/>
+              <a:t>Terima</a:t>
+            </a:r>
+            <a:r>
+              <a:rPr lang="en-US" dirty="0"/>
+              <a:t> Kasih</a:t>
+            </a:r>
+          </a:p>
+        </p:txBody>
+      </p:sp>
+    </p:spTree>
+    <p:extLst>
+      <p:ext uri="{BB962C8B-B14F-4D97-AF65-F5344CB8AC3E}">
+        <p14:creationId xmlns:p14="http://schemas.microsoft.com/office/powerpoint/2010/main" val="4243542826"/>
       </p:ext>
     </p:extLst>
   </p:cSld>
@@ -3789,6 +3893,405 @@
   <p:clrMapOvr>
     <a:masterClrMapping/>
   </p:clrMapOvr>
+  <p:timing>
+    <p:tnLst>
+      <p:par>
+        <p:cTn id="1" dur="indefinite" restart="never" nodeType="tmRoot">
+          <p:childTnLst>
+            <p:seq concurrent="1" nextAc="seek">
+              <p:cTn id="2" dur="indefinite" nodeType="mainSeq">
+                <p:childTnLst>
+                  <p:par>
+                    <p:cTn id="3" fill="hold">
+                      <p:stCondLst>
+                        <p:cond delay="indefinite"/>
+                      </p:stCondLst>
+                      <p:childTnLst>
+                        <p:par>
+                          <p:cTn id="4" fill="hold">
+                            <p:stCondLst>
+                              <p:cond delay="0"/>
+                            </p:stCondLst>
+                            <p:childTnLst>
+                              <p:par>
+                                <p:cTn id="5" presetID="10" presetClass="entr" presetSubtype="0" fill="hold" grpId="0" nodeType="clickEffect">
+                                  <p:stCondLst>
+                                    <p:cond delay="0"/>
+                                  </p:stCondLst>
+                                  <p:childTnLst>
+                                    <p:set>
+                                      <p:cBhvr>
+                                        <p:cTn id="6" dur="1" fill="hold">
+                                          <p:stCondLst>
+                                            <p:cond delay="0"/>
+                                          </p:stCondLst>
+                                        </p:cTn>
+                                        <p:tgtEl>
+                                          <p:spTgt spid="3">
+                                            <p:txEl>
+                                              <p:pRg st="0" end="0"/>
+                                            </p:txEl>
+                                          </p:spTgt>
+                                        </p:tgtEl>
+                                        <p:attrNameLst>
+                                          <p:attrName>style.visibility</p:attrName>
+                                        </p:attrNameLst>
+                                      </p:cBhvr>
+                                      <p:to>
+                                        <p:strVal val="visible"/>
+                                      </p:to>
+                                    </p:set>
+                                    <p:animEffect transition="in" filter="fade">
+                                      <p:cBhvr>
+                                        <p:cTn id="7" dur="500"/>
+                                        <p:tgtEl>
+                                          <p:spTgt spid="3">
+                                            <p:txEl>
+                                              <p:pRg st="0" end="0"/>
+                                            </p:txEl>
+                                          </p:spTgt>
+                                        </p:tgtEl>
+                                      </p:cBhvr>
+                                    </p:animEffect>
+                                  </p:childTnLst>
+                                </p:cTn>
+                              </p:par>
+                            </p:childTnLst>
+                          </p:cTn>
+                        </p:par>
+                      </p:childTnLst>
+                    </p:cTn>
+                  </p:par>
+                  <p:par>
+                    <p:cTn id="8" fill="hold">
+                      <p:stCondLst>
+                        <p:cond delay="indefinite"/>
+                      </p:stCondLst>
+                      <p:childTnLst>
+                        <p:par>
+                          <p:cTn id="9" fill="hold">
+                            <p:stCondLst>
+                              <p:cond delay="0"/>
+                            </p:stCondLst>
+                            <p:childTnLst>
+                              <p:par>
+                                <p:cTn id="10" presetID="10" presetClass="entr" presetSubtype="0" fill="hold" grpId="0" nodeType="clickEffect">
+                                  <p:stCondLst>
+                                    <p:cond delay="0"/>
+                                  </p:stCondLst>
+                                  <p:childTnLst>
+                                    <p:set>
+                                      <p:cBhvr>
+                                        <p:cTn id="11" dur="1" fill="hold">
+                                          <p:stCondLst>
+                                            <p:cond delay="0"/>
+                                          </p:stCondLst>
+                                        </p:cTn>
+                                        <p:tgtEl>
+                                          <p:spTgt spid="3">
+                                            <p:txEl>
+                                              <p:pRg st="1" end="1"/>
+                                            </p:txEl>
+                                          </p:spTgt>
+                                        </p:tgtEl>
+                                        <p:attrNameLst>
+                                          <p:attrName>style.visibility</p:attrName>
+                                        </p:attrNameLst>
+                                      </p:cBhvr>
+                                      <p:to>
+                                        <p:strVal val="visible"/>
+                                      </p:to>
+                                    </p:set>
+                                    <p:animEffect transition="in" filter="fade">
+                                      <p:cBhvr>
+                                        <p:cTn id="12" dur="500"/>
+                                        <p:tgtEl>
+                                          <p:spTgt spid="3">
+                                            <p:txEl>
+                                              <p:pRg st="1" end="1"/>
+                                            </p:txEl>
+                                          </p:spTgt>
+                                        </p:tgtEl>
+                                      </p:cBhvr>
+                                    </p:animEffect>
+                                  </p:childTnLst>
+                                </p:cTn>
+                              </p:par>
+                            </p:childTnLst>
+                          </p:cTn>
+                        </p:par>
+                      </p:childTnLst>
+                    </p:cTn>
+                  </p:par>
+                  <p:par>
+                    <p:cTn id="13" fill="hold">
+                      <p:stCondLst>
+                        <p:cond delay="indefinite"/>
+                      </p:stCondLst>
+                      <p:childTnLst>
+                        <p:par>
+                          <p:cTn id="14" fill="hold">
+                            <p:stCondLst>
+                              <p:cond delay="0"/>
+                            </p:stCondLst>
+                            <p:childTnLst>
+                              <p:par>
+                                <p:cTn id="15" presetID="10" presetClass="entr" presetSubtype="0" fill="hold" grpId="0" nodeType="clickEffect">
+                                  <p:stCondLst>
+                                    <p:cond delay="0"/>
+                                  </p:stCondLst>
+                                  <p:childTnLst>
+                                    <p:set>
+                                      <p:cBhvr>
+                                        <p:cTn id="16" dur="1" fill="hold">
+                                          <p:stCondLst>
+                                            <p:cond delay="0"/>
+                                          </p:stCondLst>
+                                        </p:cTn>
+                                        <p:tgtEl>
+                                          <p:spTgt spid="3">
+                                            <p:txEl>
+                                              <p:pRg st="3" end="3"/>
+                                            </p:txEl>
+                                          </p:spTgt>
+                                        </p:tgtEl>
+                                        <p:attrNameLst>
+                                          <p:attrName>style.visibility</p:attrName>
+                                        </p:attrNameLst>
+                                      </p:cBhvr>
+                                      <p:to>
+                                        <p:strVal val="visible"/>
+                                      </p:to>
+                                    </p:set>
+                                    <p:animEffect transition="in" filter="fade">
+                                      <p:cBhvr>
+                                        <p:cTn id="17" dur="500"/>
+                                        <p:tgtEl>
+                                          <p:spTgt spid="3">
+                                            <p:txEl>
+                                              <p:pRg st="3" end="3"/>
+                                            </p:txEl>
+                                          </p:spTgt>
+                                        </p:tgtEl>
+                                      </p:cBhvr>
+                                    </p:animEffect>
+                                  </p:childTnLst>
+                                </p:cTn>
+                              </p:par>
+                            </p:childTnLst>
+                          </p:cTn>
+                        </p:par>
+                      </p:childTnLst>
+                    </p:cTn>
+                  </p:par>
+                  <p:par>
+                    <p:cTn id="18" fill="hold">
+                      <p:stCondLst>
+                        <p:cond delay="indefinite"/>
+                      </p:stCondLst>
+                      <p:childTnLst>
+                        <p:par>
+                          <p:cTn id="19" fill="hold">
+                            <p:stCondLst>
+                              <p:cond delay="0"/>
+                            </p:stCondLst>
+                            <p:childTnLst>
+                              <p:par>
+                                <p:cTn id="20" presetID="10" presetClass="entr" presetSubtype="0" fill="hold" grpId="0" nodeType="clickEffect">
+                                  <p:stCondLst>
+                                    <p:cond delay="0"/>
+                                  </p:stCondLst>
+                                  <p:childTnLst>
+                                    <p:set>
+                                      <p:cBhvr>
+                                        <p:cTn id="21" dur="1" fill="hold">
+                                          <p:stCondLst>
+                                            <p:cond delay="0"/>
+                                          </p:stCondLst>
+                                        </p:cTn>
+                                        <p:tgtEl>
+                                          <p:spTgt spid="3">
+                                            <p:txEl>
+                                              <p:pRg st="4" end="4"/>
+                                            </p:txEl>
+                                          </p:spTgt>
+                                        </p:tgtEl>
+                                        <p:attrNameLst>
+                                          <p:attrName>style.visibility</p:attrName>
+                                        </p:attrNameLst>
+                                      </p:cBhvr>
+                                      <p:to>
+                                        <p:strVal val="visible"/>
+                                      </p:to>
+                                    </p:set>
+                                    <p:animEffect transition="in" filter="fade">
+                                      <p:cBhvr>
+                                        <p:cTn id="22" dur="500"/>
+                                        <p:tgtEl>
+                                          <p:spTgt spid="3">
+                                            <p:txEl>
+                                              <p:pRg st="4" end="4"/>
+                                            </p:txEl>
+                                          </p:spTgt>
+                                        </p:tgtEl>
+                                      </p:cBhvr>
+                                    </p:animEffect>
+                                  </p:childTnLst>
+                                </p:cTn>
+                              </p:par>
+                            </p:childTnLst>
+                          </p:cTn>
+                        </p:par>
+                      </p:childTnLst>
+                    </p:cTn>
+                  </p:par>
+                  <p:par>
+                    <p:cTn id="23" fill="hold">
+                      <p:stCondLst>
+                        <p:cond delay="indefinite"/>
+                      </p:stCondLst>
+                      <p:childTnLst>
+                        <p:par>
+                          <p:cTn id="24" fill="hold">
+                            <p:stCondLst>
+                              <p:cond delay="0"/>
+                            </p:stCondLst>
+                            <p:childTnLst>
+                              <p:par>
+                                <p:cTn id="25" presetID="10" presetClass="entr" presetSubtype="0" fill="hold" grpId="0" nodeType="clickEffect">
+                                  <p:stCondLst>
+                                    <p:cond delay="0"/>
+                                  </p:stCondLst>
+                                  <p:childTnLst>
+                                    <p:set>
+                                      <p:cBhvr>
+                                        <p:cTn id="26" dur="1" fill="hold">
+                                          <p:stCondLst>
+                                            <p:cond delay="0"/>
+                                          </p:stCondLst>
+                                        </p:cTn>
+                                        <p:tgtEl>
+                                          <p:spTgt spid="3">
+                                            <p:txEl>
+                                              <p:pRg st="6" end="6"/>
+                                            </p:txEl>
+                                          </p:spTgt>
+                                        </p:tgtEl>
+                                        <p:attrNameLst>
+                                          <p:attrName>style.visibility</p:attrName>
+                                        </p:attrNameLst>
+                                      </p:cBhvr>
+                                      <p:to>
+                                        <p:strVal val="visible"/>
+                                      </p:to>
+                                    </p:set>
+                                    <p:animEffect transition="in" filter="fade">
+                                      <p:cBhvr>
+                                        <p:cTn id="27" dur="500"/>
+                                        <p:tgtEl>
+                                          <p:spTgt spid="3">
+                                            <p:txEl>
+                                              <p:pRg st="6" end="6"/>
+                                            </p:txEl>
+                                          </p:spTgt>
+                                        </p:tgtEl>
+                                      </p:cBhvr>
+                                    </p:animEffect>
+                                  </p:childTnLst>
+                                </p:cTn>
+                              </p:par>
+                            </p:childTnLst>
+                          </p:cTn>
+                        </p:par>
+                      </p:childTnLst>
+                    </p:cTn>
+                  </p:par>
+                  <p:par>
+                    <p:cTn id="28" fill="hold">
+                      <p:stCondLst>
+                        <p:cond delay="indefinite"/>
+                      </p:stCondLst>
+                      <p:childTnLst>
+                        <p:par>
+                          <p:cTn id="29" fill="hold">
+                            <p:stCondLst>
+                              <p:cond delay="0"/>
+                            </p:stCondLst>
+                            <p:childTnLst>
+                              <p:par>
+                                <p:cTn id="30" presetID="10" presetClass="entr" presetSubtype="0" fill="hold" grpId="0" nodeType="clickEffect">
+                                  <p:stCondLst>
+                                    <p:cond delay="0"/>
+                                  </p:stCondLst>
+                                  <p:childTnLst>
+                                    <p:set>
+                                      <p:cBhvr>
+                                        <p:cTn id="31" dur="1" fill="hold">
+                                          <p:stCondLst>
+                                            <p:cond delay="0"/>
+                                          </p:stCondLst>
+                                        </p:cTn>
+                                        <p:tgtEl>
+                                          <p:spTgt spid="3">
+                                            <p:txEl>
+                                              <p:pRg st="7" end="7"/>
+                                            </p:txEl>
+                                          </p:spTgt>
+                                        </p:tgtEl>
+                                        <p:attrNameLst>
+                                          <p:attrName>style.visibility</p:attrName>
+                                        </p:attrNameLst>
+                                      </p:cBhvr>
+                                      <p:to>
+                                        <p:strVal val="visible"/>
+                                      </p:to>
+                                    </p:set>
+                                    <p:animEffect transition="in" filter="fade">
+                                      <p:cBhvr>
+                                        <p:cTn id="32" dur="500"/>
+                                        <p:tgtEl>
+                                          <p:spTgt spid="3">
+                                            <p:txEl>
+                                              <p:pRg st="7" end="7"/>
+                                            </p:txEl>
+                                          </p:spTgt>
+                                        </p:tgtEl>
+                                      </p:cBhvr>
+                                    </p:animEffect>
+                                  </p:childTnLst>
+                                </p:cTn>
+                              </p:par>
+                            </p:childTnLst>
+                          </p:cTn>
+                        </p:par>
+                      </p:childTnLst>
+                    </p:cTn>
+                  </p:par>
+                </p:childTnLst>
+              </p:cTn>
+              <p:prevCondLst>
+                <p:cond evt="onPrev" delay="0">
+                  <p:tgtEl>
+                    <p:sldTgt/>
+                  </p:tgtEl>
+                </p:cond>
+              </p:prevCondLst>
+              <p:nextCondLst>
+                <p:cond evt="onNext" delay="0">
+                  <p:tgtEl>
+                    <p:sldTgt/>
+                  </p:tgtEl>
+                </p:cond>
+              </p:nextCondLst>
+            </p:seq>
+          </p:childTnLst>
+        </p:cTn>
+      </p:par>
+    </p:tnLst>
+    <p:bldLst>
+      <p:bldP spid="3" grpId="0" build="p"/>
+    </p:bldLst>
+  </p:timing>
 </p:sld>
 </file>
 
@@ -3867,7 +4370,7 @@
         </p:blipFill>
         <p:spPr bwMode="auto">
           <a:xfrm>
-            <a:off x="2316027" y="3931019"/>
+            <a:off x="2511770" y="4309953"/>
             <a:ext cx="1517074" cy="1517074"/>
           </a:xfrm>
           <a:prstGeom prst="rect">
@@ -4429,8 +4932,8 @@
           </a:fontRef>
         </p:style>
       </p:cxnSp>
-      <mc:AlternateContent xmlns:mc="http://schemas.openxmlformats.org/markup-compatibility/2006">
-        <mc:Choice xmlns:a14="http://schemas.microsoft.com/office/drawing/2010/main" Requires="a14">
+      <mc:AlternateContent xmlns:mc="http://schemas.openxmlformats.org/markup-compatibility/2006" xmlns:a14="http://schemas.microsoft.com/office/drawing/2010/main">
+        <mc:Choice Requires="a14">
           <p:sp>
             <p:nvSpPr>
               <p:cNvPr id="29" name="TextBox 28">
@@ -4459,6 +4962,7 @@
               </a:bodyPr>
               <a:lstStyle/>
               <a:p>
+                <a:pPr/>
                 <a14:m>
                   <m:oMathPara xmlns:m="http://schemas.openxmlformats.org/officeDocument/2006/math">
                     <m:oMathParaPr>
@@ -4553,7 +5057,7 @@
             </p:txBody>
           </p:sp>
         </mc:Choice>
-        <mc:Fallback>
+        <mc:Fallback xmlns="">
           <p:sp>
             <p:nvSpPr>
               <p:cNvPr id="29" name="TextBox 28">
@@ -4764,8 +5268,8 @@
           </a:fontRef>
         </p:style>
       </p:cxnSp>
-      <mc:AlternateContent xmlns:mc="http://schemas.openxmlformats.org/markup-compatibility/2006">
-        <mc:Choice xmlns:a14="http://schemas.microsoft.com/office/drawing/2010/main" Requires="a14">
+      <mc:AlternateContent xmlns:mc="http://schemas.openxmlformats.org/markup-compatibility/2006" xmlns:a14="http://schemas.microsoft.com/office/drawing/2010/main">
+        <mc:Choice Requires="a14">
           <p:sp>
             <p:nvSpPr>
               <p:cNvPr id="39" name="TextBox 38">
@@ -4794,6 +5298,7 @@
               </a:bodyPr>
               <a:lstStyle/>
               <a:p>
+                <a:pPr/>
                 <a14:m>
                   <m:oMathPara xmlns:m="http://schemas.openxmlformats.org/officeDocument/2006/math">
                     <m:oMathParaPr>
@@ -4854,7 +5359,7 @@
             </p:txBody>
           </p:sp>
         </mc:Choice>
-        <mc:Fallback>
+        <mc:Fallback xmlns="">
           <p:sp>
             <p:nvSpPr>
               <p:cNvPr id="39" name="TextBox 38">
@@ -4992,7 +5497,7 @@
         </p:nvSpPr>
         <p:spPr>
           <a:xfrm>
-            <a:off x="820962" y="4575097"/>
+            <a:off x="1016705" y="4954031"/>
             <a:ext cx="793743" cy="369332"/>
           </a:xfrm>
           <a:prstGeom prst="rect">
@@ -5028,7 +5533,7 @@
         </p:nvSpPr>
         <p:spPr>
           <a:xfrm>
-            <a:off x="2063710" y="5263427"/>
+            <a:off x="2259453" y="5642361"/>
             <a:ext cx="2021707" cy="369332"/>
           </a:xfrm>
           <a:prstGeom prst="rect">
@@ -5092,8 +5597,8 @@
           </a:fontRef>
         </p:style>
       </p:cxnSp>
-      <mc:AlternateContent xmlns:mc="http://schemas.openxmlformats.org/markup-compatibility/2006">
-        <mc:Choice xmlns:a14="http://schemas.microsoft.com/office/drawing/2010/main" Requires="a14">
+      <mc:AlternateContent xmlns:mc="http://schemas.openxmlformats.org/markup-compatibility/2006" xmlns:a14="http://schemas.microsoft.com/office/drawing/2010/main">
+        <mc:Choice Requires="a14">
           <p:sp>
             <p:nvSpPr>
               <p:cNvPr id="50" name="TextBox 49">
@@ -5122,6 +5627,7 @@
               </a:bodyPr>
               <a:lstStyle/>
               <a:p>
+                <a:pPr/>
                 <a14:m>
                   <m:oMathPara xmlns:m="http://schemas.openxmlformats.org/officeDocument/2006/math">
                     <m:oMathParaPr>
@@ -5260,7 +5766,7 @@
             </p:txBody>
           </p:sp>
         </mc:Choice>
-        <mc:Fallback>
+        <mc:Fallback xmlns="">
           <p:sp>
             <p:nvSpPr>
               <p:cNvPr id="50" name="TextBox 49">
@@ -5407,7 +5913,7 @@
             </p:nvSpPr>
             <p:spPr>
               <a:xfrm>
-                <a:off x="4224083" y="4495474"/>
+                <a:off x="4419826" y="4874408"/>
                 <a:ext cx="1224246" cy="405367"/>
               </a:xfrm>
               <a:prstGeom prst="rect">
@@ -5421,6 +5927,7 @@
               </a:bodyPr>
               <a:lstStyle/>
               <a:p>
+                <a:pPr/>
                 <a14:m>
                   <m:oMathPara xmlns:m="http://schemas.openxmlformats.org/officeDocument/2006/math">
                     <m:oMathParaPr>
@@ -5576,7 +6083,7 @@
             </p:nvSpPr>
             <p:spPr>
               <a:xfrm>
-                <a:off x="4224083" y="4495474"/>
+                <a:off x="4419826" y="4874408"/>
                 <a:ext cx="1224246" cy="405367"/>
               </a:xfrm>
               <a:prstGeom prst="rect">
@@ -5585,7 +6092,7 @@
               <a:blipFill>
                 <a:blip r:embed="rId6"/>
                 <a:stretch>
-                  <a:fillRect l="-8458" r="-7960" b="-23881"/>
+                  <a:fillRect l="-7960" r="-8458" b="-24242"/>
                 </a:stretch>
               </a:blipFill>
             </p:spPr>
@@ -5594,7 +6101,7 @@
               <a:lstStyle/>
               <a:p>
                 <a:r>
-                  <a:rPr lang="en-ID">
+                  <a:rPr lang="en-US">
                     <a:noFill/>
                   </a:rPr>
                   <a:t> </a:t>
@@ -5620,7 +6127,7 @@
             </p:nvSpPr>
             <p:spPr>
               <a:xfrm>
-                <a:off x="6123164" y="4541541"/>
+                <a:off x="6318907" y="4920475"/>
                 <a:ext cx="241733" cy="369332"/>
               </a:xfrm>
               <a:prstGeom prst="rect">
@@ -5634,6 +6141,7 @@
               </a:bodyPr>
               <a:lstStyle/>
               <a:p>
+                <a:pPr/>
                 <a14:m>
                   <m:oMathPara xmlns:m="http://schemas.openxmlformats.org/officeDocument/2006/math">
                     <m:oMathParaPr>
@@ -5683,7 +6191,7 @@
             </p:nvSpPr>
             <p:spPr>
               <a:xfrm>
-                <a:off x="6123164" y="4541541"/>
+                <a:off x="6318907" y="4920475"/>
                 <a:ext cx="241733" cy="369332"/>
               </a:xfrm>
               <a:prstGeom prst="rect">
@@ -5692,7 +6200,7 @@
               <a:blipFill>
                 <a:blip r:embed="rId7"/>
                 <a:stretch>
-                  <a:fillRect l="-15000" t="-14754" r="-72500"/>
+                  <a:fillRect l="-17949" t="-14754" r="-74359"/>
                 </a:stretch>
               </a:blipFill>
             </p:spPr>
@@ -5701,7 +6209,7 @@
               <a:lstStyle/>
               <a:p>
                 <a:r>
-                  <a:rPr lang="en-ID">
+                  <a:rPr lang="en-US">
                     <a:noFill/>
                   </a:rPr>
                   <a:t> </a:t>
@@ -5727,7 +6235,7 @@
         </p:nvCxnSpPr>
         <p:spPr>
           <a:xfrm>
-            <a:off x="3641218" y="4690983"/>
+            <a:off x="3836961" y="5069917"/>
             <a:ext cx="486539" cy="0"/>
           </a:xfrm>
           <a:prstGeom prst="straightConnector1">
@@ -5768,7 +6276,7 @@
         </p:nvCxnSpPr>
         <p:spPr>
           <a:xfrm>
-            <a:off x="5510077" y="4714310"/>
+            <a:off x="5705820" y="5093244"/>
             <a:ext cx="486539" cy="0"/>
           </a:xfrm>
           <a:prstGeom prst="straightConnector1">
@@ -5809,7 +6317,7 @@
             </p:nvSpPr>
             <p:spPr>
               <a:xfrm>
-                <a:off x="7076579" y="4539070"/>
+                <a:off x="7272322" y="4918004"/>
                 <a:ext cx="592855" cy="369332"/>
               </a:xfrm>
               <a:prstGeom prst="rect">
@@ -5823,6 +6331,7 @@
               </a:bodyPr>
               <a:lstStyle/>
               <a:p>
+                <a:pPr/>
                 <a14:m>
                   <m:oMathPara xmlns:m="http://schemas.openxmlformats.org/officeDocument/2006/math">
                     <m:oMathParaPr>
@@ -5900,7 +6409,7 @@
             </p:nvSpPr>
             <p:spPr>
               <a:xfrm>
-                <a:off x="7076579" y="4539070"/>
+                <a:off x="7272322" y="4918004"/>
                 <a:ext cx="592855" cy="369332"/>
               </a:xfrm>
               <a:prstGeom prst="rect">
@@ -5918,7 +6427,7 @@
               <a:lstStyle/>
               <a:p>
                 <a:r>
-                  <a:rPr lang="en-ID">
+                  <a:rPr lang="en-US">
                     <a:noFill/>
                   </a:rPr>
                   <a:t> </a:t>
@@ -5944,7 +6453,7 @@
         </p:nvCxnSpPr>
         <p:spPr>
           <a:xfrm>
-            <a:off x="6459431" y="4711125"/>
+            <a:off x="6655174" y="5090059"/>
             <a:ext cx="486539" cy="0"/>
           </a:xfrm>
           <a:prstGeom prst="straightConnector1">
@@ -5985,7 +6494,7 @@
         </p:nvCxnSpPr>
         <p:spPr>
           <a:xfrm>
-            <a:off x="7755688" y="4728732"/>
+            <a:off x="7951431" y="5107666"/>
             <a:ext cx="486539" cy="0"/>
           </a:xfrm>
           <a:prstGeom prst="straightConnector1">
@@ -6026,7 +6535,7 @@
             </p:nvSpPr>
             <p:spPr>
               <a:xfrm>
-                <a:off x="8312217" y="4539070"/>
+                <a:off x="8507960" y="4918004"/>
                 <a:ext cx="245708" cy="369332"/>
               </a:xfrm>
               <a:prstGeom prst="rect">
@@ -6040,6 +6549,7 @@
               </a:bodyPr>
               <a:lstStyle/>
               <a:p>
+                <a:pPr/>
                 <a14:m>
                   <m:oMathPara xmlns:m="http://schemas.openxmlformats.org/officeDocument/2006/math">
                     <m:oMathParaPr>
@@ -6089,7 +6599,7 @@
             </p:nvSpPr>
             <p:spPr>
               <a:xfrm>
-                <a:off x="8312217" y="4539070"/>
+                <a:off x="8507960" y="4918004"/>
                 <a:ext cx="245708" cy="369332"/>
               </a:xfrm>
               <a:prstGeom prst="rect">
@@ -6107,7 +6617,7 @@
               <a:lstStyle/>
               <a:p>
                 <a:r>
-                  <a:rPr lang="en-ID">
+                  <a:rPr lang="en-US">
                     <a:noFill/>
                   </a:rPr>
                   <a:t> </a:t>
@@ -6929,6 +7439,6133 @@
     <p:extLst>
       <p:ext uri="{BB962C8B-B14F-4D97-AF65-F5344CB8AC3E}">
         <p14:creationId xmlns:p14="http://schemas.microsoft.com/office/powerpoint/2010/main" val="936762797"/>
+      </p:ext>
+    </p:extLst>
+  </p:cSld>
+  <p:clrMapOvr>
+    <a:masterClrMapping/>
+  </p:clrMapOvr>
+</p:sld>
+</file>
+
+<file path=ppt/slides/slide5.xml><?xml version="1.0" encoding="utf-8"?>
+<p:sld xmlns:a="http://schemas.openxmlformats.org/drawingml/2006/main" xmlns:r="http://schemas.openxmlformats.org/officeDocument/2006/relationships" xmlns:p="http://schemas.openxmlformats.org/presentationml/2006/main">
+  <p:cSld>
+    <p:spTree>
+      <p:nvGrpSpPr>
+        <p:cNvPr id="1" name=""/>
+        <p:cNvGrpSpPr/>
+        <p:nvPr/>
+      </p:nvGrpSpPr>
+      <p:grpSpPr>
+        <a:xfrm>
+          <a:off x="0" y="0"/>
+          <a:ext cx="0" cy="0"/>
+          <a:chOff x="0" y="0"/>
+          <a:chExt cx="0" cy="0"/>
+        </a:xfrm>
+      </p:grpSpPr>
+      <p:sp>
+        <p:nvSpPr>
+          <p:cNvPr id="4" name="Title 1">
+            <a:extLst>
+              <a:ext uri="{FF2B5EF4-FFF2-40B4-BE49-F238E27FC236}">
+                <a16:creationId xmlns:a16="http://schemas.microsoft.com/office/drawing/2014/main" id="{A9B65F6D-A3CA-8508-C835-1427DAEEB390}"/>
+              </a:ext>
+            </a:extLst>
+          </p:cNvPr>
+          <p:cNvSpPr>
+            <a:spLocks noGrp="1"/>
+          </p:cNvSpPr>
+          <p:nvPr>
+            <p:ph type="title"/>
+          </p:nvPr>
+        </p:nvSpPr>
+        <p:spPr>
+          <a:xfrm>
+            <a:off x="838200" y="365125"/>
+            <a:ext cx="5306628" cy="1325563"/>
+          </a:xfrm>
+        </p:spPr>
+        <p:txBody>
+          <a:bodyPr/>
+          <a:lstStyle/>
+          <a:p>
+            <a:r>
+              <a:rPr lang="en-US" dirty="0"/>
+              <a:t>Text </a:t>
+            </a:r>
+            <a:r>
+              <a:rPr lang="en-US" dirty="0">
+                <a:sym typeface="Wingdings" panose="05000000000000000000" pitchFamily="2" charset="2"/>
+              </a:rPr>
+              <a:t> Vector: TF-IDF</a:t>
+            </a:r>
+            <a:endParaRPr lang="en-US" dirty="0"/>
+          </a:p>
+        </p:txBody>
+      </p:sp>
+      <mc:AlternateContent xmlns:mc="http://schemas.openxmlformats.org/markup-compatibility/2006">
+        <mc:Choice xmlns:a14="http://schemas.microsoft.com/office/drawing/2010/main" Requires="a14">
+          <p:sp>
+            <p:nvSpPr>
+              <p:cNvPr id="9" name="TextBox 8">
+                <a:extLst>
+                  <a:ext uri="{FF2B5EF4-FFF2-40B4-BE49-F238E27FC236}">
+                    <a16:creationId xmlns:a16="http://schemas.microsoft.com/office/drawing/2014/main" id="{DC50102E-88F7-EC1F-2DC4-8DE3CCF0261C}"/>
+                  </a:ext>
+                </a:extLst>
+              </p:cNvPr>
+              <p:cNvSpPr txBox="1"/>
+              <p:nvPr/>
+            </p:nvSpPr>
+            <p:spPr>
+              <a:xfrm>
+                <a:off x="2085589" y="2451005"/>
+                <a:ext cx="3264764" cy="584775"/>
+              </a:xfrm>
+              <a:prstGeom prst="rect">
+                <a:avLst/>
+              </a:prstGeom>
+              <a:noFill/>
+            </p:spPr>
+            <p:txBody>
+              <a:bodyPr wrap="square">
+                <a:spAutoFit/>
+              </a:bodyPr>
+              <a:lstStyle/>
+              <a:p>
+                <a:pPr/>
+                <a14:m>
+                  <m:oMathPara xmlns:m="http://schemas.openxmlformats.org/officeDocument/2006/math">
+                    <m:oMathParaPr>
+                      <m:jc m:val="centerGroup"/>
+                    </m:oMathParaPr>
+                    <m:oMath xmlns:m="http://schemas.openxmlformats.org/officeDocument/2006/math">
+                      <m:r>
+                        <a:rPr lang="en-US" sz="3200" b="0" i="1" smtClean="0">
+                          <a:latin typeface="Cambria Math" panose="02040503050406030204" pitchFamily="18" charset="0"/>
+                        </a:rPr>
+                        <m:t>𝑉</m:t>
+                      </m:r>
+                      <m:r>
+                        <a:rPr lang="en-US" sz="3200" b="0" i="1" smtClean="0">
+                          <a:latin typeface="Cambria Math" panose="02040503050406030204" pitchFamily="18" charset="0"/>
+                        </a:rPr>
+                        <m:t>={</m:t>
+                      </m:r>
+                      <m:sSub>
+                        <m:sSubPr>
+                          <m:ctrlPr>
+                            <a:rPr lang="en-US" sz="3200" i="1">
+                              <a:latin typeface="Cambria Math" panose="02040503050406030204" pitchFamily="18" charset="0"/>
+                            </a:rPr>
+                          </m:ctrlPr>
+                        </m:sSubPr>
+                        <m:e>
+                          <m:r>
+                            <a:rPr lang="en-US" sz="3200" i="1">
+                              <a:latin typeface="Cambria Math" panose="02040503050406030204" pitchFamily="18" charset="0"/>
+                            </a:rPr>
+                            <m:t>𝑡</m:t>
+                          </m:r>
+                        </m:e>
+                        <m:sub>
+                          <m:r>
+                            <a:rPr lang="en-US" sz="3200" i="1">
+                              <a:latin typeface="Cambria Math" panose="02040503050406030204" pitchFamily="18" charset="0"/>
+                            </a:rPr>
+                            <m:t>0</m:t>
+                          </m:r>
+                        </m:sub>
+                      </m:sSub>
+                      <m:r>
+                        <a:rPr lang="en-US" sz="3200" i="1">
+                          <a:latin typeface="Cambria Math" panose="02040503050406030204" pitchFamily="18" charset="0"/>
+                        </a:rPr>
+                        <m:t>,</m:t>
+                      </m:r>
+                      <m:sSub>
+                        <m:sSubPr>
+                          <m:ctrlPr>
+                            <a:rPr lang="en-US" sz="3200" i="1">
+                              <a:latin typeface="Cambria Math" panose="02040503050406030204" pitchFamily="18" charset="0"/>
+                            </a:rPr>
+                          </m:ctrlPr>
+                        </m:sSubPr>
+                        <m:e>
+                          <m:r>
+                            <a:rPr lang="en-US" sz="3200" i="1">
+                              <a:latin typeface="Cambria Math" panose="02040503050406030204" pitchFamily="18" charset="0"/>
+                            </a:rPr>
+                            <m:t>𝑡</m:t>
+                          </m:r>
+                        </m:e>
+                        <m:sub>
+                          <m:r>
+                            <a:rPr lang="en-US" sz="3200" i="1">
+                              <a:latin typeface="Cambria Math" panose="02040503050406030204" pitchFamily="18" charset="0"/>
+                            </a:rPr>
+                            <m:t>1</m:t>
+                          </m:r>
+                        </m:sub>
+                      </m:sSub>
+                      <m:r>
+                        <a:rPr lang="en-US" sz="3200" i="1">
+                          <a:latin typeface="Cambria Math" panose="02040503050406030204" pitchFamily="18" charset="0"/>
+                        </a:rPr>
+                        <m:t>,…,</m:t>
+                      </m:r>
+                      <m:sSub>
+                        <m:sSubPr>
+                          <m:ctrlPr>
+                            <a:rPr lang="en-US" sz="3200" i="1">
+                              <a:latin typeface="Cambria Math" panose="02040503050406030204" pitchFamily="18" charset="0"/>
+                            </a:rPr>
+                          </m:ctrlPr>
+                        </m:sSubPr>
+                        <m:e>
+                          <m:r>
+                            <a:rPr lang="en-US" sz="3200" i="1">
+                              <a:latin typeface="Cambria Math" panose="02040503050406030204" pitchFamily="18" charset="0"/>
+                            </a:rPr>
+                            <m:t>𝑡</m:t>
+                          </m:r>
+                        </m:e>
+                        <m:sub>
+                          <m:r>
+                            <a:rPr lang="en-US" sz="3200" i="1">
+                              <a:latin typeface="Cambria Math" panose="02040503050406030204" pitchFamily="18" charset="0"/>
+                            </a:rPr>
+                            <m:t>𝑛</m:t>
+                          </m:r>
+                        </m:sub>
+                      </m:sSub>
+                      <m:r>
+                        <a:rPr lang="en-US" sz="3200" b="0" i="1" smtClean="0">
+                          <a:latin typeface="Cambria Math" panose="02040503050406030204" pitchFamily="18" charset="0"/>
+                        </a:rPr>
+                        <m:t>}</m:t>
+                      </m:r>
+                    </m:oMath>
+                  </m:oMathPara>
+                </a14:m>
+                <a:endParaRPr lang="en-US" sz="1200" dirty="0"/>
+              </a:p>
+            </p:txBody>
+          </p:sp>
+        </mc:Choice>
+        <mc:Fallback>
+          <p:sp>
+            <p:nvSpPr>
+              <p:cNvPr id="9" name="TextBox 8">
+                <a:extLst>
+                  <a:ext uri="{FF2B5EF4-FFF2-40B4-BE49-F238E27FC236}">
+                    <a16:creationId xmlns:a16="http://schemas.microsoft.com/office/drawing/2014/main" id="{DC50102E-88F7-EC1F-2DC4-8DE3CCF0261C}"/>
+                  </a:ext>
+                </a:extLst>
+              </p:cNvPr>
+              <p:cNvSpPr txBox="1">
+                <a:spLocks noRot="1" noChangeAspect="1" noMove="1" noResize="1" noEditPoints="1" noAdjustHandles="1" noChangeArrowheads="1" noChangeShapeType="1" noTextEdit="1"/>
+              </p:cNvSpPr>
+              <p:nvPr/>
+            </p:nvSpPr>
+            <p:spPr>
+              <a:xfrm>
+                <a:off x="2085589" y="2451005"/>
+                <a:ext cx="3264764" cy="584775"/>
+              </a:xfrm>
+              <a:prstGeom prst="rect">
+                <a:avLst/>
+              </a:prstGeom>
+              <a:blipFill>
+                <a:blip r:embed="rId2"/>
+                <a:stretch>
+                  <a:fillRect/>
+                </a:stretch>
+              </a:blipFill>
+            </p:spPr>
+            <p:txBody>
+              <a:bodyPr/>
+              <a:lstStyle/>
+              <a:p>
+                <a:r>
+                  <a:rPr lang="en-US">
+                    <a:noFill/>
+                  </a:rPr>
+                  <a:t> </a:t>
+                </a:r>
+              </a:p>
+            </p:txBody>
+          </p:sp>
+        </mc:Fallback>
+      </mc:AlternateContent>
+      <mc:AlternateContent xmlns:mc="http://schemas.openxmlformats.org/markup-compatibility/2006">
+        <mc:Choice xmlns:a14="http://schemas.microsoft.com/office/drawing/2010/main" Requires="a14">
+          <p:sp>
+            <p:nvSpPr>
+              <p:cNvPr id="10" name="TextBox 9">
+                <a:extLst>
+                  <a:ext uri="{FF2B5EF4-FFF2-40B4-BE49-F238E27FC236}">
+                    <a16:creationId xmlns:a16="http://schemas.microsoft.com/office/drawing/2014/main" id="{1724A69D-E544-0989-A6A8-AD9E43E2368D}"/>
+                  </a:ext>
+                </a:extLst>
+              </p:cNvPr>
+              <p:cNvSpPr txBox="1"/>
+              <p:nvPr/>
+            </p:nvSpPr>
+            <p:spPr>
+              <a:xfrm>
+                <a:off x="838200" y="5470302"/>
+                <a:ext cx="5121830" cy="629852"/>
+              </a:xfrm>
+              <a:prstGeom prst="rect">
+                <a:avLst/>
+              </a:prstGeom>
+              <a:noFill/>
+            </p:spPr>
+            <p:txBody>
+              <a:bodyPr wrap="square">
+                <a:spAutoFit/>
+              </a:bodyPr>
+              <a:lstStyle/>
+              <a:p>
+                <a:pPr/>
+                <a14:m>
+                  <m:oMathPara xmlns:m="http://schemas.openxmlformats.org/officeDocument/2006/math">
+                    <m:oMathParaPr>
+                      <m:jc m:val="centerGroup"/>
+                    </m:oMathParaPr>
+                    <m:oMath xmlns:m="http://schemas.openxmlformats.org/officeDocument/2006/math">
+                      <m:r>
+                        <a:rPr lang="en-US" sz="3200" b="0" i="1" smtClean="0">
+                          <a:latin typeface="Cambria Math" panose="02040503050406030204" pitchFamily="18" charset="0"/>
+                        </a:rPr>
+                        <m:t>𝑖𝑑𝑓</m:t>
+                      </m:r>
+                      <m:r>
+                        <a:rPr lang="en-US" sz="3200" i="1">
+                          <a:latin typeface="Cambria Math" panose="02040503050406030204" pitchFamily="18" charset="0"/>
+                        </a:rPr>
+                        <m:t>=</m:t>
+                      </m:r>
+                      <m:r>
+                        <a:rPr lang="en-US" sz="3200" b="0" i="1" smtClean="0">
+                          <a:latin typeface="Cambria Math" panose="02040503050406030204" pitchFamily="18" charset="0"/>
+                        </a:rPr>
+                        <m:t>{</m:t>
+                      </m:r>
+                      <m:sSub>
+                        <m:sSubPr>
+                          <m:ctrlPr>
+                            <a:rPr lang="en-US" sz="3200" i="1">
+                              <a:latin typeface="Cambria Math" panose="02040503050406030204" pitchFamily="18" charset="0"/>
+                            </a:rPr>
+                          </m:ctrlPr>
+                        </m:sSubPr>
+                        <m:e>
+                          <m:r>
+                            <a:rPr lang="en-US" sz="3200" i="1">
+                              <a:latin typeface="Cambria Math" panose="02040503050406030204" pitchFamily="18" charset="0"/>
+                            </a:rPr>
+                            <m:t>𝑖𝑑𝑓</m:t>
+                          </m:r>
+                        </m:e>
+                        <m:sub>
+                          <m:sSub>
+                            <m:sSubPr>
+                              <m:ctrlPr>
+                                <a:rPr lang="en-US" sz="3200" i="1">
+                                  <a:latin typeface="Cambria Math" panose="02040503050406030204" pitchFamily="18" charset="0"/>
+                                </a:rPr>
+                              </m:ctrlPr>
+                            </m:sSubPr>
+                            <m:e>
+                              <m:r>
+                                <a:rPr lang="en-US" sz="3200" i="1">
+                                  <a:latin typeface="Cambria Math" panose="02040503050406030204" pitchFamily="18" charset="0"/>
+                                </a:rPr>
+                                <m:t>𝑡</m:t>
+                              </m:r>
+                            </m:e>
+                            <m:sub>
+                              <m:r>
+                                <a:rPr lang="en-US" sz="3200" i="1">
+                                  <a:latin typeface="Cambria Math" panose="02040503050406030204" pitchFamily="18" charset="0"/>
+                                </a:rPr>
+                                <m:t>0</m:t>
+                              </m:r>
+                            </m:sub>
+                          </m:sSub>
+                        </m:sub>
+                      </m:sSub>
+                      <m:r>
+                        <a:rPr lang="en-US" sz="3200" i="1">
+                          <a:latin typeface="Cambria Math" panose="02040503050406030204" pitchFamily="18" charset="0"/>
+                        </a:rPr>
+                        <m:t>,</m:t>
+                      </m:r>
+                      <m:sSub>
+                        <m:sSubPr>
+                          <m:ctrlPr>
+                            <a:rPr lang="en-US" sz="3200" i="1">
+                              <a:latin typeface="Cambria Math" panose="02040503050406030204" pitchFamily="18" charset="0"/>
+                            </a:rPr>
+                          </m:ctrlPr>
+                        </m:sSubPr>
+                        <m:e>
+                          <m:r>
+                            <a:rPr lang="en-US" sz="3200" i="1">
+                              <a:latin typeface="Cambria Math" panose="02040503050406030204" pitchFamily="18" charset="0"/>
+                            </a:rPr>
+                            <m:t>𝑖𝑑𝑓</m:t>
+                          </m:r>
+                        </m:e>
+                        <m:sub>
+                          <m:sSub>
+                            <m:sSubPr>
+                              <m:ctrlPr>
+                                <a:rPr lang="en-US" sz="3200" i="1">
+                                  <a:latin typeface="Cambria Math" panose="02040503050406030204" pitchFamily="18" charset="0"/>
+                                </a:rPr>
+                              </m:ctrlPr>
+                            </m:sSubPr>
+                            <m:e>
+                              <m:r>
+                                <a:rPr lang="en-US" sz="3200" i="1">
+                                  <a:latin typeface="Cambria Math" panose="02040503050406030204" pitchFamily="18" charset="0"/>
+                                </a:rPr>
+                                <m:t>𝑡</m:t>
+                              </m:r>
+                            </m:e>
+                            <m:sub>
+                              <m:r>
+                                <a:rPr lang="en-US" sz="3200" i="1">
+                                  <a:latin typeface="Cambria Math" panose="02040503050406030204" pitchFamily="18" charset="0"/>
+                                </a:rPr>
+                                <m:t>1</m:t>
+                              </m:r>
+                            </m:sub>
+                          </m:sSub>
+                        </m:sub>
+                      </m:sSub>
+                      <m:r>
+                        <a:rPr lang="en-US" sz="3200" i="1">
+                          <a:latin typeface="Cambria Math" panose="02040503050406030204" pitchFamily="18" charset="0"/>
+                        </a:rPr>
+                        <m:t>,…,</m:t>
+                      </m:r>
+                      <m:sSub>
+                        <m:sSubPr>
+                          <m:ctrlPr>
+                            <a:rPr lang="en-US" sz="3200" i="1">
+                              <a:latin typeface="Cambria Math" panose="02040503050406030204" pitchFamily="18" charset="0"/>
+                            </a:rPr>
+                          </m:ctrlPr>
+                        </m:sSubPr>
+                        <m:e>
+                          <m:r>
+                            <a:rPr lang="en-US" sz="3200" i="1">
+                              <a:latin typeface="Cambria Math" panose="02040503050406030204" pitchFamily="18" charset="0"/>
+                            </a:rPr>
+                            <m:t>𝑖𝑑𝑓</m:t>
+                          </m:r>
+                        </m:e>
+                        <m:sub>
+                          <m:sSub>
+                            <m:sSubPr>
+                              <m:ctrlPr>
+                                <a:rPr lang="en-US" sz="3200" i="1">
+                                  <a:latin typeface="Cambria Math" panose="02040503050406030204" pitchFamily="18" charset="0"/>
+                                </a:rPr>
+                              </m:ctrlPr>
+                            </m:sSubPr>
+                            <m:e>
+                              <m:r>
+                                <a:rPr lang="en-US" sz="3200" i="1">
+                                  <a:latin typeface="Cambria Math" panose="02040503050406030204" pitchFamily="18" charset="0"/>
+                                </a:rPr>
+                                <m:t>𝑡</m:t>
+                              </m:r>
+                            </m:e>
+                            <m:sub>
+                              <m:r>
+                                <a:rPr lang="en-US" sz="3200" i="1">
+                                  <a:latin typeface="Cambria Math" panose="02040503050406030204" pitchFamily="18" charset="0"/>
+                                </a:rPr>
+                                <m:t>𝑛</m:t>
+                              </m:r>
+                            </m:sub>
+                          </m:sSub>
+                        </m:sub>
+                      </m:sSub>
+                      <m:r>
+                        <a:rPr lang="en-US" sz="3200" b="0" i="1" smtClean="0">
+                          <a:latin typeface="Cambria Math" panose="02040503050406030204" pitchFamily="18" charset="0"/>
+                        </a:rPr>
+                        <m:t>}</m:t>
+                      </m:r>
+                    </m:oMath>
+                  </m:oMathPara>
+                </a14:m>
+                <a:endParaRPr lang="en-US" sz="1200" dirty="0"/>
+              </a:p>
+            </p:txBody>
+          </p:sp>
+        </mc:Choice>
+        <mc:Fallback>
+          <p:sp>
+            <p:nvSpPr>
+              <p:cNvPr id="10" name="TextBox 9">
+                <a:extLst>
+                  <a:ext uri="{FF2B5EF4-FFF2-40B4-BE49-F238E27FC236}">
+                    <a16:creationId xmlns:a16="http://schemas.microsoft.com/office/drawing/2014/main" id="{1724A69D-E544-0989-A6A8-AD9E43E2368D}"/>
+                  </a:ext>
+                </a:extLst>
+              </p:cNvPr>
+              <p:cNvSpPr txBox="1">
+                <a:spLocks noRot="1" noChangeAspect="1" noMove="1" noResize="1" noEditPoints="1" noAdjustHandles="1" noChangeArrowheads="1" noChangeShapeType="1" noTextEdit="1"/>
+              </p:cNvSpPr>
+              <p:nvPr/>
+            </p:nvSpPr>
+            <p:spPr>
+              <a:xfrm>
+                <a:off x="838200" y="5470302"/>
+                <a:ext cx="5121830" cy="629852"/>
+              </a:xfrm>
+              <a:prstGeom prst="rect">
+                <a:avLst/>
+              </a:prstGeom>
+              <a:blipFill>
+                <a:blip r:embed="rId3"/>
+                <a:stretch>
+                  <a:fillRect/>
+                </a:stretch>
+              </a:blipFill>
+            </p:spPr>
+            <p:txBody>
+              <a:bodyPr/>
+              <a:lstStyle/>
+              <a:p>
+                <a:r>
+                  <a:rPr lang="en-US">
+                    <a:noFill/>
+                  </a:rPr>
+                  <a:t> </a:t>
+                </a:r>
+              </a:p>
+            </p:txBody>
+          </p:sp>
+        </mc:Fallback>
+      </mc:AlternateContent>
+      <p:pic>
+        <p:nvPicPr>
+          <p:cNvPr id="11" name="Picture 2" descr="Office Paper Cartoon Styles Icon Document Rolled Template Vector, Document,  Rolled, Template PNG and Vector with Transparent Background for Free  Download">
+            <a:extLst>
+              <a:ext uri="{FF2B5EF4-FFF2-40B4-BE49-F238E27FC236}">
+                <a16:creationId xmlns:a16="http://schemas.microsoft.com/office/drawing/2014/main" id="{5E716A52-5FCB-916D-444B-20119F6C73D8}"/>
+              </a:ext>
+            </a:extLst>
+          </p:cNvPr>
+          <p:cNvPicPr>
+            <a:picLocks noChangeAspect="1" noChangeArrowheads="1"/>
+          </p:cNvPicPr>
+          <p:nvPr/>
+        </p:nvPicPr>
+        <p:blipFill>
+          <a:blip r:embed="rId4">
+            <a:extLst>
+              <a:ext uri="{28A0092B-C50C-407E-A947-70E740481C1C}">
+                <a14:useLocalDpi xmlns:a14="http://schemas.microsoft.com/office/drawing/2010/main" val="0"/>
+              </a:ext>
+            </a:extLst>
+          </a:blip>
+          <a:srcRect/>
+          <a:stretch>
+            <a:fillRect/>
+          </a:stretch>
+        </p:blipFill>
+        <p:spPr bwMode="auto">
+          <a:xfrm>
+            <a:off x="979001" y="1939643"/>
+            <a:ext cx="1426848" cy="1426848"/>
+          </a:xfrm>
+          <a:prstGeom prst="rect">
+            <a:avLst/>
+          </a:prstGeom>
+          <a:noFill/>
+          <a:extLst>
+            <a:ext uri="{909E8E84-426E-40DD-AFC4-6F175D3DCCD1}">
+              <a14:hiddenFill xmlns:a14="http://schemas.microsoft.com/office/drawing/2010/main">
+                <a:solidFill>
+                  <a:srgbClr val="FFFFFF"/>
+                </a:solidFill>
+              </a14:hiddenFill>
+            </a:ext>
+          </a:extLst>
+        </p:spPr>
+      </p:pic>
+      <mc:AlternateContent xmlns:mc="http://schemas.openxmlformats.org/markup-compatibility/2006">
+        <mc:Choice xmlns:a14="http://schemas.microsoft.com/office/drawing/2010/main" Requires="a14">
+          <p:sp>
+            <p:nvSpPr>
+              <p:cNvPr id="12" name="TextBox 11">
+                <a:extLst>
+                  <a:ext uri="{FF2B5EF4-FFF2-40B4-BE49-F238E27FC236}">
+                    <a16:creationId xmlns:a16="http://schemas.microsoft.com/office/drawing/2014/main" id="{612EBBC5-5855-9907-CAF8-5EE9B55F7602}"/>
+                  </a:ext>
+                </a:extLst>
+              </p:cNvPr>
+              <p:cNvSpPr txBox="1"/>
+              <p:nvPr/>
+            </p:nvSpPr>
+            <p:spPr>
+              <a:xfrm>
+                <a:off x="7360005" y="4504909"/>
+                <a:ext cx="3755341" cy="662810"/>
+              </a:xfrm>
+              <a:prstGeom prst="rect">
+                <a:avLst/>
+              </a:prstGeom>
+              <a:noFill/>
+            </p:spPr>
+            <p:txBody>
+              <a:bodyPr wrap="square">
+                <a:spAutoFit/>
+              </a:bodyPr>
+              <a:lstStyle/>
+              <a:p>
+                <a:pPr/>
+                <a14:m>
+                  <m:oMathPara xmlns:m="http://schemas.openxmlformats.org/officeDocument/2006/math">
+                    <m:oMathParaPr>
+                      <m:jc m:val="centerGroup"/>
+                    </m:oMathParaPr>
+                    <m:oMath xmlns:m="http://schemas.openxmlformats.org/officeDocument/2006/math">
+                      <m:acc>
+                        <m:accPr>
+                          <m:chr m:val="⃑"/>
+                          <m:ctrlPr>
+                            <a:rPr lang="en-ID" sz="3200" i="1" smtClean="0">
+                              <a:latin typeface="Cambria Math" panose="02040503050406030204" pitchFamily="18" charset="0"/>
+                            </a:rPr>
+                          </m:ctrlPr>
+                        </m:accPr>
+                        <m:e>
+                          <m:r>
+                            <a:rPr lang="en-US" sz="3200" b="0" i="1" smtClean="0">
+                              <a:latin typeface="Cambria Math" panose="02040503050406030204" pitchFamily="18" charset="0"/>
+                            </a:rPr>
+                            <m:t>𝑥</m:t>
+                          </m:r>
+                        </m:e>
+                      </m:acc>
+                      <m:r>
+                        <a:rPr lang="en-US" sz="3200" b="0" i="1" smtClean="0">
+                          <a:latin typeface="Cambria Math" panose="02040503050406030204" pitchFamily="18" charset="0"/>
+                        </a:rPr>
+                        <m:t>=</m:t>
+                      </m:r>
+                      <m:d>
+                        <m:dPr>
+                          <m:begChr m:val="⟨"/>
+                          <m:endChr m:val="⟩"/>
+                          <m:ctrlPr>
+                            <a:rPr lang="en-US" sz="3200" b="0" i="1" smtClean="0">
+                              <a:latin typeface="Cambria Math" panose="02040503050406030204" pitchFamily="18" charset="0"/>
+                            </a:rPr>
+                          </m:ctrlPr>
+                        </m:dPr>
+                        <m:e>
+                          <m:sSub>
+                            <m:sSubPr>
+                              <m:ctrlPr>
+                                <a:rPr lang="en-US" sz="3200" b="0" i="1" smtClean="0">
+                                  <a:latin typeface="Cambria Math" panose="02040503050406030204" pitchFamily="18" charset="0"/>
+                                </a:rPr>
+                              </m:ctrlPr>
+                            </m:sSubPr>
+                            <m:e>
+                              <m:r>
+                                <a:rPr lang="en-US" sz="3200" b="0" i="1" smtClean="0">
+                                  <a:latin typeface="Cambria Math" panose="02040503050406030204" pitchFamily="18" charset="0"/>
+                                </a:rPr>
+                                <m:t>𝑥</m:t>
+                              </m:r>
+                            </m:e>
+                            <m:sub>
+                              <m:sSub>
+                                <m:sSubPr>
+                                  <m:ctrlPr>
+                                    <a:rPr lang="en-US" sz="3200" b="0" i="1" smtClean="0">
+                                      <a:latin typeface="Cambria Math" panose="02040503050406030204" pitchFamily="18" charset="0"/>
+                                    </a:rPr>
+                                  </m:ctrlPr>
+                                </m:sSubPr>
+                                <m:e>
+                                  <m:r>
+                                    <a:rPr lang="en-US" sz="3200" b="0" i="1" smtClean="0">
+                                      <a:latin typeface="Cambria Math" panose="02040503050406030204" pitchFamily="18" charset="0"/>
+                                    </a:rPr>
+                                    <m:t>𝑡</m:t>
+                                  </m:r>
+                                </m:e>
+                                <m:sub>
+                                  <m:r>
+                                    <a:rPr lang="en-US" sz="3200" b="0" i="1" smtClean="0">
+                                      <a:latin typeface="Cambria Math" panose="02040503050406030204" pitchFamily="18" charset="0"/>
+                                    </a:rPr>
+                                    <m:t>0</m:t>
+                                  </m:r>
+                                </m:sub>
+                              </m:sSub>
+                            </m:sub>
+                          </m:sSub>
+                          <m:r>
+                            <a:rPr lang="en-US" sz="3200" b="0" i="1" smtClean="0">
+                              <a:latin typeface="Cambria Math" panose="02040503050406030204" pitchFamily="18" charset="0"/>
+                            </a:rPr>
+                            <m:t>,</m:t>
+                          </m:r>
+                          <m:sSub>
+                            <m:sSubPr>
+                              <m:ctrlPr>
+                                <a:rPr lang="en-US" sz="3200" b="0" i="1" smtClean="0">
+                                  <a:latin typeface="Cambria Math" panose="02040503050406030204" pitchFamily="18" charset="0"/>
+                                </a:rPr>
+                              </m:ctrlPr>
+                            </m:sSubPr>
+                            <m:e>
+                              <m:r>
+                                <a:rPr lang="en-US" sz="3200" b="0" i="1" smtClean="0">
+                                  <a:latin typeface="Cambria Math" panose="02040503050406030204" pitchFamily="18" charset="0"/>
+                                </a:rPr>
+                                <m:t>𝑥</m:t>
+                              </m:r>
+                            </m:e>
+                            <m:sub>
+                              <m:sSub>
+                                <m:sSubPr>
+                                  <m:ctrlPr>
+                                    <a:rPr lang="en-US" sz="3200" i="1">
+                                      <a:latin typeface="Cambria Math" panose="02040503050406030204" pitchFamily="18" charset="0"/>
+                                    </a:rPr>
+                                  </m:ctrlPr>
+                                </m:sSubPr>
+                                <m:e>
+                                  <m:r>
+                                    <a:rPr lang="en-US" sz="3200" i="1">
+                                      <a:latin typeface="Cambria Math" panose="02040503050406030204" pitchFamily="18" charset="0"/>
+                                    </a:rPr>
+                                    <m:t>𝑡</m:t>
+                                  </m:r>
+                                </m:e>
+                                <m:sub>
+                                  <m:r>
+                                    <a:rPr lang="en-US" sz="3200" b="0" i="1" smtClean="0">
+                                      <a:latin typeface="Cambria Math" panose="02040503050406030204" pitchFamily="18" charset="0"/>
+                                    </a:rPr>
+                                    <m:t>1</m:t>
+                                  </m:r>
+                                </m:sub>
+                              </m:sSub>
+                            </m:sub>
+                          </m:sSub>
+                          <m:r>
+                            <a:rPr lang="en-US" sz="3200" b="0" i="1" smtClean="0">
+                              <a:latin typeface="Cambria Math" panose="02040503050406030204" pitchFamily="18" charset="0"/>
+                            </a:rPr>
+                            <m:t>,…,</m:t>
+                          </m:r>
+                          <m:sSub>
+                            <m:sSubPr>
+                              <m:ctrlPr>
+                                <a:rPr lang="en-US" sz="3200" b="0" i="1" smtClean="0">
+                                  <a:latin typeface="Cambria Math" panose="02040503050406030204" pitchFamily="18" charset="0"/>
+                                </a:rPr>
+                              </m:ctrlPr>
+                            </m:sSubPr>
+                            <m:e>
+                              <m:r>
+                                <a:rPr lang="en-US" sz="3200" b="0" i="1" smtClean="0">
+                                  <a:latin typeface="Cambria Math" panose="02040503050406030204" pitchFamily="18" charset="0"/>
+                                </a:rPr>
+                                <m:t>𝑥</m:t>
+                              </m:r>
+                            </m:e>
+                            <m:sub>
+                              <m:sSub>
+                                <m:sSubPr>
+                                  <m:ctrlPr>
+                                    <a:rPr lang="en-US" sz="3200" i="1">
+                                      <a:latin typeface="Cambria Math" panose="02040503050406030204" pitchFamily="18" charset="0"/>
+                                    </a:rPr>
+                                  </m:ctrlPr>
+                                </m:sSubPr>
+                                <m:e>
+                                  <m:r>
+                                    <a:rPr lang="en-US" sz="3200" i="1">
+                                      <a:latin typeface="Cambria Math" panose="02040503050406030204" pitchFamily="18" charset="0"/>
+                                    </a:rPr>
+                                    <m:t>𝑡</m:t>
+                                  </m:r>
+                                </m:e>
+                                <m:sub>
+                                  <m:r>
+                                    <a:rPr lang="en-US" sz="3200" b="0" i="1" smtClean="0">
+                                      <a:latin typeface="Cambria Math" panose="02040503050406030204" pitchFamily="18" charset="0"/>
+                                    </a:rPr>
+                                    <m:t>𝑛</m:t>
+                                  </m:r>
+                                </m:sub>
+                              </m:sSub>
+                            </m:sub>
+                          </m:sSub>
+                        </m:e>
+                      </m:d>
+                    </m:oMath>
+                  </m:oMathPara>
+                </a14:m>
+                <a:endParaRPr lang="en-US" sz="1200" dirty="0"/>
+              </a:p>
+            </p:txBody>
+          </p:sp>
+        </mc:Choice>
+        <mc:Fallback>
+          <p:sp>
+            <p:nvSpPr>
+              <p:cNvPr id="12" name="TextBox 11">
+                <a:extLst>
+                  <a:ext uri="{FF2B5EF4-FFF2-40B4-BE49-F238E27FC236}">
+                    <a16:creationId xmlns:a16="http://schemas.microsoft.com/office/drawing/2014/main" id="{612EBBC5-5855-9907-CAF8-5EE9B55F7602}"/>
+                  </a:ext>
+                </a:extLst>
+              </p:cNvPr>
+              <p:cNvSpPr txBox="1">
+                <a:spLocks noRot="1" noChangeAspect="1" noMove="1" noResize="1" noEditPoints="1" noAdjustHandles="1" noChangeArrowheads="1" noChangeShapeType="1" noTextEdit="1"/>
+              </p:cNvSpPr>
+              <p:nvPr/>
+            </p:nvSpPr>
+            <p:spPr>
+              <a:xfrm>
+                <a:off x="7360005" y="4504909"/>
+                <a:ext cx="3755341" cy="662810"/>
+              </a:xfrm>
+              <a:prstGeom prst="rect">
+                <a:avLst/>
+              </a:prstGeom>
+              <a:blipFill>
+                <a:blip r:embed="rId5"/>
+                <a:stretch>
+                  <a:fillRect/>
+                </a:stretch>
+              </a:blipFill>
+            </p:spPr>
+            <p:txBody>
+              <a:bodyPr/>
+              <a:lstStyle/>
+              <a:p>
+                <a:r>
+                  <a:rPr lang="en-US">
+                    <a:noFill/>
+                  </a:rPr>
+                  <a:t> </a:t>
+                </a:r>
+              </a:p>
+            </p:txBody>
+          </p:sp>
+        </mc:Fallback>
+      </mc:AlternateContent>
+      <mc:AlternateContent xmlns:mc="http://schemas.openxmlformats.org/markup-compatibility/2006">
+        <mc:Choice xmlns:a14="http://schemas.microsoft.com/office/drawing/2010/main" Requires="a14">
+          <p:sp>
+            <p:nvSpPr>
+              <p:cNvPr id="16" name="TextBox 15">
+                <a:extLst>
+                  <a:ext uri="{FF2B5EF4-FFF2-40B4-BE49-F238E27FC236}">
+                    <a16:creationId xmlns:a16="http://schemas.microsoft.com/office/drawing/2014/main" id="{D3F80D43-19AA-F024-6F80-F06F8425B78A}"/>
+                  </a:ext>
+                </a:extLst>
+              </p:cNvPr>
+              <p:cNvSpPr txBox="1"/>
+              <p:nvPr/>
+            </p:nvSpPr>
+            <p:spPr>
+              <a:xfrm>
+                <a:off x="1157056" y="4023372"/>
+                <a:ext cx="4338221" cy="629852"/>
+              </a:xfrm>
+              <a:prstGeom prst="rect">
+                <a:avLst/>
+              </a:prstGeom>
+              <a:noFill/>
+            </p:spPr>
+            <p:txBody>
+              <a:bodyPr wrap="square">
+                <a:spAutoFit/>
+              </a:bodyPr>
+              <a:lstStyle/>
+              <a:p>
+                <a:pPr/>
+                <a14:m>
+                  <m:oMathPara xmlns:m="http://schemas.openxmlformats.org/officeDocument/2006/math">
+                    <m:oMathParaPr>
+                      <m:jc m:val="centerGroup"/>
+                    </m:oMathParaPr>
+                    <m:oMath xmlns:m="http://schemas.openxmlformats.org/officeDocument/2006/math">
+                      <m:r>
+                        <a:rPr lang="en-US" sz="3200" b="0" i="1" smtClean="0">
+                          <a:latin typeface="Cambria Math" panose="02040503050406030204" pitchFamily="18" charset="0"/>
+                        </a:rPr>
+                        <m:t>𝑡𝑓</m:t>
+                      </m:r>
+                      <m:r>
+                        <a:rPr lang="en-US" sz="3200" b="0" i="1" smtClean="0">
+                          <a:latin typeface="Cambria Math" panose="02040503050406030204" pitchFamily="18" charset="0"/>
+                        </a:rPr>
+                        <m:t>=</m:t>
+                      </m:r>
+                      <m:sSub>
+                        <m:sSubPr>
+                          <m:ctrlPr>
+                            <a:rPr lang="en-US" sz="3200" i="1">
+                              <a:solidFill>
+                                <a:prstClr val="black"/>
+                              </a:solidFill>
+                              <a:latin typeface="Cambria Math" panose="02040503050406030204" pitchFamily="18" charset="0"/>
+                            </a:rPr>
+                          </m:ctrlPr>
+                        </m:sSubPr>
+                        <m:e>
+                          <m:r>
+                            <a:rPr lang="en-US" sz="3200" b="0" i="1" smtClean="0">
+                              <a:solidFill>
+                                <a:prstClr val="black"/>
+                              </a:solidFill>
+                              <a:latin typeface="Cambria Math" panose="02040503050406030204" pitchFamily="18" charset="0"/>
+                            </a:rPr>
+                            <m:t>{</m:t>
+                          </m:r>
+                          <m:r>
+                            <a:rPr lang="en-US" sz="3200" b="0" i="1" smtClean="0">
+                              <a:solidFill>
+                                <a:prstClr val="black"/>
+                              </a:solidFill>
+                              <a:latin typeface="Cambria Math" panose="02040503050406030204" pitchFamily="18" charset="0"/>
+                            </a:rPr>
+                            <m:t>𝑡𝑓</m:t>
+                          </m:r>
+                        </m:e>
+                        <m:sub>
+                          <m:sSub>
+                            <m:sSubPr>
+                              <m:ctrlPr>
+                                <a:rPr lang="en-US" sz="3200" i="1">
+                                  <a:solidFill>
+                                    <a:prstClr val="black"/>
+                                  </a:solidFill>
+                                  <a:latin typeface="Cambria Math" panose="02040503050406030204" pitchFamily="18" charset="0"/>
+                                </a:rPr>
+                              </m:ctrlPr>
+                            </m:sSubPr>
+                            <m:e>
+                              <m:r>
+                                <a:rPr lang="en-US" sz="3200" i="1">
+                                  <a:solidFill>
+                                    <a:prstClr val="black"/>
+                                  </a:solidFill>
+                                  <a:latin typeface="Cambria Math" panose="02040503050406030204" pitchFamily="18" charset="0"/>
+                                </a:rPr>
+                                <m:t>𝑡</m:t>
+                              </m:r>
+                            </m:e>
+                            <m:sub>
+                              <m:r>
+                                <a:rPr lang="en-US" sz="3200" i="1">
+                                  <a:solidFill>
+                                    <a:prstClr val="black"/>
+                                  </a:solidFill>
+                                  <a:latin typeface="Cambria Math" panose="02040503050406030204" pitchFamily="18" charset="0"/>
+                                </a:rPr>
+                                <m:t>0</m:t>
+                              </m:r>
+                            </m:sub>
+                          </m:sSub>
+                        </m:sub>
+                      </m:sSub>
+                      <m:r>
+                        <a:rPr lang="en-US" sz="3200" i="1">
+                          <a:solidFill>
+                            <a:prstClr val="black"/>
+                          </a:solidFill>
+                          <a:latin typeface="Cambria Math" panose="02040503050406030204" pitchFamily="18" charset="0"/>
+                        </a:rPr>
+                        <m:t>,</m:t>
+                      </m:r>
+                      <m:sSub>
+                        <m:sSubPr>
+                          <m:ctrlPr>
+                            <a:rPr lang="en-US" sz="3200" i="1">
+                              <a:solidFill>
+                                <a:prstClr val="black"/>
+                              </a:solidFill>
+                              <a:latin typeface="Cambria Math" panose="02040503050406030204" pitchFamily="18" charset="0"/>
+                            </a:rPr>
+                          </m:ctrlPr>
+                        </m:sSubPr>
+                        <m:e>
+                          <m:r>
+                            <a:rPr lang="en-US" sz="3200" b="0" i="1" smtClean="0">
+                              <a:solidFill>
+                                <a:prstClr val="black"/>
+                              </a:solidFill>
+                              <a:latin typeface="Cambria Math" panose="02040503050406030204" pitchFamily="18" charset="0"/>
+                            </a:rPr>
+                            <m:t>𝑡𝑓</m:t>
+                          </m:r>
+                        </m:e>
+                        <m:sub>
+                          <m:sSub>
+                            <m:sSubPr>
+                              <m:ctrlPr>
+                                <a:rPr lang="en-US" sz="3200" i="1">
+                                  <a:solidFill>
+                                    <a:prstClr val="black"/>
+                                  </a:solidFill>
+                                  <a:latin typeface="Cambria Math" panose="02040503050406030204" pitchFamily="18" charset="0"/>
+                                </a:rPr>
+                              </m:ctrlPr>
+                            </m:sSubPr>
+                            <m:e>
+                              <m:r>
+                                <a:rPr lang="en-US" sz="3200" i="1">
+                                  <a:solidFill>
+                                    <a:prstClr val="black"/>
+                                  </a:solidFill>
+                                  <a:latin typeface="Cambria Math" panose="02040503050406030204" pitchFamily="18" charset="0"/>
+                                </a:rPr>
+                                <m:t>𝑡</m:t>
+                              </m:r>
+                            </m:e>
+                            <m:sub>
+                              <m:r>
+                                <a:rPr lang="en-US" sz="3200" i="1">
+                                  <a:solidFill>
+                                    <a:prstClr val="black"/>
+                                  </a:solidFill>
+                                  <a:latin typeface="Cambria Math" panose="02040503050406030204" pitchFamily="18" charset="0"/>
+                                </a:rPr>
+                                <m:t>1</m:t>
+                              </m:r>
+                            </m:sub>
+                          </m:sSub>
+                        </m:sub>
+                      </m:sSub>
+                      <m:r>
+                        <a:rPr lang="en-US" sz="3200" i="1">
+                          <a:solidFill>
+                            <a:prstClr val="black"/>
+                          </a:solidFill>
+                          <a:latin typeface="Cambria Math" panose="02040503050406030204" pitchFamily="18" charset="0"/>
+                        </a:rPr>
+                        <m:t>,…,</m:t>
+                      </m:r>
+                      <m:sSub>
+                        <m:sSubPr>
+                          <m:ctrlPr>
+                            <a:rPr lang="en-US" sz="3200" i="1">
+                              <a:solidFill>
+                                <a:prstClr val="black"/>
+                              </a:solidFill>
+                              <a:latin typeface="Cambria Math" panose="02040503050406030204" pitchFamily="18" charset="0"/>
+                            </a:rPr>
+                          </m:ctrlPr>
+                        </m:sSubPr>
+                        <m:e>
+                          <m:r>
+                            <a:rPr lang="en-US" sz="3200" b="0" i="1" smtClean="0">
+                              <a:solidFill>
+                                <a:prstClr val="black"/>
+                              </a:solidFill>
+                              <a:latin typeface="Cambria Math" panose="02040503050406030204" pitchFamily="18" charset="0"/>
+                            </a:rPr>
+                            <m:t>𝑡𝑓</m:t>
+                          </m:r>
+                        </m:e>
+                        <m:sub>
+                          <m:sSub>
+                            <m:sSubPr>
+                              <m:ctrlPr>
+                                <a:rPr lang="en-US" sz="3200" i="1">
+                                  <a:solidFill>
+                                    <a:prstClr val="black"/>
+                                  </a:solidFill>
+                                  <a:latin typeface="Cambria Math" panose="02040503050406030204" pitchFamily="18" charset="0"/>
+                                </a:rPr>
+                              </m:ctrlPr>
+                            </m:sSubPr>
+                            <m:e>
+                              <m:r>
+                                <a:rPr lang="en-US" sz="3200" i="1">
+                                  <a:solidFill>
+                                    <a:prstClr val="black"/>
+                                  </a:solidFill>
+                                  <a:latin typeface="Cambria Math" panose="02040503050406030204" pitchFamily="18" charset="0"/>
+                                </a:rPr>
+                                <m:t>𝑡</m:t>
+                              </m:r>
+                            </m:e>
+                            <m:sub>
+                              <m:r>
+                                <a:rPr lang="en-US" sz="3200" i="1">
+                                  <a:solidFill>
+                                    <a:prstClr val="black"/>
+                                  </a:solidFill>
+                                  <a:latin typeface="Cambria Math" panose="02040503050406030204" pitchFamily="18" charset="0"/>
+                                </a:rPr>
+                                <m:t>𝑛</m:t>
+                              </m:r>
+                            </m:sub>
+                          </m:sSub>
+                        </m:sub>
+                      </m:sSub>
+                      <m:r>
+                        <a:rPr lang="en-US" sz="3200" b="0" i="1" smtClean="0">
+                          <a:solidFill>
+                            <a:prstClr val="black"/>
+                          </a:solidFill>
+                          <a:latin typeface="Cambria Math" panose="02040503050406030204" pitchFamily="18" charset="0"/>
+                        </a:rPr>
+                        <m:t>}</m:t>
+                      </m:r>
+                    </m:oMath>
+                  </m:oMathPara>
+                </a14:m>
+                <a:endParaRPr lang="en-US" sz="1200" dirty="0"/>
+              </a:p>
+            </p:txBody>
+          </p:sp>
+        </mc:Choice>
+        <mc:Fallback>
+          <p:sp>
+            <p:nvSpPr>
+              <p:cNvPr id="16" name="TextBox 15">
+                <a:extLst>
+                  <a:ext uri="{FF2B5EF4-FFF2-40B4-BE49-F238E27FC236}">
+                    <a16:creationId xmlns:a16="http://schemas.microsoft.com/office/drawing/2014/main" id="{D3F80D43-19AA-F024-6F80-F06F8425B78A}"/>
+                  </a:ext>
+                </a:extLst>
+              </p:cNvPr>
+              <p:cNvSpPr txBox="1">
+                <a:spLocks noRot="1" noChangeAspect="1" noMove="1" noResize="1" noEditPoints="1" noAdjustHandles="1" noChangeArrowheads="1" noChangeShapeType="1" noTextEdit="1"/>
+              </p:cNvSpPr>
+              <p:nvPr/>
+            </p:nvSpPr>
+            <p:spPr>
+              <a:xfrm>
+                <a:off x="1157056" y="4023372"/>
+                <a:ext cx="4338221" cy="629852"/>
+              </a:xfrm>
+              <a:prstGeom prst="rect">
+                <a:avLst/>
+              </a:prstGeom>
+              <a:blipFill>
+                <a:blip r:embed="rId6"/>
+                <a:stretch>
+                  <a:fillRect/>
+                </a:stretch>
+              </a:blipFill>
+            </p:spPr>
+            <p:txBody>
+              <a:bodyPr/>
+              <a:lstStyle/>
+              <a:p>
+                <a:r>
+                  <a:rPr lang="en-US">
+                    <a:noFill/>
+                  </a:rPr>
+                  <a:t> </a:t>
+                </a:r>
+              </a:p>
+            </p:txBody>
+          </p:sp>
+        </mc:Fallback>
+      </mc:AlternateContent>
+      <p:sp>
+        <p:nvSpPr>
+          <p:cNvPr id="17" name="Right Brace 16">
+            <a:extLst>
+              <a:ext uri="{FF2B5EF4-FFF2-40B4-BE49-F238E27FC236}">
+                <a16:creationId xmlns:a16="http://schemas.microsoft.com/office/drawing/2014/main" id="{EDCB328D-468C-9DFE-89E9-E373C1BD4A20}"/>
+              </a:ext>
+            </a:extLst>
+          </p:cNvPr>
+          <p:cNvSpPr/>
+          <p:nvPr/>
+        </p:nvSpPr>
+        <p:spPr>
+          <a:xfrm flipV="1">
+            <a:off x="6144828" y="4350057"/>
+            <a:ext cx="660652" cy="1442592"/>
+          </a:xfrm>
+          <a:prstGeom prst="rightBrace">
+            <a:avLst>
+              <a:gd name="adj1" fmla="val 8333"/>
+              <a:gd name="adj2" fmla="val 65395"/>
+            </a:avLst>
+          </a:prstGeom>
+          <a:ln w="38100">
+            <a:solidFill>
+              <a:schemeClr val="tx1"/>
+            </a:solidFill>
+          </a:ln>
+        </p:spPr>
+        <p:style>
+          <a:lnRef idx="1">
+            <a:schemeClr val="accent1"/>
+          </a:lnRef>
+          <a:fillRef idx="0">
+            <a:schemeClr val="accent1"/>
+          </a:fillRef>
+          <a:effectRef idx="0">
+            <a:schemeClr val="accent1"/>
+          </a:effectRef>
+          <a:fontRef idx="minor">
+            <a:schemeClr val="tx1"/>
+          </a:fontRef>
+        </p:style>
+        <p:txBody>
+          <a:bodyPr rtlCol="0" anchor="ctr"/>
+          <a:lstStyle/>
+          <a:p>
+            <a:pPr algn="ctr"/>
+            <a:endParaRPr lang="en-US"/>
+          </a:p>
+        </p:txBody>
+      </p:sp>
+      <p:cxnSp>
+        <p:nvCxnSpPr>
+          <p:cNvPr id="20" name="Straight Arrow Connector 19">
+            <a:extLst>
+              <a:ext uri="{FF2B5EF4-FFF2-40B4-BE49-F238E27FC236}">
+                <a16:creationId xmlns:a16="http://schemas.microsoft.com/office/drawing/2014/main" id="{BA7D9E5A-3AD6-61DC-0656-F304DF7C2F41}"/>
+              </a:ext>
+            </a:extLst>
+          </p:cNvPr>
+          <p:cNvCxnSpPr>
+            <a:cxnSpLocks/>
+          </p:cNvCxnSpPr>
+          <p:nvPr/>
+        </p:nvCxnSpPr>
+        <p:spPr>
+          <a:xfrm flipH="1">
+            <a:off x="3326166" y="3324879"/>
+            <a:ext cx="276" cy="527979"/>
+          </a:xfrm>
+          <a:prstGeom prst="straightConnector1">
+            <a:avLst/>
+          </a:prstGeom>
+          <a:ln w="38100">
+            <a:tailEnd type="triangle"/>
+          </a:ln>
+        </p:spPr>
+        <p:style>
+          <a:lnRef idx="3">
+            <a:schemeClr val="dk1"/>
+          </a:lnRef>
+          <a:fillRef idx="0">
+            <a:schemeClr val="dk1"/>
+          </a:fillRef>
+          <a:effectRef idx="2">
+            <a:schemeClr val="dk1"/>
+          </a:effectRef>
+          <a:fontRef idx="minor">
+            <a:schemeClr val="tx1"/>
+          </a:fontRef>
+        </p:style>
+      </p:cxnSp>
+      <p:sp>
+        <p:nvSpPr>
+          <p:cNvPr id="22" name="TextBox 21">
+            <a:extLst>
+              <a:ext uri="{FF2B5EF4-FFF2-40B4-BE49-F238E27FC236}">
+                <a16:creationId xmlns:a16="http://schemas.microsoft.com/office/drawing/2014/main" id="{25CD35FD-4B2A-A3E2-4938-4EAAA32B9527}"/>
+              </a:ext>
+            </a:extLst>
+          </p:cNvPr>
+          <p:cNvSpPr txBox="1"/>
+          <p:nvPr/>
+        </p:nvSpPr>
+        <p:spPr>
+          <a:xfrm>
+            <a:off x="8237946" y="3888392"/>
+            <a:ext cx="1999458" cy="461665"/>
+          </a:xfrm>
+          <a:prstGeom prst="rect">
+            <a:avLst/>
+          </a:prstGeom>
+          <a:noFill/>
+        </p:spPr>
+        <p:txBody>
+          <a:bodyPr wrap="none" rtlCol="0">
+            <a:spAutoFit/>
+          </a:bodyPr>
+          <a:lstStyle/>
+          <a:p>
+            <a:r>
+              <a:rPr lang="en-US" sz="2400" dirty="0"/>
+              <a:t>Feature vector</a:t>
+            </a:r>
+          </a:p>
+        </p:txBody>
+      </p:sp>
+      <p:pic>
+        <p:nvPicPr>
+          <p:cNvPr id="23" name="Picture 2" descr="Office Paper Cartoon Styles Icon Document Rolled Template Vector, Document,  Rolled, Template PNG and Vector with Transparent Background for Free  Download">
+            <a:extLst>
+              <a:ext uri="{FF2B5EF4-FFF2-40B4-BE49-F238E27FC236}">
+                <a16:creationId xmlns:a16="http://schemas.microsoft.com/office/drawing/2014/main" id="{A0E70556-2A48-A28B-4086-9DB509971D61}"/>
+              </a:ext>
+            </a:extLst>
+          </p:cNvPr>
+          <p:cNvPicPr>
+            <a:picLocks noChangeAspect="1" noChangeArrowheads="1"/>
+          </p:cNvPicPr>
+          <p:nvPr/>
+        </p:nvPicPr>
+        <p:blipFill>
+          <a:blip r:embed="rId4">
+            <a:extLst>
+              <a:ext uri="{28A0092B-C50C-407E-A947-70E740481C1C}">
+                <a14:useLocalDpi xmlns:a14="http://schemas.microsoft.com/office/drawing/2010/main" val="0"/>
+              </a:ext>
+            </a:extLst>
+          </a:blip>
+          <a:srcRect/>
+          <a:stretch>
+            <a:fillRect/>
+          </a:stretch>
+        </p:blipFill>
+        <p:spPr bwMode="auto">
+          <a:xfrm>
+            <a:off x="6461898" y="396947"/>
+            <a:ext cx="1216374" cy="1216374"/>
+          </a:xfrm>
+          <a:prstGeom prst="rect">
+            <a:avLst/>
+          </a:prstGeom>
+          <a:noFill/>
+          <a:extLst>
+            <a:ext uri="{909E8E84-426E-40DD-AFC4-6F175D3DCCD1}">
+              <a14:hiddenFill xmlns:a14="http://schemas.microsoft.com/office/drawing/2010/main">
+                <a:solidFill>
+                  <a:srgbClr val="FFFFFF"/>
+                </a:solidFill>
+              </a14:hiddenFill>
+            </a:ext>
+          </a:extLst>
+        </p:spPr>
+      </p:pic>
+      <mc:AlternateContent xmlns:mc="http://schemas.openxmlformats.org/markup-compatibility/2006">
+        <mc:Choice xmlns:a14="http://schemas.microsoft.com/office/drawing/2010/main" Requires="a14">
+          <p:sp>
+            <p:nvSpPr>
+              <p:cNvPr id="24" name="TextBox 23">
+                <a:extLst>
+                  <a:ext uri="{FF2B5EF4-FFF2-40B4-BE49-F238E27FC236}">
+                    <a16:creationId xmlns:a16="http://schemas.microsoft.com/office/drawing/2014/main" id="{86A34D20-BEA1-7918-5320-9B89CB80929B}"/>
+                  </a:ext>
+                </a:extLst>
+              </p:cNvPr>
+              <p:cNvSpPr txBox="1"/>
+              <p:nvPr/>
+            </p:nvSpPr>
+            <p:spPr>
+              <a:xfrm>
+                <a:off x="8069801" y="664021"/>
+                <a:ext cx="3755341" cy="662810"/>
+              </a:xfrm>
+              <a:prstGeom prst="rect">
+                <a:avLst/>
+              </a:prstGeom>
+              <a:noFill/>
+            </p:spPr>
+            <p:txBody>
+              <a:bodyPr wrap="square">
+                <a:spAutoFit/>
+              </a:bodyPr>
+              <a:lstStyle/>
+              <a:p>
+                <a:pPr/>
+                <a14:m>
+                  <m:oMathPara xmlns:m="http://schemas.openxmlformats.org/officeDocument/2006/math">
+                    <m:oMathParaPr>
+                      <m:jc m:val="centerGroup"/>
+                    </m:oMathParaPr>
+                    <m:oMath xmlns:m="http://schemas.openxmlformats.org/officeDocument/2006/math">
+                      <m:acc>
+                        <m:accPr>
+                          <m:chr m:val="⃑"/>
+                          <m:ctrlPr>
+                            <a:rPr lang="en-ID" sz="3200" i="1" smtClean="0">
+                              <a:latin typeface="Cambria Math" panose="02040503050406030204" pitchFamily="18" charset="0"/>
+                            </a:rPr>
+                          </m:ctrlPr>
+                        </m:accPr>
+                        <m:e>
+                          <m:r>
+                            <a:rPr lang="en-US" sz="3200" b="0" i="1" smtClean="0">
+                              <a:latin typeface="Cambria Math" panose="02040503050406030204" pitchFamily="18" charset="0"/>
+                            </a:rPr>
+                            <m:t>𝑥</m:t>
+                          </m:r>
+                        </m:e>
+                      </m:acc>
+                      <m:r>
+                        <a:rPr lang="en-US" sz="3200" b="0" i="1" smtClean="0">
+                          <a:latin typeface="Cambria Math" panose="02040503050406030204" pitchFamily="18" charset="0"/>
+                        </a:rPr>
+                        <m:t>=</m:t>
+                      </m:r>
+                      <m:d>
+                        <m:dPr>
+                          <m:begChr m:val="⟨"/>
+                          <m:endChr m:val="⟩"/>
+                          <m:ctrlPr>
+                            <a:rPr lang="en-US" sz="3200" b="0" i="1" smtClean="0">
+                              <a:latin typeface="Cambria Math" panose="02040503050406030204" pitchFamily="18" charset="0"/>
+                            </a:rPr>
+                          </m:ctrlPr>
+                        </m:dPr>
+                        <m:e>
+                          <m:sSub>
+                            <m:sSubPr>
+                              <m:ctrlPr>
+                                <a:rPr lang="en-US" sz="3200" b="0" i="1" smtClean="0">
+                                  <a:latin typeface="Cambria Math" panose="02040503050406030204" pitchFamily="18" charset="0"/>
+                                </a:rPr>
+                              </m:ctrlPr>
+                            </m:sSubPr>
+                            <m:e>
+                              <m:r>
+                                <a:rPr lang="en-US" sz="3200" b="0" i="1" smtClean="0">
+                                  <a:latin typeface="Cambria Math" panose="02040503050406030204" pitchFamily="18" charset="0"/>
+                                </a:rPr>
+                                <m:t>𝑥</m:t>
+                              </m:r>
+                            </m:e>
+                            <m:sub>
+                              <m:sSub>
+                                <m:sSubPr>
+                                  <m:ctrlPr>
+                                    <a:rPr lang="en-US" sz="3200" b="0" i="1" smtClean="0">
+                                      <a:latin typeface="Cambria Math" panose="02040503050406030204" pitchFamily="18" charset="0"/>
+                                    </a:rPr>
+                                  </m:ctrlPr>
+                                </m:sSubPr>
+                                <m:e>
+                                  <m:r>
+                                    <a:rPr lang="en-US" sz="3200" b="0" i="1" smtClean="0">
+                                      <a:latin typeface="Cambria Math" panose="02040503050406030204" pitchFamily="18" charset="0"/>
+                                    </a:rPr>
+                                    <m:t>𝑡</m:t>
+                                  </m:r>
+                                </m:e>
+                                <m:sub>
+                                  <m:r>
+                                    <a:rPr lang="en-US" sz="3200" b="0" i="1" smtClean="0">
+                                      <a:latin typeface="Cambria Math" panose="02040503050406030204" pitchFamily="18" charset="0"/>
+                                    </a:rPr>
+                                    <m:t>0</m:t>
+                                  </m:r>
+                                </m:sub>
+                              </m:sSub>
+                            </m:sub>
+                          </m:sSub>
+                          <m:r>
+                            <a:rPr lang="en-US" sz="3200" b="0" i="1" smtClean="0">
+                              <a:latin typeface="Cambria Math" panose="02040503050406030204" pitchFamily="18" charset="0"/>
+                            </a:rPr>
+                            <m:t>,</m:t>
+                          </m:r>
+                          <m:sSub>
+                            <m:sSubPr>
+                              <m:ctrlPr>
+                                <a:rPr lang="en-US" sz="3200" b="0" i="1" smtClean="0">
+                                  <a:latin typeface="Cambria Math" panose="02040503050406030204" pitchFamily="18" charset="0"/>
+                                </a:rPr>
+                              </m:ctrlPr>
+                            </m:sSubPr>
+                            <m:e>
+                              <m:r>
+                                <a:rPr lang="en-US" sz="3200" b="0" i="1" smtClean="0">
+                                  <a:latin typeface="Cambria Math" panose="02040503050406030204" pitchFamily="18" charset="0"/>
+                                </a:rPr>
+                                <m:t>𝑥</m:t>
+                              </m:r>
+                            </m:e>
+                            <m:sub>
+                              <m:sSub>
+                                <m:sSubPr>
+                                  <m:ctrlPr>
+                                    <a:rPr lang="en-US" sz="3200" i="1">
+                                      <a:latin typeface="Cambria Math" panose="02040503050406030204" pitchFamily="18" charset="0"/>
+                                    </a:rPr>
+                                  </m:ctrlPr>
+                                </m:sSubPr>
+                                <m:e>
+                                  <m:r>
+                                    <a:rPr lang="en-US" sz="3200" i="1">
+                                      <a:latin typeface="Cambria Math" panose="02040503050406030204" pitchFamily="18" charset="0"/>
+                                    </a:rPr>
+                                    <m:t>𝑡</m:t>
+                                  </m:r>
+                                </m:e>
+                                <m:sub>
+                                  <m:r>
+                                    <a:rPr lang="en-US" sz="3200" b="0" i="1" smtClean="0">
+                                      <a:latin typeface="Cambria Math" panose="02040503050406030204" pitchFamily="18" charset="0"/>
+                                    </a:rPr>
+                                    <m:t>1</m:t>
+                                  </m:r>
+                                </m:sub>
+                              </m:sSub>
+                            </m:sub>
+                          </m:sSub>
+                          <m:r>
+                            <a:rPr lang="en-US" sz="3200" b="0" i="1" smtClean="0">
+                              <a:latin typeface="Cambria Math" panose="02040503050406030204" pitchFamily="18" charset="0"/>
+                            </a:rPr>
+                            <m:t>,…,</m:t>
+                          </m:r>
+                          <m:sSub>
+                            <m:sSubPr>
+                              <m:ctrlPr>
+                                <a:rPr lang="en-US" sz="3200" b="0" i="1" smtClean="0">
+                                  <a:latin typeface="Cambria Math" panose="02040503050406030204" pitchFamily="18" charset="0"/>
+                                </a:rPr>
+                              </m:ctrlPr>
+                            </m:sSubPr>
+                            <m:e>
+                              <m:r>
+                                <a:rPr lang="en-US" sz="3200" b="0" i="1" smtClean="0">
+                                  <a:latin typeface="Cambria Math" panose="02040503050406030204" pitchFamily="18" charset="0"/>
+                                </a:rPr>
+                                <m:t>𝑥</m:t>
+                              </m:r>
+                            </m:e>
+                            <m:sub>
+                              <m:sSub>
+                                <m:sSubPr>
+                                  <m:ctrlPr>
+                                    <a:rPr lang="en-US" sz="3200" i="1">
+                                      <a:latin typeface="Cambria Math" panose="02040503050406030204" pitchFamily="18" charset="0"/>
+                                    </a:rPr>
+                                  </m:ctrlPr>
+                                </m:sSubPr>
+                                <m:e>
+                                  <m:r>
+                                    <a:rPr lang="en-US" sz="3200" i="1">
+                                      <a:latin typeface="Cambria Math" panose="02040503050406030204" pitchFamily="18" charset="0"/>
+                                    </a:rPr>
+                                    <m:t>𝑡</m:t>
+                                  </m:r>
+                                </m:e>
+                                <m:sub>
+                                  <m:r>
+                                    <a:rPr lang="en-US" sz="3200" b="0" i="1" smtClean="0">
+                                      <a:latin typeface="Cambria Math" panose="02040503050406030204" pitchFamily="18" charset="0"/>
+                                    </a:rPr>
+                                    <m:t>𝑛</m:t>
+                                  </m:r>
+                                </m:sub>
+                              </m:sSub>
+                            </m:sub>
+                          </m:sSub>
+                        </m:e>
+                      </m:d>
+                    </m:oMath>
+                  </m:oMathPara>
+                </a14:m>
+                <a:endParaRPr lang="en-US" sz="1200" dirty="0"/>
+              </a:p>
+            </p:txBody>
+          </p:sp>
+        </mc:Choice>
+        <mc:Fallback>
+          <p:sp>
+            <p:nvSpPr>
+              <p:cNvPr id="24" name="TextBox 23">
+                <a:extLst>
+                  <a:ext uri="{FF2B5EF4-FFF2-40B4-BE49-F238E27FC236}">
+                    <a16:creationId xmlns:a16="http://schemas.microsoft.com/office/drawing/2014/main" id="{86A34D20-BEA1-7918-5320-9B89CB80929B}"/>
+                  </a:ext>
+                </a:extLst>
+              </p:cNvPr>
+              <p:cNvSpPr txBox="1">
+                <a:spLocks noRot="1" noChangeAspect="1" noMove="1" noResize="1" noEditPoints="1" noAdjustHandles="1" noChangeArrowheads="1" noChangeShapeType="1" noTextEdit="1"/>
+              </p:cNvSpPr>
+              <p:nvPr/>
+            </p:nvSpPr>
+            <p:spPr>
+              <a:xfrm>
+                <a:off x="8069801" y="664021"/>
+                <a:ext cx="3755341" cy="662810"/>
+              </a:xfrm>
+              <a:prstGeom prst="rect">
+                <a:avLst/>
+              </a:prstGeom>
+              <a:blipFill>
+                <a:blip r:embed="rId7"/>
+                <a:stretch>
+                  <a:fillRect/>
+                </a:stretch>
+              </a:blipFill>
+            </p:spPr>
+            <p:txBody>
+              <a:bodyPr/>
+              <a:lstStyle/>
+              <a:p>
+                <a:r>
+                  <a:rPr lang="en-US">
+                    <a:noFill/>
+                  </a:rPr>
+                  <a:t> </a:t>
+                </a:r>
+              </a:p>
+            </p:txBody>
+          </p:sp>
+        </mc:Fallback>
+      </mc:AlternateContent>
+      <p:cxnSp>
+        <p:nvCxnSpPr>
+          <p:cNvPr id="25" name="Straight Arrow Connector 24">
+            <a:extLst>
+              <a:ext uri="{FF2B5EF4-FFF2-40B4-BE49-F238E27FC236}">
+                <a16:creationId xmlns:a16="http://schemas.microsoft.com/office/drawing/2014/main" id="{1A68C384-577E-C4A3-DE86-C28B9FA0CAD1}"/>
+              </a:ext>
+            </a:extLst>
+          </p:cNvPr>
+          <p:cNvCxnSpPr>
+            <a:cxnSpLocks/>
+            <a:stCxn id="23" idx="3"/>
+            <a:endCxn id="24" idx="1"/>
+          </p:cNvCxnSpPr>
+          <p:nvPr/>
+        </p:nvCxnSpPr>
+        <p:spPr>
+          <a:xfrm flipV="1">
+            <a:off x="7678272" y="995426"/>
+            <a:ext cx="391529" cy="9708"/>
+          </a:xfrm>
+          <a:prstGeom prst="straightConnector1">
+            <a:avLst/>
+          </a:prstGeom>
+          <a:ln w="38100">
+            <a:tailEnd type="triangle"/>
+          </a:ln>
+        </p:spPr>
+        <p:style>
+          <a:lnRef idx="3">
+            <a:schemeClr val="dk1"/>
+          </a:lnRef>
+          <a:fillRef idx="0">
+            <a:schemeClr val="dk1"/>
+          </a:fillRef>
+          <a:effectRef idx="2">
+            <a:schemeClr val="dk1"/>
+          </a:effectRef>
+          <a:fontRef idx="minor">
+            <a:schemeClr val="tx1"/>
+          </a:fontRef>
+        </p:style>
+      </p:cxnSp>
+    </p:spTree>
+    <p:extLst>
+      <p:ext uri="{BB962C8B-B14F-4D97-AF65-F5344CB8AC3E}">
+        <p14:creationId xmlns:p14="http://schemas.microsoft.com/office/powerpoint/2010/main" val="130211537"/>
+      </p:ext>
+    </p:extLst>
+  </p:cSld>
+  <p:clrMapOvr>
+    <a:masterClrMapping/>
+  </p:clrMapOvr>
+</p:sld>
+</file>
+
+<file path=ppt/slides/slide6.xml><?xml version="1.0" encoding="utf-8"?>
+<p:sld xmlns:a="http://schemas.openxmlformats.org/drawingml/2006/main" xmlns:r="http://schemas.openxmlformats.org/officeDocument/2006/relationships" xmlns:p="http://schemas.openxmlformats.org/presentationml/2006/main">
+  <p:cSld>
+    <p:spTree>
+      <p:nvGrpSpPr>
+        <p:cNvPr id="1" name=""/>
+        <p:cNvGrpSpPr/>
+        <p:nvPr/>
+      </p:nvGrpSpPr>
+      <p:grpSpPr>
+        <a:xfrm>
+          <a:off x="0" y="0"/>
+          <a:ext cx="0" cy="0"/>
+          <a:chOff x="0" y="0"/>
+          <a:chExt cx="0" cy="0"/>
+        </a:xfrm>
+      </p:grpSpPr>
+      <p:sp>
+        <p:nvSpPr>
+          <p:cNvPr id="2" name="Title 1">
+            <a:extLst>
+              <a:ext uri="{FF2B5EF4-FFF2-40B4-BE49-F238E27FC236}">
+                <a16:creationId xmlns:a16="http://schemas.microsoft.com/office/drawing/2014/main" id="{65FE61E2-49CD-F34A-6D89-169793C8F775}"/>
+              </a:ext>
+            </a:extLst>
+          </p:cNvPr>
+          <p:cNvSpPr>
+            <a:spLocks noGrp="1"/>
+          </p:cNvSpPr>
+          <p:nvPr>
+            <p:ph type="title"/>
+          </p:nvPr>
+        </p:nvSpPr>
+        <p:spPr/>
+        <p:txBody>
+          <a:bodyPr/>
+          <a:lstStyle/>
+          <a:p>
+            <a:r>
+              <a:rPr lang="en-US" dirty="0"/>
+              <a:t>Text </a:t>
+            </a:r>
+            <a:r>
+              <a:rPr lang="en-US" dirty="0">
+                <a:sym typeface="Wingdings" panose="05000000000000000000" pitchFamily="2" charset="2"/>
+              </a:rPr>
+              <a:t> Vector: TF-IDF</a:t>
+            </a:r>
+            <a:endParaRPr lang="en-US" dirty="0"/>
+          </a:p>
+        </p:txBody>
+      </p:sp>
+      <p:pic>
+        <p:nvPicPr>
+          <p:cNvPr id="4" name="Picture 2" descr="Office Paper Cartoon Styles Icon Document Rolled Template Vector, Document,  Rolled, Template PNG and Vector with Transparent Background for Free  Download">
+            <a:extLst>
+              <a:ext uri="{FF2B5EF4-FFF2-40B4-BE49-F238E27FC236}">
+                <a16:creationId xmlns:a16="http://schemas.microsoft.com/office/drawing/2014/main" id="{106C8F3A-9526-C83F-74AA-1A7223613A19}"/>
+              </a:ext>
+            </a:extLst>
+          </p:cNvPr>
+          <p:cNvPicPr>
+            <a:picLocks noChangeAspect="1" noChangeArrowheads="1"/>
+          </p:cNvPicPr>
+          <p:nvPr/>
+        </p:nvPicPr>
+        <p:blipFill>
+          <a:blip r:embed="rId2">
+            <a:extLst>
+              <a:ext uri="{28A0092B-C50C-407E-A947-70E740481C1C}">
+                <a14:useLocalDpi xmlns:a14="http://schemas.microsoft.com/office/drawing/2010/main" val="0"/>
+              </a:ext>
+            </a:extLst>
+          </a:blip>
+          <a:srcRect/>
+          <a:stretch>
+            <a:fillRect/>
+          </a:stretch>
+        </p:blipFill>
+        <p:spPr bwMode="auto">
+          <a:xfrm>
+            <a:off x="6461898" y="396947"/>
+            <a:ext cx="1216374" cy="1216374"/>
+          </a:xfrm>
+          <a:prstGeom prst="rect">
+            <a:avLst/>
+          </a:prstGeom>
+          <a:noFill/>
+          <a:extLst>
+            <a:ext uri="{909E8E84-426E-40DD-AFC4-6F175D3DCCD1}">
+              <a14:hiddenFill xmlns:a14="http://schemas.microsoft.com/office/drawing/2010/main">
+                <a:solidFill>
+                  <a:srgbClr val="FFFFFF"/>
+                </a:solidFill>
+              </a14:hiddenFill>
+            </a:ext>
+          </a:extLst>
+        </p:spPr>
+      </p:pic>
+      <mc:AlternateContent xmlns:mc="http://schemas.openxmlformats.org/markup-compatibility/2006">
+        <mc:Choice xmlns:a14="http://schemas.microsoft.com/office/drawing/2010/main" Requires="a14">
+          <p:sp>
+            <p:nvSpPr>
+              <p:cNvPr id="6" name="TextBox 5">
+                <a:extLst>
+                  <a:ext uri="{FF2B5EF4-FFF2-40B4-BE49-F238E27FC236}">
+                    <a16:creationId xmlns:a16="http://schemas.microsoft.com/office/drawing/2014/main" id="{9BA1BF2F-E07F-856E-65CA-4194004B9A6A}"/>
+                  </a:ext>
+                </a:extLst>
+              </p:cNvPr>
+              <p:cNvSpPr txBox="1"/>
+              <p:nvPr/>
+            </p:nvSpPr>
+            <p:spPr>
+              <a:xfrm>
+                <a:off x="8069801" y="664021"/>
+                <a:ext cx="3755341" cy="662810"/>
+              </a:xfrm>
+              <a:prstGeom prst="rect">
+                <a:avLst/>
+              </a:prstGeom>
+              <a:noFill/>
+            </p:spPr>
+            <p:txBody>
+              <a:bodyPr wrap="square">
+                <a:spAutoFit/>
+              </a:bodyPr>
+              <a:lstStyle/>
+              <a:p>
+                <a:pPr/>
+                <a14:m>
+                  <m:oMathPara xmlns:m="http://schemas.openxmlformats.org/officeDocument/2006/math">
+                    <m:oMathParaPr>
+                      <m:jc m:val="centerGroup"/>
+                    </m:oMathParaPr>
+                    <m:oMath xmlns:m="http://schemas.openxmlformats.org/officeDocument/2006/math">
+                      <m:acc>
+                        <m:accPr>
+                          <m:chr m:val="⃑"/>
+                          <m:ctrlPr>
+                            <a:rPr lang="en-ID" sz="3200" i="1" smtClean="0">
+                              <a:latin typeface="Cambria Math" panose="02040503050406030204" pitchFamily="18" charset="0"/>
+                            </a:rPr>
+                          </m:ctrlPr>
+                        </m:accPr>
+                        <m:e>
+                          <m:r>
+                            <a:rPr lang="en-US" sz="3200" b="0" i="1" smtClean="0">
+                              <a:latin typeface="Cambria Math" panose="02040503050406030204" pitchFamily="18" charset="0"/>
+                            </a:rPr>
+                            <m:t>𝑥</m:t>
+                          </m:r>
+                        </m:e>
+                      </m:acc>
+                      <m:r>
+                        <a:rPr lang="en-US" sz="3200" b="0" i="1" smtClean="0">
+                          <a:latin typeface="Cambria Math" panose="02040503050406030204" pitchFamily="18" charset="0"/>
+                        </a:rPr>
+                        <m:t>=</m:t>
+                      </m:r>
+                      <m:d>
+                        <m:dPr>
+                          <m:begChr m:val="⟨"/>
+                          <m:endChr m:val="⟩"/>
+                          <m:ctrlPr>
+                            <a:rPr lang="en-US" sz="3200" b="0" i="1" smtClean="0">
+                              <a:latin typeface="Cambria Math" panose="02040503050406030204" pitchFamily="18" charset="0"/>
+                            </a:rPr>
+                          </m:ctrlPr>
+                        </m:dPr>
+                        <m:e>
+                          <m:sSub>
+                            <m:sSubPr>
+                              <m:ctrlPr>
+                                <a:rPr lang="en-US" sz="3200" b="0" i="1" smtClean="0">
+                                  <a:latin typeface="Cambria Math" panose="02040503050406030204" pitchFamily="18" charset="0"/>
+                                </a:rPr>
+                              </m:ctrlPr>
+                            </m:sSubPr>
+                            <m:e>
+                              <m:r>
+                                <a:rPr lang="en-US" sz="3200" b="0" i="1" smtClean="0">
+                                  <a:latin typeface="Cambria Math" panose="02040503050406030204" pitchFamily="18" charset="0"/>
+                                </a:rPr>
+                                <m:t>𝑥</m:t>
+                              </m:r>
+                            </m:e>
+                            <m:sub>
+                              <m:sSub>
+                                <m:sSubPr>
+                                  <m:ctrlPr>
+                                    <a:rPr lang="en-US" sz="3200" b="0" i="1" smtClean="0">
+                                      <a:latin typeface="Cambria Math" panose="02040503050406030204" pitchFamily="18" charset="0"/>
+                                    </a:rPr>
+                                  </m:ctrlPr>
+                                </m:sSubPr>
+                                <m:e>
+                                  <m:r>
+                                    <a:rPr lang="en-US" sz="3200" b="0" i="1" smtClean="0">
+                                      <a:latin typeface="Cambria Math" panose="02040503050406030204" pitchFamily="18" charset="0"/>
+                                    </a:rPr>
+                                    <m:t>𝑡</m:t>
+                                  </m:r>
+                                </m:e>
+                                <m:sub>
+                                  <m:r>
+                                    <a:rPr lang="en-US" sz="3200" b="0" i="1" smtClean="0">
+                                      <a:latin typeface="Cambria Math" panose="02040503050406030204" pitchFamily="18" charset="0"/>
+                                    </a:rPr>
+                                    <m:t>0</m:t>
+                                  </m:r>
+                                </m:sub>
+                              </m:sSub>
+                            </m:sub>
+                          </m:sSub>
+                          <m:r>
+                            <a:rPr lang="en-US" sz="3200" b="0" i="1" smtClean="0">
+                              <a:latin typeface="Cambria Math" panose="02040503050406030204" pitchFamily="18" charset="0"/>
+                            </a:rPr>
+                            <m:t>,</m:t>
+                          </m:r>
+                          <m:sSub>
+                            <m:sSubPr>
+                              <m:ctrlPr>
+                                <a:rPr lang="en-US" sz="3200" b="0" i="1" smtClean="0">
+                                  <a:latin typeface="Cambria Math" panose="02040503050406030204" pitchFamily="18" charset="0"/>
+                                </a:rPr>
+                              </m:ctrlPr>
+                            </m:sSubPr>
+                            <m:e>
+                              <m:r>
+                                <a:rPr lang="en-US" sz="3200" b="0" i="1" smtClean="0">
+                                  <a:latin typeface="Cambria Math" panose="02040503050406030204" pitchFamily="18" charset="0"/>
+                                </a:rPr>
+                                <m:t>𝑥</m:t>
+                              </m:r>
+                            </m:e>
+                            <m:sub>
+                              <m:sSub>
+                                <m:sSubPr>
+                                  <m:ctrlPr>
+                                    <a:rPr lang="en-US" sz="3200" i="1">
+                                      <a:latin typeface="Cambria Math" panose="02040503050406030204" pitchFamily="18" charset="0"/>
+                                    </a:rPr>
+                                  </m:ctrlPr>
+                                </m:sSubPr>
+                                <m:e>
+                                  <m:r>
+                                    <a:rPr lang="en-US" sz="3200" i="1">
+                                      <a:latin typeface="Cambria Math" panose="02040503050406030204" pitchFamily="18" charset="0"/>
+                                    </a:rPr>
+                                    <m:t>𝑡</m:t>
+                                  </m:r>
+                                </m:e>
+                                <m:sub>
+                                  <m:r>
+                                    <a:rPr lang="en-US" sz="3200" b="0" i="1" smtClean="0">
+                                      <a:latin typeface="Cambria Math" panose="02040503050406030204" pitchFamily="18" charset="0"/>
+                                    </a:rPr>
+                                    <m:t>1</m:t>
+                                  </m:r>
+                                </m:sub>
+                              </m:sSub>
+                            </m:sub>
+                          </m:sSub>
+                          <m:r>
+                            <a:rPr lang="en-US" sz="3200" b="0" i="1" smtClean="0">
+                              <a:latin typeface="Cambria Math" panose="02040503050406030204" pitchFamily="18" charset="0"/>
+                            </a:rPr>
+                            <m:t>,…,</m:t>
+                          </m:r>
+                          <m:sSub>
+                            <m:sSubPr>
+                              <m:ctrlPr>
+                                <a:rPr lang="en-US" sz="3200" b="0" i="1" smtClean="0">
+                                  <a:latin typeface="Cambria Math" panose="02040503050406030204" pitchFamily="18" charset="0"/>
+                                </a:rPr>
+                              </m:ctrlPr>
+                            </m:sSubPr>
+                            <m:e>
+                              <m:r>
+                                <a:rPr lang="en-US" sz="3200" b="0" i="1" smtClean="0">
+                                  <a:latin typeface="Cambria Math" panose="02040503050406030204" pitchFamily="18" charset="0"/>
+                                </a:rPr>
+                                <m:t>𝑥</m:t>
+                              </m:r>
+                            </m:e>
+                            <m:sub>
+                              <m:sSub>
+                                <m:sSubPr>
+                                  <m:ctrlPr>
+                                    <a:rPr lang="en-US" sz="3200" i="1">
+                                      <a:latin typeface="Cambria Math" panose="02040503050406030204" pitchFamily="18" charset="0"/>
+                                    </a:rPr>
+                                  </m:ctrlPr>
+                                </m:sSubPr>
+                                <m:e>
+                                  <m:r>
+                                    <a:rPr lang="en-US" sz="3200" i="1">
+                                      <a:latin typeface="Cambria Math" panose="02040503050406030204" pitchFamily="18" charset="0"/>
+                                    </a:rPr>
+                                    <m:t>𝑡</m:t>
+                                  </m:r>
+                                </m:e>
+                                <m:sub>
+                                  <m:r>
+                                    <a:rPr lang="en-US" sz="3200" b="0" i="1" smtClean="0">
+                                      <a:latin typeface="Cambria Math" panose="02040503050406030204" pitchFamily="18" charset="0"/>
+                                    </a:rPr>
+                                    <m:t>𝑛</m:t>
+                                  </m:r>
+                                </m:sub>
+                              </m:sSub>
+                            </m:sub>
+                          </m:sSub>
+                        </m:e>
+                      </m:d>
+                    </m:oMath>
+                  </m:oMathPara>
+                </a14:m>
+                <a:endParaRPr lang="en-US" sz="1200" dirty="0"/>
+              </a:p>
+            </p:txBody>
+          </p:sp>
+        </mc:Choice>
+        <mc:Fallback>
+          <p:sp>
+            <p:nvSpPr>
+              <p:cNvPr id="6" name="TextBox 5">
+                <a:extLst>
+                  <a:ext uri="{FF2B5EF4-FFF2-40B4-BE49-F238E27FC236}">
+                    <a16:creationId xmlns:a16="http://schemas.microsoft.com/office/drawing/2014/main" id="{9BA1BF2F-E07F-856E-65CA-4194004B9A6A}"/>
+                  </a:ext>
+                </a:extLst>
+              </p:cNvPr>
+              <p:cNvSpPr txBox="1">
+                <a:spLocks noRot="1" noChangeAspect="1" noMove="1" noResize="1" noEditPoints="1" noAdjustHandles="1" noChangeArrowheads="1" noChangeShapeType="1" noTextEdit="1"/>
+              </p:cNvSpPr>
+              <p:nvPr/>
+            </p:nvSpPr>
+            <p:spPr>
+              <a:xfrm>
+                <a:off x="8069801" y="664021"/>
+                <a:ext cx="3755341" cy="662810"/>
+              </a:xfrm>
+              <a:prstGeom prst="rect">
+                <a:avLst/>
+              </a:prstGeom>
+              <a:blipFill>
+                <a:blip r:embed="rId3"/>
+                <a:stretch>
+                  <a:fillRect/>
+                </a:stretch>
+              </a:blipFill>
+            </p:spPr>
+            <p:txBody>
+              <a:bodyPr/>
+              <a:lstStyle/>
+              <a:p>
+                <a:r>
+                  <a:rPr lang="en-US">
+                    <a:noFill/>
+                  </a:rPr>
+                  <a:t> </a:t>
+                </a:r>
+              </a:p>
+            </p:txBody>
+          </p:sp>
+        </mc:Fallback>
+      </mc:AlternateContent>
+      <p:cxnSp>
+        <p:nvCxnSpPr>
+          <p:cNvPr id="7" name="Straight Arrow Connector 6">
+            <a:extLst>
+              <a:ext uri="{FF2B5EF4-FFF2-40B4-BE49-F238E27FC236}">
+                <a16:creationId xmlns:a16="http://schemas.microsoft.com/office/drawing/2014/main" id="{113C2149-7954-6DC0-D883-35EE7070A9FB}"/>
+              </a:ext>
+            </a:extLst>
+          </p:cNvPr>
+          <p:cNvCxnSpPr>
+            <a:cxnSpLocks/>
+            <a:stCxn id="4" idx="3"/>
+            <a:endCxn id="6" idx="1"/>
+          </p:cNvCxnSpPr>
+          <p:nvPr/>
+        </p:nvCxnSpPr>
+        <p:spPr>
+          <a:xfrm flipV="1">
+            <a:off x="7678272" y="995426"/>
+            <a:ext cx="391529" cy="9708"/>
+          </a:xfrm>
+          <a:prstGeom prst="straightConnector1">
+            <a:avLst/>
+          </a:prstGeom>
+          <a:ln w="38100">
+            <a:tailEnd type="triangle"/>
+          </a:ln>
+        </p:spPr>
+        <p:style>
+          <a:lnRef idx="3">
+            <a:schemeClr val="dk1"/>
+          </a:lnRef>
+          <a:fillRef idx="0">
+            <a:schemeClr val="dk1"/>
+          </a:fillRef>
+          <a:effectRef idx="2">
+            <a:schemeClr val="dk1"/>
+          </a:effectRef>
+          <a:fontRef idx="minor">
+            <a:schemeClr val="tx1"/>
+          </a:fontRef>
+        </p:style>
+      </p:cxnSp>
+      <p:pic>
+        <p:nvPicPr>
+          <p:cNvPr id="17" name="Picture 16">
+            <a:extLst>
+              <a:ext uri="{FF2B5EF4-FFF2-40B4-BE49-F238E27FC236}">
+                <a16:creationId xmlns:a16="http://schemas.microsoft.com/office/drawing/2014/main" id="{B33BEF9F-A89C-37F6-F44B-26957DE386FF}"/>
+              </a:ext>
+            </a:extLst>
+          </p:cNvPr>
+          <p:cNvPicPr>
+            <a:picLocks noChangeAspect="1"/>
+          </p:cNvPicPr>
+          <p:nvPr/>
+        </p:nvPicPr>
+        <p:blipFill>
+          <a:blip r:embed="rId4"/>
+          <a:stretch>
+            <a:fillRect/>
+          </a:stretch>
+        </p:blipFill>
+        <p:spPr>
+          <a:xfrm>
+            <a:off x="1268461" y="1975977"/>
+            <a:ext cx="3612053" cy="3001636"/>
+          </a:xfrm>
+          <a:prstGeom prst="rect">
+            <a:avLst/>
+          </a:prstGeom>
+        </p:spPr>
+      </p:pic>
+      <p:pic>
+        <p:nvPicPr>
+          <p:cNvPr id="19" name="Picture 18">
+            <a:extLst>
+              <a:ext uri="{FF2B5EF4-FFF2-40B4-BE49-F238E27FC236}">
+                <a16:creationId xmlns:a16="http://schemas.microsoft.com/office/drawing/2014/main" id="{711ECB80-9249-BC89-B35F-1446C79811BF}"/>
+              </a:ext>
+            </a:extLst>
+          </p:cNvPr>
+          <p:cNvPicPr>
+            <a:picLocks noChangeAspect="1"/>
+          </p:cNvPicPr>
+          <p:nvPr/>
+        </p:nvPicPr>
+        <p:blipFill>
+          <a:blip r:embed="rId5"/>
+          <a:stretch>
+            <a:fillRect/>
+          </a:stretch>
+        </p:blipFill>
+        <p:spPr>
+          <a:xfrm>
+            <a:off x="5574095" y="1936001"/>
+            <a:ext cx="5552709" cy="2985998"/>
+          </a:xfrm>
+          <a:prstGeom prst="rect">
+            <a:avLst/>
+          </a:prstGeom>
+        </p:spPr>
+      </p:pic>
+      <p:pic>
+        <p:nvPicPr>
+          <p:cNvPr id="25" name="Picture 24">
+            <a:extLst>
+              <a:ext uri="{FF2B5EF4-FFF2-40B4-BE49-F238E27FC236}">
+                <a16:creationId xmlns:a16="http://schemas.microsoft.com/office/drawing/2014/main" id="{367DDAE5-C1E8-B866-AEE5-2A1C4A9A141C}"/>
+              </a:ext>
+            </a:extLst>
+          </p:cNvPr>
+          <p:cNvPicPr>
+            <a:picLocks noChangeAspect="1"/>
+          </p:cNvPicPr>
+          <p:nvPr/>
+        </p:nvPicPr>
+        <p:blipFill>
+          <a:blip r:embed="rId6"/>
+          <a:stretch>
+            <a:fillRect/>
+          </a:stretch>
+        </p:blipFill>
+        <p:spPr>
+          <a:xfrm>
+            <a:off x="6984636" y="5456757"/>
+            <a:ext cx="4840507" cy="647639"/>
+          </a:xfrm>
+          <a:prstGeom prst="rect">
+            <a:avLst/>
+          </a:prstGeom>
+        </p:spPr>
+      </p:pic>
+      <p:pic>
+        <p:nvPicPr>
+          <p:cNvPr id="27" name="Picture 26">
+            <a:extLst>
+              <a:ext uri="{FF2B5EF4-FFF2-40B4-BE49-F238E27FC236}">
+                <a16:creationId xmlns:a16="http://schemas.microsoft.com/office/drawing/2014/main" id="{78E46583-0BE7-F364-4A02-88838E797785}"/>
+              </a:ext>
+            </a:extLst>
+          </p:cNvPr>
+          <p:cNvPicPr>
+            <a:picLocks noChangeAspect="1"/>
+          </p:cNvPicPr>
+          <p:nvPr/>
+        </p:nvPicPr>
+        <p:blipFill>
+          <a:blip r:embed="rId7"/>
+          <a:stretch>
+            <a:fillRect/>
+          </a:stretch>
+        </p:blipFill>
+        <p:spPr>
+          <a:xfrm>
+            <a:off x="638147" y="5456757"/>
+            <a:ext cx="6001305" cy="654278"/>
+          </a:xfrm>
+          <a:prstGeom prst="rect">
+            <a:avLst/>
+          </a:prstGeom>
+        </p:spPr>
+      </p:pic>
+      <p:sp>
+        <p:nvSpPr>
+          <p:cNvPr id="28" name="Oval 27">
+            <a:extLst>
+              <a:ext uri="{FF2B5EF4-FFF2-40B4-BE49-F238E27FC236}">
+                <a16:creationId xmlns:a16="http://schemas.microsoft.com/office/drawing/2014/main" id="{306B0D79-D6B6-DDB5-DFB9-427BC33B5E36}"/>
+              </a:ext>
+            </a:extLst>
+          </p:cNvPr>
+          <p:cNvSpPr/>
+          <p:nvPr/>
+        </p:nvSpPr>
+        <p:spPr>
+          <a:xfrm>
+            <a:off x="2769833" y="2731310"/>
+            <a:ext cx="577049" cy="367915"/>
+          </a:xfrm>
+          <a:prstGeom prst="ellipse">
+            <a:avLst/>
+          </a:prstGeom>
+          <a:noFill/>
+          <a:ln w="38100">
+            <a:solidFill>
+              <a:srgbClr val="FF0000"/>
+            </a:solidFill>
+          </a:ln>
+        </p:spPr>
+        <p:style>
+          <a:lnRef idx="2">
+            <a:schemeClr val="accent1">
+              <a:shade val="15000"/>
+            </a:schemeClr>
+          </a:lnRef>
+          <a:fillRef idx="1">
+            <a:schemeClr val="accent1"/>
+          </a:fillRef>
+          <a:effectRef idx="0">
+            <a:schemeClr val="accent1"/>
+          </a:effectRef>
+          <a:fontRef idx="minor">
+            <a:schemeClr val="lt1"/>
+          </a:fontRef>
+        </p:style>
+        <p:txBody>
+          <a:bodyPr rtlCol="0" anchor="ctr"/>
+          <a:lstStyle/>
+          <a:p>
+            <a:pPr algn="ctr"/>
+            <a:endParaRPr lang="en-US"/>
+          </a:p>
+        </p:txBody>
+      </p:sp>
+      <p:sp>
+        <p:nvSpPr>
+          <p:cNvPr id="29" name="Oval 28">
+            <a:extLst>
+              <a:ext uri="{FF2B5EF4-FFF2-40B4-BE49-F238E27FC236}">
+                <a16:creationId xmlns:a16="http://schemas.microsoft.com/office/drawing/2014/main" id="{4ED8D385-0BD1-7629-FD7A-B90E95C149DE}"/>
+              </a:ext>
+            </a:extLst>
+          </p:cNvPr>
+          <p:cNvSpPr/>
+          <p:nvPr/>
+        </p:nvSpPr>
+        <p:spPr>
+          <a:xfrm>
+            <a:off x="8377082" y="2749066"/>
+            <a:ext cx="1752339" cy="621437"/>
+          </a:xfrm>
+          <a:prstGeom prst="ellipse">
+            <a:avLst/>
+          </a:prstGeom>
+          <a:noFill/>
+          <a:ln w="38100">
+            <a:solidFill>
+              <a:srgbClr val="FF0000"/>
+            </a:solidFill>
+          </a:ln>
+        </p:spPr>
+        <p:style>
+          <a:lnRef idx="2">
+            <a:schemeClr val="accent1">
+              <a:shade val="15000"/>
+            </a:schemeClr>
+          </a:lnRef>
+          <a:fillRef idx="1">
+            <a:schemeClr val="accent1"/>
+          </a:fillRef>
+          <a:effectRef idx="0">
+            <a:schemeClr val="accent1"/>
+          </a:effectRef>
+          <a:fontRef idx="minor">
+            <a:schemeClr val="lt1"/>
+          </a:fontRef>
+        </p:style>
+        <p:txBody>
+          <a:bodyPr rtlCol="0" anchor="ctr"/>
+          <a:lstStyle/>
+          <a:p>
+            <a:pPr algn="ctr"/>
+            <a:endParaRPr lang="en-US"/>
+          </a:p>
+        </p:txBody>
+      </p:sp>
+    </p:spTree>
+    <p:extLst>
+      <p:ext uri="{BB962C8B-B14F-4D97-AF65-F5344CB8AC3E}">
+        <p14:creationId xmlns:p14="http://schemas.microsoft.com/office/powerpoint/2010/main" val="1484136637"/>
+      </p:ext>
+    </p:extLst>
+  </p:cSld>
+  <p:clrMapOvr>
+    <a:masterClrMapping/>
+  </p:clrMapOvr>
+</p:sld>
+</file>
+
+<file path=ppt/slides/slide7.xml><?xml version="1.0" encoding="utf-8"?>
+<p:sld xmlns:a="http://schemas.openxmlformats.org/drawingml/2006/main" xmlns:r="http://schemas.openxmlformats.org/officeDocument/2006/relationships" xmlns:p="http://schemas.openxmlformats.org/presentationml/2006/main">
+  <p:cSld>
+    <p:spTree>
+      <p:nvGrpSpPr>
+        <p:cNvPr id="1" name=""/>
+        <p:cNvGrpSpPr/>
+        <p:nvPr/>
+      </p:nvGrpSpPr>
+      <p:grpSpPr>
+        <a:xfrm>
+          <a:off x="0" y="0"/>
+          <a:ext cx="0" cy="0"/>
+          <a:chOff x="0" y="0"/>
+          <a:chExt cx="0" cy="0"/>
+        </a:xfrm>
+      </p:grpSpPr>
+      <p:sp>
+        <p:nvSpPr>
+          <p:cNvPr id="2" name="Title 1">
+            <a:extLst>
+              <a:ext uri="{FF2B5EF4-FFF2-40B4-BE49-F238E27FC236}">
+                <a16:creationId xmlns:a16="http://schemas.microsoft.com/office/drawing/2014/main" id="{F3681B32-0E72-963F-1B9B-50CC91CCE811}"/>
+              </a:ext>
+            </a:extLst>
+          </p:cNvPr>
+          <p:cNvSpPr>
+            <a:spLocks noGrp="1"/>
+          </p:cNvSpPr>
+          <p:nvPr>
+            <p:ph type="title"/>
+          </p:nvPr>
+        </p:nvSpPr>
+        <p:spPr/>
+        <p:txBody>
+          <a:bodyPr/>
+          <a:lstStyle/>
+          <a:p>
+            <a:r>
+              <a:rPr lang="en-US" dirty="0"/>
+              <a:t>SVM Classification</a:t>
+            </a:r>
+          </a:p>
+        </p:txBody>
+      </p:sp>
+      <mc:AlternateContent xmlns:mc="http://schemas.openxmlformats.org/markup-compatibility/2006">
+        <mc:Choice xmlns:a14="http://schemas.microsoft.com/office/drawing/2010/main" Requires="a14">
+          <p:sp>
+            <p:nvSpPr>
+              <p:cNvPr id="5" name="TextBox 4">
+                <a:extLst>
+                  <a:ext uri="{FF2B5EF4-FFF2-40B4-BE49-F238E27FC236}">
+                    <a16:creationId xmlns:a16="http://schemas.microsoft.com/office/drawing/2014/main" id="{F7894B0E-50D4-E089-F4CF-36458B00DDCF}"/>
+                  </a:ext>
+                </a:extLst>
+              </p:cNvPr>
+              <p:cNvSpPr txBox="1"/>
+              <p:nvPr/>
+            </p:nvSpPr>
+            <p:spPr>
+              <a:xfrm>
+                <a:off x="367683" y="1840726"/>
+                <a:ext cx="4542183" cy="369332"/>
+              </a:xfrm>
+              <a:prstGeom prst="rect">
+                <a:avLst/>
+              </a:prstGeom>
+              <a:noFill/>
+            </p:spPr>
+            <p:txBody>
+              <a:bodyPr wrap="square" lIns="0" tIns="0" rIns="0" bIns="0" rtlCol="0">
+                <a:spAutoFit/>
+              </a:bodyPr>
+              <a:lstStyle/>
+              <a:p>
+                <a14:m>
+                  <m:oMathPara xmlns:m="http://schemas.openxmlformats.org/officeDocument/2006/math">
+                    <m:oMathParaPr>
+                      <m:jc m:val="centerGroup"/>
+                    </m:oMathParaPr>
+                    <m:oMath xmlns:m="http://schemas.openxmlformats.org/officeDocument/2006/math">
+                      <m:r>
+                        <a:rPr lang="en-US" sz="2400" b="0" i="1" smtClean="0">
+                          <a:latin typeface="Cambria Math" panose="02040503050406030204" pitchFamily="18" charset="0"/>
+                        </a:rPr>
+                        <m:t>{</m:t>
+                      </m:r>
+                      <m:d>
+                        <m:dPr>
+                          <m:ctrlPr>
+                            <a:rPr lang="en-US" sz="2400" b="0" i="1" smtClean="0">
+                              <a:latin typeface="Cambria Math" panose="02040503050406030204" pitchFamily="18" charset="0"/>
+                            </a:rPr>
+                          </m:ctrlPr>
+                        </m:dPr>
+                        <m:e>
+                          <m:sSub>
+                            <m:sSubPr>
+                              <m:ctrlPr>
+                                <a:rPr lang="en-US" sz="2400" b="0" i="1" smtClean="0">
+                                  <a:latin typeface="Cambria Math" panose="02040503050406030204" pitchFamily="18" charset="0"/>
+                                </a:rPr>
+                              </m:ctrlPr>
+                            </m:sSubPr>
+                            <m:e>
+                              <m:acc>
+                                <m:accPr>
+                                  <m:chr m:val="⃑"/>
+                                  <m:ctrlPr>
+                                    <a:rPr lang="en-US" sz="2400" b="0" i="1" smtClean="0">
+                                      <a:latin typeface="Cambria Math" panose="02040503050406030204" pitchFamily="18" charset="0"/>
+                                    </a:rPr>
+                                  </m:ctrlPr>
+                                </m:accPr>
+                                <m:e>
+                                  <m:r>
+                                    <a:rPr lang="en-US" sz="2400" b="0" i="1" smtClean="0">
+                                      <a:latin typeface="Cambria Math" panose="02040503050406030204" pitchFamily="18" charset="0"/>
+                                    </a:rPr>
+                                    <m:t>𝑥</m:t>
+                                  </m:r>
+                                </m:e>
+                              </m:acc>
+                            </m:e>
+                            <m:sub>
+                              <m:r>
+                                <a:rPr lang="en-US" sz="2400" b="0" i="1" smtClean="0">
+                                  <a:latin typeface="Cambria Math" panose="02040503050406030204" pitchFamily="18" charset="0"/>
+                                </a:rPr>
+                                <m:t>0</m:t>
+                              </m:r>
+                            </m:sub>
+                          </m:sSub>
+                          <m:r>
+                            <a:rPr lang="en-US" sz="2400" b="0" i="1" smtClean="0">
+                              <a:latin typeface="Cambria Math" panose="02040503050406030204" pitchFamily="18" charset="0"/>
+                            </a:rPr>
+                            <m:t>, </m:t>
+                          </m:r>
+                          <m:sSub>
+                            <m:sSubPr>
+                              <m:ctrlPr>
+                                <a:rPr lang="en-US" sz="2400" b="0" i="1" smtClean="0">
+                                  <a:latin typeface="Cambria Math" panose="02040503050406030204" pitchFamily="18" charset="0"/>
+                                </a:rPr>
+                              </m:ctrlPr>
+                            </m:sSubPr>
+                            <m:e>
+                              <m:r>
+                                <a:rPr lang="en-US" sz="2400" b="0" i="1" smtClean="0">
+                                  <a:latin typeface="Cambria Math" panose="02040503050406030204" pitchFamily="18" charset="0"/>
+                                </a:rPr>
+                                <m:t>𝑦</m:t>
+                              </m:r>
+                            </m:e>
+                            <m:sub>
+                              <m:r>
+                                <a:rPr lang="en-US" sz="2400" b="0" i="1" smtClean="0">
+                                  <a:latin typeface="Cambria Math" panose="02040503050406030204" pitchFamily="18" charset="0"/>
+                                </a:rPr>
+                                <m:t>0</m:t>
+                              </m:r>
+                            </m:sub>
+                          </m:sSub>
+                        </m:e>
+                      </m:d>
+                      <m:r>
+                        <a:rPr lang="en-US" sz="2400" b="0" i="1" smtClean="0">
+                          <a:latin typeface="Cambria Math" panose="02040503050406030204" pitchFamily="18" charset="0"/>
+                        </a:rPr>
+                        <m:t>,</m:t>
+                      </m:r>
+                      <m:d>
+                        <m:dPr>
+                          <m:ctrlPr>
+                            <a:rPr lang="en-US" sz="2400" b="0" i="1" smtClean="0">
+                              <a:latin typeface="Cambria Math" panose="02040503050406030204" pitchFamily="18" charset="0"/>
+                            </a:rPr>
+                          </m:ctrlPr>
+                        </m:dPr>
+                        <m:e>
+                          <m:sSub>
+                            <m:sSubPr>
+                              <m:ctrlPr>
+                                <a:rPr lang="en-US" sz="2400" i="1">
+                                  <a:latin typeface="Cambria Math" panose="02040503050406030204" pitchFamily="18" charset="0"/>
+                                </a:rPr>
+                              </m:ctrlPr>
+                            </m:sSubPr>
+                            <m:e>
+                              <m:acc>
+                                <m:accPr>
+                                  <m:chr m:val="⃑"/>
+                                  <m:ctrlPr>
+                                    <a:rPr lang="en-US" sz="2400" i="1">
+                                      <a:latin typeface="Cambria Math" panose="02040503050406030204" pitchFamily="18" charset="0"/>
+                                    </a:rPr>
+                                  </m:ctrlPr>
+                                </m:accPr>
+                                <m:e>
+                                  <m:r>
+                                    <a:rPr lang="en-US" sz="2400" i="1">
+                                      <a:latin typeface="Cambria Math" panose="02040503050406030204" pitchFamily="18" charset="0"/>
+                                    </a:rPr>
+                                    <m:t>𝑥</m:t>
+                                  </m:r>
+                                </m:e>
+                              </m:acc>
+                            </m:e>
+                            <m:sub>
+                              <m:r>
+                                <a:rPr lang="en-US" sz="2400" b="0" i="1" smtClean="0">
+                                  <a:latin typeface="Cambria Math" panose="02040503050406030204" pitchFamily="18" charset="0"/>
+                                </a:rPr>
+                                <m:t>1</m:t>
+                              </m:r>
+                            </m:sub>
+                          </m:sSub>
+                          <m:r>
+                            <a:rPr lang="en-US" sz="2400" i="1">
+                              <a:latin typeface="Cambria Math" panose="02040503050406030204" pitchFamily="18" charset="0"/>
+                            </a:rPr>
+                            <m:t>, </m:t>
+                          </m:r>
+                          <m:sSub>
+                            <m:sSubPr>
+                              <m:ctrlPr>
+                                <a:rPr lang="en-US" sz="2400" i="1">
+                                  <a:latin typeface="Cambria Math" panose="02040503050406030204" pitchFamily="18" charset="0"/>
+                                </a:rPr>
+                              </m:ctrlPr>
+                            </m:sSubPr>
+                            <m:e>
+                              <m:r>
+                                <a:rPr lang="en-US" sz="2400" i="1">
+                                  <a:latin typeface="Cambria Math" panose="02040503050406030204" pitchFamily="18" charset="0"/>
+                                </a:rPr>
+                                <m:t>𝑦</m:t>
+                              </m:r>
+                            </m:e>
+                            <m:sub>
+                              <m:r>
+                                <a:rPr lang="en-US" sz="2400" b="0" i="1" smtClean="0">
+                                  <a:latin typeface="Cambria Math" panose="02040503050406030204" pitchFamily="18" charset="0"/>
+                                </a:rPr>
+                                <m:t>1</m:t>
+                              </m:r>
+                            </m:sub>
+                          </m:sSub>
+                        </m:e>
+                      </m:d>
+                      <m:r>
+                        <a:rPr lang="en-US" sz="2400" b="0" i="1" smtClean="0">
+                          <a:latin typeface="Cambria Math" panose="02040503050406030204" pitchFamily="18" charset="0"/>
+                        </a:rPr>
+                        <m:t>,…,</m:t>
+                      </m:r>
+                      <m:r>
+                        <a:rPr lang="en-US" sz="2400" i="1">
+                          <a:latin typeface="Cambria Math" panose="02040503050406030204" pitchFamily="18" charset="0"/>
+                        </a:rPr>
+                        <m:t>(</m:t>
+                      </m:r>
+                      <m:sSub>
+                        <m:sSubPr>
+                          <m:ctrlPr>
+                            <a:rPr lang="en-US" sz="2400" i="1">
+                              <a:latin typeface="Cambria Math" panose="02040503050406030204" pitchFamily="18" charset="0"/>
+                            </a:rPr>
+                          </m:ctrlPr>
+                        </m:sSubPr>
+                        <m:e>
+                          <m:acc>
+                            <m:accPr>
+                              <m:chr m:val="⃑"/>
+                              <m:ctrlPr>
+                                <a:rPr lang="en-US" sz="2400" i="1">
+                                  <a:latin typeface="Cambria Math" panose="02040503050406030204" pitchFamily="18" charset="0"/>
+                                </a:rPr>
+                              </m:ctrlPr>
+                            </m:accPr>
+                            <m:e>
+                              <m:r>
+                                <a:rPr lang="en-US" sz="2400" i="1">
+                                  <a:latin typeface="Cambria Math" panose="02040503050406030204" pitchFamily="18" charset="0"/>
+                                </a:rPr>
+                                <m:t>𝑥</m:t>
+                              </m:r>
+                            </m:e>
+                          </m:acc>
+                        </m:e>
+                        <m:sub>
+                          <m:r>
+                            <a:rPr lang="en-US" sz="2400" b="0" i="1" smtClean="0">
+                              <a:latin typeface="Cambria Math" panose="02040503050406030204" pitchFamily="18" charset="0"/>
+                            </a:rPr>
+                            <m:t>𝑛</m:t>
+                          </m:r>
+                        </m:sub>
+                      </m:sSub>
+                      <m:r>
+                        <a:rPr lang="en-US" sz="2400" i="1">
+                          <a:latin typeface="Cambria Math" panose="02040503050406030204" pitchFamily="18" charset="0"/>
+                        </a:rPr>
+                        <m:t>, </m:t>
+                      </m:r>
+                      <m:sSub>
+                        <m:sSubPr>
+                          <m:ctrlPr>
+                            <a:rPr lang="en-US" sz="2400" i="1">
+                              <a:latin typeface="Cambria Math" panose="02040503050406030204" pitchFamily="18" charset="0"/>
+                            </a:rPr>
+                          </m:ctrlPr>
+                        </m:sSubPr>
+                        <m:e>
+                          <m:r>
+                            <a:rPr lang="en-US" sz="2400" i="1">
+                              <a:latin typeface="Cambria Math" panose="02040503050406030204" pitchFamily="18" charset="0"/>
+                            </a:rPr>
+                            <m:t>𝑦</m:t>
+                          </m:r>
+                        </m:e>
+                        <m:sub>
+                          <m:r>
+                            <a:rPr lang="en-US" sz="2400" b="0" i="1" smtClean="0">
+                              <a:latin typeface="Cambria Math" panose="02040503050406030204" pitchFamily="18" charset="0"/>
+                            </a:rPr>
+                            <m:t>𝑛</m:t>
+                          </m:r>
+                        </m:sub>
+                      </m:sSub>
+                      <m:r>
+                        <a:rPr lang="en-US" sz="2400" i="1">
+                          <a:latin typeface="Cambria Math" panose="02040503050406030204" pitchFamily="18" charset="0"/>
+                        </a:rPr>
+                        <m:t>)</m:t>
+                      </m:r>
+                      <m:r>
+                        <a:rPr lang="en-US" sz="2400" b="0" i="1" smtClean="0">
+                          <a:latin typeface="Cambria Math" panose="02040503050406030204" pitchFamily="18" charset="0"/>
+                        </a:rPr>
+                        <m:t>}</m:t>
+                      </m:r>
+                    </m:oMath>
+                  </m:oMathPara>
+                </a14:m>
+                <a:endParaRPr lang="en-US" sz="2400" dirty="0"/>
+              </a:p>
+            </p:txBody>
+          </p:sp>
+        </mc:Choice>
+        <mc:Fallback>
+          <p:sp>
+            <p:nvSpPr>
+              <p:cNvPr id="5" name="TextBox 4">
+                <a:extLst>
+                  <a:ext uri="{FF2B5EF4-FFF2-40B4-BE49-F238E27FC236}">
+                    <a16:creationId xmlns:a16="http://schemas.microsoft.com/office/drawing/2014/main" id="{F7894B0E-50D4-E089-F4CF-36458B00DDCF}"/>
+                  </a:ext>
+                </a:extLst>
+              </p:cNvPr>
+              <p:cNvSpPr txBox="1">
+                <a:spLocks noRot="1" noChangeAspect="1" noMove="1" noResize="1" noEditPoints="1" noAdjustHandles="1" noChangeArrowheads="1" noChangeShapeType="1" noTextEdit="1"/>
+              </p:cNvSpPr>
+              <p:nvPr/>
+            </p:nvSpPr>
+            <p:spPr>
+              <a:xfrm>
+                <a:off x="367683" y="1840726"/>
+                <a:ext cx="4542183" cy="369332"/>
+              </a:xfrm>
+              <a:prstGeom prst="rect">
+                <a:avLst/>
+              </a:prstGeom>
+              <a:blipFill>
+                <a:blip r:embed="rId2"/>
+                <a:stretch>
+                  <a:fillRect t="-16393" b="-32787"/>
+                </a:stretch>
+              </a:blipFill>
+            </p:spPr>
+            <p:txBody>
+              <a:bodyPr/>
+              <a:lstStyle/>
+              <a:p>
+                <a:r>
+                  <a:rPr lang="en-US">
+                    <a:noFill/>
+                  </a:rPr>
+                  <a:t> </a:t>
+                </a:r>
+              </a:p>
+            </p:txBody>
+          </p:sp>
+        </mc:Fallback>
+      </mc:AlternateContent>
+      <p:sp>
+        <p:nvSpPr>
+          <p:cNvPr id="6" name="Rectangle 5">
+            <a:extLst>
+              <a:ext uri="{FF2B5EF4-FFF2-40B4-BE49-F238E27FC236}">
+                <a16:creationId xmlns:a16="http://schemas.microsoft.com/office/drawing/2014/main" id="{2A7E2EDE-3360-D0BB-3000-FF4B4C565987}"/>
+              </a:ext>
+            </a:extLst>
+          </p:cNvPr>
+          <p:cNvSpPr/>
+          <p:nvPr/>
+        </p:nvSpPr>
+        <p:spPr>
+          <a:xfrm>
+            <a:off x="1991000" y="2763035"/>
+            <a:ext cx="1295548" cy="693913"/>
+          </a:xfrm>
+          <a:prstGeom prst="rect">
+            <a:avLst/>
+          </a:prstGeom>
+        </p:spPr>
+        <p:style>
+          <a:lnRef idx="2">
+            <a:schemeClr val="dk1"/>
+          </a:lnRef>
+          <a:fillRef idx="1">
+            <a:schemeClr val="lt1"/>
+          </a:fillRef>
+          <a:effectRef idx="0">
+            <a:schemeClr val="dk1"/>
+          </a:effectRef>
+          <a:fontRef idx="minor">
+            <a:schemeClr val="dk1"/>
+          </a:fontRef>
+        </p:style>
+        <p:txBody>
+          <a:bodyPr rtlCol="0" anchor="ctr"/>
+          <a:lstStyle/>
+          <a:p>
+            <a:pPr algn="ctr"/>
+            <a:r>
+              <a:rPr lang="en-US" sz="2800" dirty="0"/>
+              <a:t>SVM</a:t>
+            </a:r>
+            <a:endParaRPr lang="en-ID" sz="2800" dirty="0"/>
+          </a:p>
+        </p:txBody>
+      </p:sp>
+      <mc:AlternateContent xmlns:mc="http://schemas.openxmlformats.org/markup-compatibility/2006">
+        <mc:Choice xmlns:a14="http://schemas.microsoft.com/office/drawing/2010/main" Requires="a14">
+          <p:sp>
+            <p:nvSpPr>
+              <p:cNvPr id="8" name="TextBox 7">
+                <a:extLst>
+                  <a:ext uri="{FF2B5EF4-FFF2-40B4-BE49-F238E27FC236}">
+                    <a16:creationId xmlns:a16="http://schemas.microsoft.com/office/drawing/2014/main" id="{BC5BA14D-7CF3-3DA2-76A0-B01288710190}"/>
+                  </a:ext>
+                </a:extLst>
+              </p:cNvPr>
+              <p:cNvSpPr txBox="1"/>
+              <p:nvPr/>
+            </p:nvSpPr>
+            <p:spPr>
+              <a:xfrm>
+                <a:off x="2330661" y="3948373"/>
+                <a:ext cx="616226" cy="369332"/>
+              </a:xfrm>
+              <a:prstGeom prst="rect">
+                <a:avLst/>
+              </a:prstGeom>
+              <a:noFill/>
+            </p:spPr>
+            <p:txBody>
+              <a:bodyPr wrap="square" lIns="0" tIns="0" rIns="0" bIns="0" rtlCol="0">
+                <a:spAutoFit/>
+              </a:bodyPr>
+              <a:lstStyle/>
+              <a:p>
+                <a:pPr/>
+                <a14:m>
+                  <m:oMathPara xmlns:m="http://schemas.openxmlformats.org/officeDocument/2006/math">
+                    <m:oMathParaPr>
+                      <m:jc m:val="centerGroup"/>
+                    </m:oMathParaPr>
+                    <m:oMath xmlns:m="http://schemas.openxmlformats.org/officeDocument/2006/math">
+                      <m:acc>
+                        <m:accPr>
+                          <m:chr m:val="⃑"/>
+                          <m:ctrlPr>
+                            <a:rPr lang="en-ID" sz="2400" i="1" smtClean="0">
+                              <a:solidFill>
+                                <a:schemeClr val="tx1"/>
+                              </a:solidFill>
+                              <a:latin typeface="Cambria Math" panose="02040503050406030204" pitchFamily="18" charset="0"/>
+                            </a:rPr>
+                          </m:ctrlPr>
+                        </m:accPr>
+                        <m:e>
+                          <m:r>
+                            <a:rPr lang="en-US" sz="2400" b="0" i="1" smtClean="0">
+                              <a:solidFill>
+                                <a:schemeClr val="tx1"/>
+                              </a:solidFill>
+                              <a:latin typeface="Cambria Math" panose="02040503050406030204" pitchFamily="18" charset="0"/>
+                            </a:rPr>
+                            <m:t>𝑤</m:t>
+                          </m:r>
+                        </m:e>
+                      </m:acc>
+                      <m:r>
+                        <a:rPr lang="en-US" sz="2400" b="0" i="1" smtClean="0">
+                          <a:solidFill>
+                            <a:schemeClr val="tx1"/>
+                          </a:solidFill>
+                          <a:latin typeface="Cambria Math" panose="02040503050406030204" pitchFamily="18" charset="0"/>
+                        </a:rPr>
+                        <m:t>, </m:t>
+                      </m:r>
+                      <m:r>
+                        <a:rPr lang="en-US" sz="2400" b="0" i="1" smtClean="0">
+                          <a:solidFill>
+                            <a:schemeClr val="tx1"/>
+                          </a:solidFill>
+                          <a:latin typeface="Cambria Math" panose="02040503050406030204" pitchFamily="18" charset="0"/>
+                        </a:rPr>
+                        <m:t>𝑏</m:t>
+                      </m:r>
+                    </m:oMath>
+                  </m:oMathPara>
+                </a14:m>
+                <a:endParaRPr lang="en-ID" sz="2400" dirty="0">
+                  <a:solidFill>
+                    <a:srgbClr val="FF0000"/>
+                  </a:solidFill>
+                </a:endParaRPr>
+              </a:p>
+            </p:txBody>
+          </p:sp>
+        </mc:Choice>
+        <mc:Fallback>
+          <p:sp>
+            <p:nvSpPr>
+              <p:cNvPr id="8" name="TextBox 7">
+                <a:extLst>
+                  <a:ext uri="{FF2B5EF4-FFF2-40B4-BE49-F238E27FC236}">
+                    <a16:creationId xmlns:a16="http://schemas.microsoft.com/office/drawing/2014/main" id="{BC5BA14D-7CF3-3DA2-76A0-B01288710190}"/>
+                  </a:ext>
+                </a:extLst>
+              </p:cNvPr>
+              <p:cNvSpPr txBox="1">
+                <a:spLocks noRot="1" noChangeAspect="1" noMove="1" noResize="1" noEditPoints="1" noAdjustHandles="1" noChangeArrowheads="1" noChangeShapeType="1" noTextEdit="1"/>
+              </p:cNvSpPr>
+              <p:nvPr/>
+            </p:nvSpPr>
+            <p:spPr>
+              <a:xfrm>
+                <a:off x="2330661" y="3948373"/>
+                <a:ext cx="616226" cy="369332"/>
+              </a:xfrm>
+              <a:prstGeom prst="rect">
+                <a:avLst/>
+              </a:prstGeom>
+              <a:blipFill>
+                <a:blip r:embed="rId3"/>
+                <a:stretch>
+                  <a:fillRect l="-3960" r="-8911" b="-8333"/>
+                </a:stretch>
+              </a:blipFill>
+            </p:spPr>
+            <p:txBody>
+              <a:bodyPr/>
+              <a:lstStyle/>
+              <a:p>
+                <a:r>
+                  <a:rPr lang="en-US">
+                    <a:noFill/>
+                  </a:rPr>
+                  <a:t> </a:t>
+                </a:r>
+              </a:p>
+            </p:txBody>
+          </p:sp>
+        </mc:Fallback>
+      </mc:AlternateContent>
+      <p:cxnSp>
+        <p:nvCxnSpPr>
+          <p:cNvPr id="9" name="Straight Arrow Connector 8">
+            <a:extLst>
+              <a:ext uri="{FF2B5EF4-FFF2-40B4-BE49-F238E27FC236}">
+                <a16:creationId xmlns:a16="http://schemas.microsoft.com/office/drawing/2014/main" id="{8E6FB502-7CD3-1510-2119-17F09DD0D08A}"/>
+              </a:ext>
+            </a:extLst>
+          </p:cNvPr>
+          <p:cNvCxnSpPr>
+            <a:cxnSpLocks/>
+            <a:stCxn id="5" idx="2"/>
+            <a:endCxn id="6" idx="0"/>
+          </p:cNvCxnSpPr>
+          <p:nvPr/>
+        </p:nvCxnSpPr>
+        <p:spPr>
+          <a:xfrm flipH="1">
+            <a:off x="2638774" y="2210058"/>
+            <a:ext cx="1" cy="552977"/>
+          </a:xfrm>
+          <a:prstGeom prst="straightConnector1">
+            <a:avLst/>
+          </a:prstGeom>
+          <a:ln w="38100">
+            <a:tailEnd type="triangle"/>
+          </a:ln>
+        </p:spPr>
+        <p:style>
+          <a:lnRef idx="3">
+            <a:schemeClr val="dk1"/>
+          </a:lnRef>
+          <a:fillRef idx="0">
+            <a:schemeClr val="dk1"/>
+          </a:fillRef>
+          <a:effectRef idx="2">
+            <a:schemeClr val="dk1"/>
+          </a:effectRef>
+          <a:fontRef idx="minor">
+            <a:schemeClr val="tx1"/>
+          </a:fontRef>
+        </p:style>
+      </p:cxnSp>
+      <p:cxnSp>
+        <p:nvCxnSpPr>
+          <p:cNvPr id="12" name="Straight Arrow Connector 11">
+            <a:extLst>
+              <a:ext uri="{FF2B5EF4-FFF2-40B4-BE49-F238E27FC236}">
+                <a16:creationId xmlns:a16="http://schemas.microsoft.com/office/drawing/2014/main" id="{937A29D5-2D3F-2B36-901B-29C055BBFAA2}"/>
+              </a:ext>
+            </a:extLst>
+          </p:cNvPr>
+          <p:cNvCxnSpPr>
+            <a:cxnSpLocks/>
+            <a:stCxn id="6" idx="2"/>
+            <a:endCxn id="8" idx="0"/>
+          </p:cNvCxnSpPr>
+          <p:nvPr/>
+        </p:nvCxnSpPr>
+        <p:spPr>
+          <a:xfrm>
+            <a:off x="2638774" y="3456948"/>
+            <a:ext cx="0" cy="491425"/>
+          </a:xfrm>
+          <a:prstGeom prst="straightConnector1">
+            <a:avLst/>
+          </a:prstGeom>
+          <a:ln w="38100">
+            <a:tailEnd type="triangle"/>
+          </a:ln>
+        </p:spPr>
+        <p:style>
+          <a:lnRef idx="3">
+            <a:schemeClr val="dk1"/>
+          </a:lnRef>
+          <a:fillRef idx="0">
+            <a:schemeClr val="dk1"/>
+          </a:fillRef>
+          <a:effectRef idx="2">
+            <a:schemeClr val="dk1"/>
+          </a:effectRef>
+          <a:fontRef idx="minor">
+            <a:schemeClr val="tx1"/>
+          </a:fontRef>
+        </p:style>
+      </p:cxnSp>
+      <p:sp>
+        <p:nvSpPr>
+          <p:cNvPr id="17" name="Right Brace 16">
+            <a:extLst>
+              <a:ext uri="{FF2B5EF4-FFF2-40B4-BE49-F238E27FC236}">
+                <a16:creationId xmlns:a16="http://schemas.microsoft.com/office/drawing/2014/main" id="{01DFEB90-3C68-AA73-2875-03B6C9A31FB8}"/>
+              </a:ext>
+            </a:extLst>
+          </p:cNvPr>
+          <p:cNvSpPr/>
+          <p:nvPr/>
+        </p:nvSpPr>
+        <p:spPr>
+          <a:xfrm flipV="1">
+            <a:off x="3737749" y="2431323"/>
+            <a:ext cx="344683" cy="1924333"/>
+          </a:xfrm>
+          <a:prstGeom prst="rightBrace">
+            <a:avLst>
+              <a:gd name="adj1" fmla="val 8333"/>
+              <a:gd name="adj2" fmla="val 82051"/>
+            </a:avLst>
+          </a:prstGeom>
+          <a:ln w="19050">
+            <a:solidFill>
+              <a:srgbClr val="FF0000"/>
+            </a:solidFill>
+          </a:ln>
+        </p:spPr>
+        <p:style>
+          <a:lnRef idx="1">
+            <a:schemeClr val="accent1"/>
+          </a:lnRef>
+          <a:fillRef idx="0">
+            <a:schemeClr val="accent1"/>
+          </a:fillRef>
+          <a:effectRef idx="0">
+            <a:schemeClr val="accent1"/>
+          </a:effectRef>
+          <a:fontRef idx="minor">
+            <a:schemeClr val="tx1"/>
+          </a:fontRef>
+        </p:style>
+        <p:txBody>
+          <a:bodyPr rtlCol="0" anchor="ctr"/>
+          <a:lstStyle/>
+          <a:p>
+            <a:pPr algn="ctr"/>
+            <a:endParaRPr lang="en-US"/>
+          </a:p>
+        </p:txBody>
+      </p:sp>
+      <p:sp>
+        <p:nvSpPr>
+          <p:cNvPr id="18" name="TextBox 17">
+            <a:extLst>
+              <a:ext uri="{FF2B5EF4-FFF2-40B4-BE49-F238E27FC236}">
+                <a16:creationId xmlns:a16="http://schemas.microsoft.com/office/drawing/2014/main" id="{0C6DF445-8268-CD98-D602-5B2961A4CCA8}"/>
+              </a:ext>
+            </a:extLst>
+          </p:cNvPr>
+          <p:cNvSpPr txBox="1"/>
+          <p:nvPr/>
+        </p:nvSpPr>
+        <p:spPr>
+          <a:xfrm>
+            <a:off x="4211712" y="2578369"/>
+            <a:ext cx="1363900" cy="369332"/>
+          </a:xfrm>
+          <a:prstGeom prst="rect">
+            <a:avLst/>
+          </a:prstGeom>
+          <a:noFill/>
+        </p:spPr>
+        <p:txBody>
+          <a:bodyPr wrap="none" rtlCol="0">
+            <a:spAutoFit/>
+          </a:bodyPr>
+          <a:lstStyle/>
+          <a:p>
+            <a:r>
+              <a:rPr lang="en-US" dirty="0">
+                <a:solidFill>
+                  <a:srgbClr val="FF0000"/>
+                </a:solidFill>
+              </a:rPr>
+              <a:t>optimization</a:t>
+            </a:r>
+          </a:p>
+        </p:txBody>
+      </p:sp>
+      <p:sp>
+        <p:nvSpPr>
+          <p:cNvPr id="19" name="Title 1">
+            <a:extLst>
+              <a:ext uri="{FF2B5EF4-FFF2-40B4-BE49-F238E27FC236}">
+                <a16:creationId xmlns:a16="http://schemas.microsoft.com/office/drawing/2014/main" id="{9D8963DE-4CB5-6291-EFC1-D7E09097A289}"/>
+              </a:ext>
+            </a:extLst>
+          </p:cNvPr>
+          <p:cNvSpPr txBox="1">
+            <a:spLocks/>
+          </p:cNvSpPr>
+          <p:nvPr/>
+        </p:nvSpPr>
+        <p:spPr>
+          <a:xfrm>
+            <a:off x="6096000" y="699829"/>
+            <a:ext cx="5946774" cy="1325563"/>
+          </a:xfrm>
+          <a:prstGeom prst="rect">
+            <a:avLst/>
+          </a:prstGeom>
+        </p:spPr>
+        <p:txBody>
+          <a:bodyPr vert="horz" lIns="91440" tIns="45720" rIns="91440" bIns="45720" rtlCol="0" anchor="ctr">
+            <a:normAutofit/>
+          </a:bodyPr>
+          <a:lstStyle>
+            <a:lvl1pPr algn="l" defTabSz="914400" rtl="0" eaLnBrk="1" latinLnBrk="0" hangingPunct="1">
+              <a:lnSpc>
+                <a:spcPct val="90000"/>
+              </a:lnSpc>
+              <a:spcBef>
+                <a:spcPct val="0"/>
+              </a:spcBef>
+              <a:buNone/>
+              <a:defRPr sz="4400" kern="1200">
+                <a:solidFill>
+                  <a:schemeClr val="tx1"/>
+                </a:solidFill>
+                <a:latin typeface="+mj-lt"/>
+                <a:ea typeface="+mj-ea"/>
+                <a:cs typeface="+mj-cs"/>
+              </a:defRPr>
+            </a:lvl1pPr>
+          </a:lstStyle>
+          <a:p>
+            <a:r>
+              <a:rPr lang="en-US" sz="2800" dirty="0"/>
+              <a:t>Sequential Minimal Optimization (SMO)</a:t>
+            </a:r>
+          </a:p>
+        </p:txBody>
+      </p:sp>
+      <mc:AlternateContent xmlns:mc="http://schemas.openxmlformats.org/markup-compatibility/2006">
+        <mc:Choice xmlns:a14="http://schemas.microsoft.com/office/drawing/2010/main" Requires="a14">
+          <p:sp>
+            <p:nvSpPr>
+              <p:cNvPr id="20" name="TextBox 19">
+                <a:extLst>
+                  <a:ext uri="{FF2B5EF4-FFF2-40B4-BE49-F238E27FC236}">
+                    <a16:creationId xmlns:a16="http://schemas.microsoft.com/office/drawing/2014/main" id="{0AC0657D-C67A-9490-EA9B-B1E4A599A1CE}"/>
+                  </a:ext>
+                </a:extLst>
+              </p:cNvPr>
+              <p:cNvSpPr txBox="1"/>
+              <p:nvPr/>
+            </p:nvSpPr>
+            <p:spPr>
+              <a:xfrm>
+                <a:off x="6527121" y="1873734"/>
+                <a:ext cx="1510029" cy="557589"/>
+              </a:xfrm>
+              <a:prstGeom prst="rect">
+                <a:avLst/>
+              </a:prstGeom>
+              <a:noFill/>
+            </p:spPr>
+            <p:txBody>
+              <a:bodyPr wrap="none" lIns="0" tIns="0" rIns="0" bIns="0" rtlCol="0">
+                <a:spAutoFit/>
+              </a:bodyPr>
+              <a:lstStyle/>
+              <a:p>
+                <a14:m>
+                  <m:oMathPara xmlns:m="http://schemas.openxmlformats.org/officeDocument/2006/math">
+                    <m:oMathParaPr>
+                      <m:jc m:val="centerGroup"/>
+                    </m:oMathParaPr>
+                    <m:oMath xmlns:m="http://schemas.openxmlformats.org/officeDocument/2006/math">
+                      <m:r>
+                        <a:rPr lang="en-US" b="0" i="1" smtClean="0">
+                          <a:latin typeface="Cambria Math" panose="02040503050406030204" pitchFamily="18" charset="0"/>
+                        </a:rPr>
+                        <m:t>𝑙𝑒𝑛𝑔𝑡h</m:t>
+                      </m:r>
+                      <m:r>
+                        <a:rPr lang="en-US" b="0" i="1" smtClean="0">
+                          <a:latin typeface="Cambria Math" panose="02040503050406030204" pitchFamily="18" charset="0"/>
+                        </a:rPr>
+                        <m:t>= </m:t>
+                      </m:r>
+                      <m:f>
+                        <m:fPr>
+                          <m:ctrlPr>
+                            <a:rPr lang="en-US" b="0" i="1" smtClean="0">
+                              <a:latin typeface="Cambria Math" panose="02040503050406030204" pitchFamily="18" charset="0"/>
+                            </a:rPr>
+                          </m:ctrlPr>
+                        </m:fPr>
+                        <m:num>
+                          <m:r>
+                            <a:rPr lang="en-US" b="0" i="1" smtClean="0">
+                              <a:latin typeface="Cambria Math" panose="02040503050406030204" pitchFamily="18" charset="0"/>
+                            </a:rPr>
+                            <m:t>2</m:t>
+                          </m:r>
+                        </m:num>
+                        <m:den>
+                          <m:d>
+                            <m:dPr>
+                              <m:begChr m:val="‖"/>
+                              <m:endChr m:val="‖"/>
+                              <m:ctrlPr>
+                                <a:rPr lang="en-US" b="0" i="1" smtClean="0">
+                                  <a:latin typeface="Cambria Math" panose="02040503050406030204" pitchFamily="18" charset="0"/>
+                                </a:rPr>
+                              </m:ctrlPr>
+                            </m:dPr>
+                            <m:e>
+                              <m:acc>
+                                <m:accPr>
+                                  <m:chr m:val="⃑"/>
+                                  <m:ctrlPr>
+                                    <a:rPr lang="en-US" b="0" i="1" smtClean="0">
+                                      <a:latin typeface="Cambria Math" panose="02040503050406030204" pitchFamily="18" charset="0"/>
+                                    </a:rPr>
+                                  </m:ctrlPr>
+                                </m:accPr>
+                                <m:e>
+                                  <m:r>
+                                    <a:rPr lang="en-US" b="0" i="1" smtClean="0">
+                                      <a:latin typeface="Cambria Math" panose="02040503050406030204" pitchFamily="18" charset="0"/>
+                                    </a:rPr>
+                                    <m:t>𝑤</m:t>
+                                  </m:r>
+                                </m:e>
+                              </m:acc>
+                            </m:e>
+                          </m:d>
+                        </m:den>
+                      </m:f>
+                    </m:oMath>
+                  </m:oMathPara>
+                </a14:m>
+                <a:endParaRPr lang="en-US" dirty="0"/>
+              </a:p>
+            </p:txBody>
+          </p:sp>
+        </mc:Choice>
+        <mc:Fallback>
+          <p:sp>
+            <p:nvSpPr>
+              <p:cNvPr id="20" name="TextBox 19">
+                <a:extLst>
+                  <a:ext uri="{FF2B5EF4-FFF2-40B4-BE49-F238E27FC236}">
+                    <a16:creationId xmlns:a16="http://schemas.microsoft.com/office/drawing/2014/main" id="{0AC0657D-C67A-9490-EA9B-B1E4A599A1CE}"/>
+                  </a:ext>
+                </a:extLst>
+              </p:cNvPr>
+              <p:cNvSpPr txBox="1">
+                <a:spLocks noRot="1" noChangeAspect="1" noMove="1" noResize="1" noEditPoints="1" noAdjustHandles="1" noChangeArrowheads="1" noChangeShapeType="1" noTextEdit="1"/>
+              </p:cNvSpPr>
+              <p:nvPr/>
+            </p:nvSpPr>
+            <p:spPr>
+              <a:xfrm>
+                <a:off x="6527121" y="1873734"/>
+                <a:ext cx="1510029" cy="557589"/>
+              </a:xfrm>
+              <a:prstGeom prst="rect">
+                <a:avLst/>
+              </a:prstGeom>
+              <a:blipFill>
+                <a:blip r:embed="rId4"/>
+                <a:stretch>
+                  <a:fillRect/>
+                </a:stretch>
+              </a:blipFill>
+            </p:spPr>
+            <p:txBody>
+              <a:bodyPr/>
+              <a:lstStyle/>
+              <a:p>
+                <a:r>
+                  <a:rPr lang="en-US">
+                    <a:noFill/>
+                  </a:rPr>
+                  <a:t> </a:t>
+                </a:r>
+              </a:p>
+            </p:txBody>
+          </p:sp>
+        </mc:Fallback>
+      </mc:AlternateContent>
+      <mc:AlternateContent xmlns:mc="http://schemas.openxmlformats.org/markup-compatibility/2006">
+        <mc:Choice xmlns:a14="http://schemas.microsoft.com/office/drawing/2010/main" Requires="a14">
+          <p:sp>
+            <p:nvSpPr>
+              <p:cNvPr id="21" name="TextBox 20">
+                <a:extLst>
+                  <a:ext uri="{FF2B5EF4-FFF2-40B4-BE49-F238E27FC236}">
+                    <a16:creationId xmlns:a16="http://schemas.microsoft.com/office/drawing/2014/main" id="{EB028BE5-E9A8-243D-229A-19870F8F72A4}"/>
+                  </a:ext>
+                </a:extLst>
+              </p:cNvPr>
+              <p:cNvSpPr txBox="1"/>
+              <p:nvPr/>
+            </p:nvSpPr>
+            <p:spPr>
+              <a:xfrm>
+                <a:off x="6527121" y="2614369"/>
+                <a:ext cx="4351961" cy="518604"/>
+              </a:xfrm>
+              <a:prstGeom prst="rect">
+                <a:avLst/>
+              </a:prstGeom>
+              <a:noFill/>
+            </p:spPr>
+            <p:txBody>
+              <a:bodyPr wrap="none" lIns="0" tIns="0" rIns="0" bIns="0" rtlCol="0">
+                <a:spAutoFit/>
+              </a:bodyPr>
+              <a:lstStyle/>
+              <a:p>
+                <a14:m>
+                  <m:oMathPara xmlns:m="http://schemas.openxmlformats.org/officeDocument/2006/math">
+                    <m:oMathParaPr>
+                      <m:jc m:val="centerGroup"/>
+                    </m:oMathParaPr>
+                    <m:oMath xmlns:m="http://schemas.openxmlformats.org/officeDocument/2006/math">
+                      <m:r>
+                        <a:rPr lang="en-US" b="0" i="1" smtClean="0">
+                          <a:latin typeface="Cambria Math" panose="02040503050406030204" pitchFamily="18" charset="0"/>
+                        </a:rPr>
+                        <m:t>𝑚𝑎𝑥</m:t>
+                      </m:r>
+                      <m:d>
+                        <m:dPr>
+                          <m:ctrlPr>
+                            <a:rPr lang="en-US" b="0" i="1" smtClean="0">
+                              <a:latin typeface="Cambria Math" panose="02040503050406030204" pitchFamily="18" charset="0"/>
+                            </a:rPr>
+                          </m:ctrlPr>
+                        </m:dPr>
+                        <m:e>
+                          <m:r>
+                            <a:rPr lang="en-US" b="0" i="1" smtClean="0">
+                              <a:latin typeface="Cambria Math" panose="02040503050406030204" pitchFamily="18" charset="0"/>
+                            </a:rPr>
+                            <m:t>𝑙𝑒𝑛𝑔𝑡h</m:t>
+                          </m:r>
+                        </m:e>
+                      </m:d>
+                      <m:r>
+                        <a:rPr lang="en-US" b="0" i="1" smtClean="0">
+                          <a:latin typeface="Cambria Math" panose="02040503050406030204" pitchFamily="18" charset="0"/>
+                        </a:rPr>
+                        <m:t>→</m:t>
+                      </m:r>
+                      <m:func>
+                        <m:funcPr>
+                          <m:ctrlPr>
+                            <a:rPr lang="en-US" b="0" i="1" smtClean="0">
+                              <a:latin typeface="Cambria Math" panose="02040503050406030204" pitchFamily="18" charset="0"/>
+                            </a:rPr>
+                          </m:ctrlPr>
+                        </m:funcPr>
+                        <m:fName>
+                          <m:r>
+                            <a:rPr lang="en-US" b="0" i="1" smtClean="0">
+                              <a:latin typeface="Cambria Math" panose="02040503050406030204" pitchFamily="18" charset="0"/>
+                            </a:rPr>
+                            <m:t>𝑚𝑖𝑛</m:t>
+                          </m:r>
+                        </m:fName>
+                        <m:e>
+                          <m:d>
+                            <m:dPr>
+                              <m:ctrlPr>
+                                <a:rPr lang="en-US" b="0" i="1" smtClean="0">
+                                  <a:latin typeface="Cambria Math" panose="02040503050406030204" pitchFamily="18" charset="0"/>
+                                </a:rPr>
+                              </m:ctrlPr>
+                            </m:dPr>
+                            <m:e>
+                              <m:d>
+                                <m:dPr>
+                                  <m:begChr m:val="‖"/>
+                                  <m:endChr m:val="‖"/>
+                                  <m:ctrlPr>
+                                    <a:rPr lang="en-US" i="1">
+                                      <a:latin typeface="Cambria Math" panose="02040503050406030204" pitchFamily="18" charset="0"/>
+                                    </a:rPr>
+                                  </m:ctrlPr>
+                                </m:dPr>
+                                <m:e>
+                                  <m:acc>
+                                    <m:accPr>
+                                      <m:chr m:val="⃑"/>
+                                      <m:ctrlPr>
+                                        <a:rPr lang="en-US" i="1">
+                                          <a:latin typeface="Cambria Math" panose="02040503050406030204" pitchFamily="18" charset="0"/>
+                                        </a:rPr>
+                                      </m:ctrlPr>
+                                    </m:accPr>
+                                    <m:e>
+                                      <m:r>
+                                        <a:rPr lang="en-US" i="1">
+                                          <a:latin typeface="Cambria Math" panose="02040503050406030204" pitchFamily="18" charset="0"/>
+                                        </a:rPr>
+                                        <m:t>𝑤</m:t>
+                                      </m:r>
+                                    </m:e>
+                                  </m:acc>
+                                </m:e>
+                              </m:d>
+                            </m:e>
+                          </m:d>
+                        </m:e>
+                      </m:func>
+                      <m:r>
+                        <a:rPr lang="en-US" b="0" i="1" smtClean="0">
+                          <a:latin typeface="Cambria Math" panose="02040503050406030204" pitchFamily="18" charset="0"/>
+                        </a:rPr>
+                        <m:t>→</m:t>
+                      </m:r>
+                      <m:r>
+                        <a:rPr lang="en-US" b="0" i="1" smtClean="0">
+                          <a:latin typeface="Cambria Math" panose="02040503050406030204" pitchFamily="18" charset="0"/>
+                        </a:rPr>
+                        <m:t>𝑚𝑖𝑛</m:t>
+                      </m:r>
+                      <m:r>
+                        <a:rPr lang="en-US" b="0" i="1" smtClean="0">
+                          <a:latin typeface="Cambria Math" panose="02040503050406030204" pitchFamily="18" charset="0"/>
+                        </a:rPr>
+                        <m:t>⁡(</m:t>
+                      </m:r>
+                      <m:f>
+                        <m:fPr>
+                          <m:ctrlPr>
+                            <a:rPr lang="en-US" b="0" i="1" smtClean="0">
+                              <a:latin typeface="Cambria Math" panose="02040503050406030204" pitchFamily="18" charset="0"/>
+                            </a:rPr>
+                          </m:ctrlPr>
+                        </m:fPr>
+                        <m:num>
+                          <m:r>
+                            <a:rPr lang="en-US" b="0" i="1" smtClean="0">
+                              <a:latin typeface="Cambria Math" panose="02040503050406030204" pitchFamily="18" charset="0"/>
+                            </a:rPr>
+                            <m:t>1</m:t>
+                          </m:r>
+                        </m:num>
+                        <m:den>
+                          <m:r>
+                            <a:rPr lang="en-US" b="0" i="1" smtClean="0">
+                              <a:latin typeface="Cambria Math" panose="02040503050406030204" pitchFamily="18" charset="0"/>
+                            </a:rPr>
+                            <m:t>2</m:t>
+                          </m:r>
+                        </m:den>
+                      </m:f>
+                      <m:sSup>
+                        <m:sSupPr>
+                          <m:ctrlPr>
+                            <a:rPr lang="en-US" b="0" i="1" smtClean="0">
+                              <a:latin typeface="Cambria Math" panose="02040503050406030204" pitchFamily="18" charset="0"/>
+                            </a:rPr>
+                          </m:ctrlPr>
+                        </m:sSupPr>
+                        <m:e>
+                          <m:d>
+                            <m:dPr>
+                              <m:begChr m:val="‖"/>
+                              <m:endChr m:val="‖"/>
+                              <m:ctrlPr>
+                                <a:rPr lang="en-US" i="1">
+                                  <a:latin typeface="Cambria Math" panose="02040503050406030204" pitchFamily="18" charset="0"/>
+                                </a:rPr>
+                              </m:ctrlPr>
+                            </m:dPr>
+                            <m:e>
+                              <m:acc>
+                                <m:accPr>
+                                  <m:chr m:val="⃑"/>
+                                  <m:ctrlPr>
+                                    <a:rPr lang="en-US" i="1">
+                                      <a:latin typeface="Cambria Math" panose="02040503050406030204" pitchFamily="18" charset="0"/>
+                                    </a:rPr>
+                                  </m:ctrlPr>
+                                </m:accPr>
+                                <m:e>
+                                  <m:r>
+                                    <a:rPr lang="en-US" i="1">
+                                      <a:latin typeface="Cambria Math" panose="02040503050406030204" pitchFamily="18" charset="0"/>
+                                    </a:rPr>
+                                    <m:t>𝑤</m:t>
+                                  </m:r>
+                                </m:e>
+                              </m:acc>
+                            </m:e>
+                          </m:d>
+                        </m:e>
+                        <m:sup>
+                          <m:r>
+                            <a:rPr lang="en-US" b="0" i="1" smtClean="0">
+                              <a:latin typeface="Cambria Math" panose="02040503050406030204" pitchFamily="18" charset="0"/>
+                            </a:rPr>
+                            <m:t>2</m:t>
+                          </m:r>
+                        </m:sup>
+                      </m:sSup>
+                      <m:r>
+                        <a:rPr lang="en-US" b="0" i="1" smtClean="0">
+                          <a:latin typeface="Cambria Math" panose="02040503050406030204" pitchFamily="18" charset="0"/>
+                        </a:rPr>
+                        <m:t>)</m:t>
+                      </m:r>
+                    </m:oMath>
+                  </m:oMathPara>
+                </a14:m>
+                <a:endParaRPr lang="en-US" i="1" dirty="0"/>
+              </a:p>
+            </p:txBody>
+          </p:sp>
+        </mc:Choice>
+        <mc:Fallback>
+          <p:sp>
+            <p:nvSpPr>
+              <p:cNvPr id="21" name="TextBox 20">
+                <a:extLst>
+                  <a:ext uri="{FF2B5EF4-FFF2-40B4-BE49-F238E27FC236}">
+                    <a16:creationId xmlns:a16="http://schemas.microsoft.com/office/drawing/2014/main" id="{EB028BE5-E9A8-243D-229A-19870F8F72A4}"/>
+                  </a:ext>
+                </a:extLst>
+              </p:cNvPr>
+              <p:cNvSpPr txBox="1">
+                <a:spLocks noRot="1" noChangeAspect="1" noMove="1" noResize="1" noEditPoints="1" noAdjustHandles="1" noChangeArrowheads="1" noChangeShapeType="1" noTextEdit="1"/>
+              </p:cNvSpPr>
+              <p:nvPr/>
+            </p:nvSpPr>
+            <p:spPr>
+              <a:xfrm>
+                <a:off x="6527121" y="2614369"/>
+                <a:ext cx="4351961" cy="518604"/>
+              </a:xfrm>
+              <a:prstGeom prst="rect">
+                <a:avLst/>
+              </a:prstGeom>
+              <a:blipFill>
+                <a:blip r:embed="rId5"/>
+                <a:stretch>
+                  <a:fillRect/>
+                </a:stretch>
+              </a:blipFill>
+            </p:spPr>
+            <p:txBody>
+              <a:bodyPr/>
+              <a:lstStyle/>
+              <a:p>
+                <a:r>
+                  <a:rPr lang="en-US">
+                    <a:noFill/>
+                  </a:rPr>
+                  <a:t> </a:t>
+                </a:r>
+              </a:p>
+            </p:txBody>
+          </p:sp>
+        </mc:Fallback>
+      </mc:AlternateContent>
+      <mc:AlternateContent xmlns:mc="http://schemas.openxmlformats.org/markup-compatibility/2006">
+        <mc:Choice xmlns:a14="http://schemas.microsoft.com/office/drawing/2010/main" Requires="a14">
+          <p:sp>
+            <p:nvSpPr>
+              <p:cNvPr id="22" name="TextBox 21">
+                <a:extLst>
+                  <a:ext uri="{FF2B5EF4-FFF2-40B4-BE49-F238E27FC236}">
+                    <a16:creationId xmlns:a16="http://schemas.microsoft.com/office/drawing/2014/main" id="{224B6A4A-266A-5EC8-7E57-07CA8A0FFA0E}"/>
+                  </a:ext>
+                </a:extLst>
+              </p:cNvPr>
+              <p:cNvSpPr txBox="1"/>
+              <p:nvPr/>
+            </p:nvSpPr>
+            <p:spPr>
+              <a:xfrm>
+                <a:off x="6585983" y="3390861"/>
+                <a:ext cx="2902333" cy="391133"/>
+              </a:xfrm>
+              <a:prstGeom prst="rect">
+                <a:avLst/>
+              </a:prstGeom>
+              <a:noFill/>
+            </p:spPr>
+            <p:txBody>
+              <a:bodyPr wrap="none" lIns="0" tIns="0" rIns="0" bIns="0" rtlCol="0">
+                <a:spAutoFit/>
+              </a:bodyPr>
+              <a:lstStyle/>
+              <a:p>
+                <a14:m>
+                  <m:oMath xmlns:m="http://schemas.openxmlformats.org/officeDocument/2006/math">
+                    <m:r>
+                      <a:rPr lang="en-US" b="0" i="1" smtClean="0">
+                        <a:latin typeface="Cambria Math" panose="02040503050406030204" pitchFamily="18" charset="0"/>
+                      </a:rPr>
+                      <m:t>𝐿</m:t>
+                    </m:r>
+                    <m:r>
+                      <a:rPr lang="en-US" b="0" i="1" smtClean="0">
+                        <a:latin typeface="Cambria Math" panose="02040503050406030204" pitchFamily="18" charset="0"/>
+                      </a:rPr>
+                      <m:t>=</m:t>
+                    </m:r>
+                  </m:oMath>
+                </a14:m>
+                <a:r>
+                  <a:rPr lang="en-US" dirty="0"/>
+                  <a:t> </a:t>
+                </a:r>
+                <a14:m>
+                  <m:oMath xmlns:m="http://schemas.openxmlformats.org/officeDocument/2006/math">
+                    <m:f>
+                      <m:fPr>
+                        <m:ctrlPr>
+                          <a:rPr lang="en-US" i="1">
+                            <a:latin typeface="Cambria Math" panose="02040503050406030204" pitchFamily="18" charset="0"/>
+                          </a:rPr>
+                        </m:ctrlPr>
+                      </m:fPr>
+                      <m:num>
+                        <m:r>
+                          <a:rPr lang="en-US" i="1">
+                            <a:latin typeface="Cambria Math" panose="02040503050406030204" pitchFamily="18" charset="0"/>
+                          </a:rPr>
+                          <m:t>1</m:t>
+                        </m:r>
+                      </m:num>
+                      <m:den>
+                        <m:r>
+                          <a:rPr lang="en-US" i="1">
+                            <a:latin typeface="Cambria Math" panose="02040503050406030204" pitchFamily="18" charset="0"/>
+                          </a:rPr>
+                          <m:t>2</m:t>
+                        </m:r>
+                      </m:den>
+                    </m:f>
+                    <m:sSup>
+                      <m:sSupPr>
+                        <m:ctrlPr>
+                          <a:rPr lang="en-US" i="1">
+                            <a:latin typeface="Cambria Math" panose="02040503050406030204" pitchFamily="18" charset="0"/>
+                          </a:rPr>
+                        </m:ctrlPr>
+                      </m:sSupPr>
+                      <m:e>
+                        <m:d>
+                          <m:dPr>
+                            <m:begChr m:val="‖"/>
+                            <m:endChr m:val="‖"/>
+                            <m:ctrlPr>
+                              <a:rPr lang="en-US" i="1">
+                                <a:latin typeface="Cambria Math" panose="02040503050406030204" pitchFamily="18" charset="0"/>
+                              </a:rPr>
+                            </m:ctrlPr>
+                          </m:dPr>
+                          <m:e>
+                            <m:acc>
+                              <m:accPr>
+                                <m:chr m:val="⃑"/>
+                                <m:ctrlPr>
+                                  <a:rPr lang="en-US" i="1">
+                                    <a:latin typeface="Cambria Math" panose="02040503050406030204" pitchFamily="18" charset="0"/>
+                                  </a:rPr>
+                                </m:ctrlPr>
+                              </m:accPr>
+                              <m:e>
+                                <m:r>
+                                  <a:rPr lang="en-US" i="1">
+                                    <a:latin typeface="Cambria Math" panose="02040503050406030204" pitchFamily="18" charset="0"/>
+                                  </a:rPr>
+                                  <m:t>𝑤</m:t>
+                                </m:r>
+                              </m:e>
+                            </m:acc>
+                          </m:e>
+                        </m:d>
+                      </m:e>
+                      <m:sup>
+                        <m:r>
+                          <a:rPr lang="en-US" i="1">
+                            <a:latin typeface="Cambria Math" panose="02040503050406030204" pitchFamily="18" charset="0"/>
+                          </a:rPr>
+                          <m:t>2</m:t>
+                        </m:r>
+                      </m:sup>
+                    </m:sSup>
+                    <m:r>
+                      <a:rPr lang="en-US" b="0" i="1" smtClean="0">
+                        <a:latin typeface="Cambria Math" panose="02040503050406030204" pitchFamily="18" charset="0"/>
+                      </a:rPr>
+                      <m:t>−</m:t>
+                    </m:r>
+                    <m:nary>
+                      <m:naryPr>
+                        <m:chr m:val="∑"/>
+                        <m:subHide m:val="on"/>
+                        <m:supHide m:val="on"/>
+                        <m:ctrlPr>
+                          <a:rPr lang="en-US" b="0" i="1" smtClean="0">
+                            <a:latin typeface="Cambria Math" panose="02040503050406030204" pitchFamily="18" charset="0"/>
+                          </a:rPr>
+                        </m:ctrlPr>
+                      </m:naryPr>
+                      <m:sub/>
+                      <m:sup/>
+                      <m:e>
+                        <m:sSub>
+                          <m:sSubPr>
+                            <m:ctrlPr>
+                              <a:rPr lang="en-US" b="0" i="1" smtClean="0">
+                                <a:latin typeface="Cambria Math" panose="02040503050406030204" pitchFamily="18" charset="0"/>
+                              </a:rPr>
+                            </m:ctrlPr>
+                          </m:sSubPr>
+                          <m:e>
+                            <m:r>
+                              <a:rPr lang="en-US" b="0" i="1" smtClean="0">
+                                <a:latin typeface="Cambria Math" panose="02040503050406030204" pitchFamily="18" charset="0"/>
+                              </a:rPr>
+                              <m:t>𝑎</m:t>
+                            </m:r>
+                          </m:e>
+                          <m:sub>
+                            <m:r>
+                              <a:rPr lang="en-US" b="0" i="1" smtClean="0">
+                                <a:latin typeface="Cambria Math" panose="02040503050406030204" pitchFamily="18" charset="0"/>
+                              </a:rPr>
+                              <m:t>𝑖</m:t>
+                            </m:r>
+                          </m:sub>
+                        </m:sSub>
+                        <m:r>
+                          <a:rPr lang="en-US" b="0" i="1" smtClean="0">
+                            <a:latin typeface="Cambria Math" panose="02040503050406030204" pitchFamily="18" charset="0"/>
+                          </a:rPr>
+                          <m:t>(</m:t>
+                        </m:r>
+                        <m:sSub>
+                          <m:sSubPr>
+                            <m:ctrlPr>
+                              <a:rPr lang="en-US" b="0" i="1" smtClean="0">
+                                <a:latin typeface="Cambria Math" panose="02040503050406030204" pitchFamily="18" charset="0"/>
+                              </a:rPr>
+                            </m:ctrlPr>
+                          </m:sSubPr>
+                          <m:e>
+                            <m:acc>
+                              <m:accPr>
+                                <m:chr m:val="⃑"/>
+                                <m:ctrlPr>
+                                  <a:rPr lang="en-US" b="0" i="1" smtClean="0">
+                                    <a:latin typeface="Cambria Math" panose="02040503050406030204" pitchFamily="18" charset="0"/>
+                                  </a:rPr>
+                                </m:ctrlPr>
+                              </m:accPr>
+                              <m:e>
+                                <m:r>
+                                  <a:rPr lang="en-US" b="0" i="1" smtClean="0">
+                                    <a:latin typeface="Cambria Math" panose="02040503050406030204" pitchFamily="18" charset="0"/>
+                                  </a:rPr>
+                                  <m:t>𝑥</m:t>
+                                </m:r>
+                              </m:e>
+                            </m:acc>
+                          </m:e>
+                          <m:sub>
+                            <m:r>
+                              <a:rPr lang="en-US" b="0" i="1" smtClean="0">
+                                <a:latin typeface="Cambria Math" panose="02040503050406030204" pitchFamily="18" charset="0"/>
+                              </a:rPr>
+                              <m:t>𝑖</m:t>
+                            </m:r>
+                          </m:sub>
+                        </m:sSub>
+                        <m:r>
+                          <a:rPr lang="en-US" i="1">
+                            <a:latin typeface="Cambria Math" panose="02040503050406030204" pitchFamily="18" charset="0"/>
+                            <a:ea typeface="Cambria Math" panose="02040503050406030204" pitchFamily="18" charset="0"/>
+                          </a:rPr>
+                          <m:t>∙</m:t>
+                        </m:r>
+                        <m:acc>
+                          <m:accPr>
+                            <m:chr m:val="⃑"/>
+                            <m:ctrlPr>
+                              <a:rPr lang="en-US" i="1">
+                                <a:latin typeface="Cambria Math" panose="02040503050406030204" pitchFamily="18" charset="0"/>
+                              </a:rPr>
+                            </m:ctrlPr>
+                          </m:accPr>
+                          <m:e>
+                            <m:r>
+                              <a:rPr lang="en-US" i="1">
+                                <a:latin typeface="Cambria Math" panose="02040503050406030204" pitchFamily="18" charset="0"/>
+                              </a:rPr>
+                              <m:t>𝑤</m:t>
+                            </m:r>
+                          </m:e>
+                        </m:acc>
+                        <m:r>
+                          <a:rPr lang="en-US" b="0" i="1" smtClean="0">
+                            <a:latin typeface="Cambria Math" panose="02040503050406030204" pitchFamily="18" charset="0"/>
+                          </a:rPr>
+                          <m:t>+</m:t>
+                        </m:r>
+                        <m:r>
+                          <a:rPr lang="en-US" b="0" i="1" smtClean="0">
+                            <a:latin typeface="Cambria Math" panose="02040503050406030204" pitchFamily="18" charset="0"/>
+                          </a:rPr>
+                          <m:t>𝑏</m:t>
+                        </m:r>
+                        <m:r>
+                          <a:rPr lang="en-US" b="0" i="1" smtClean="0">
+                            <a:latin typeface="Cambria Math" panose="02040503050406030204" pitchFamily="18" charset="0"/>
+                          </a:rPr>
+                          <m:t>)</m:t>
+                        </m:r>
+                      </m:e>
+                    </m:nary>
+                  </m:oMath>
+                </a14:m>
+                <a:endParaRPr lang="en-US" i="1" dirty="0"/>
+              </a:p>
+            </p:txBody>
+          </p:sp>
+        </mc:Choice>
+        <mc:Fallback>
+          <p:sp>
+            <p:nvSpPr>
+              <p:cNvPr id="22" name="TextBox 21">
+                <a:extLst>
+                  <a:ext uri="{FF2B5EF4-FFF2-40B4-BE49-F238E27FC236}">
+                    <a16:creationId xmlns:a16="http://schemas.microsoft.com/office/drawing/2014/main" id="{224B6A4A-266A-5EC8-7E57-07CA8A0FFA0E}"/>
+                  </a:ext>
+                </a:extLst>
+              </p:cNvPr>
+              <p:cNvSpPr txBox="1">
+                <a:spLocks noRot="1" noChangeAspect="1" noMove="1" noResize="1" noEditPoints="1" noAdjustHandles="1" noChangeArrowheads="1" noChangeShapeType="1" noTextEdit="1"/>
+              </p:cNvSpPr>
+              <p:nvPr/>
+            </p:nvSpPr>
+            <p:spPr>
+              <a:xfrm>
+                <a:off x="6585983" y="3390861"/>
+                <a:ext cx="2902333" cy="391133"/>
+              </a:xfrm>
+              <a:prstGeom prst="rect">
+                <a:avLst/>
+              </a:prstGeom>
+              <a:blipFill>
+                <a:blip r:embed="rId6"/>
+                <a:stretch>
+                  <a:fillRect l="-2731" t="-109375" r="-2941" b="-175000"/>
+                </a:stretch>
+              </a:blipFill>
+            </p:spPr>
+            <p:txBody>
+              <a:bodyPr/>
+              <a:lstStyle/>
+              <a:p>
+                <a:r>
+                  <a:rPr lang="en-US">
+                    <a:noFill/>
+                  </a:rPr>
+                  <a:t> </a:t>
+                </a:r>
+              </a:p>
+            </p:txBody>
+          </p:sp>
+        </mc:Fallback>
+      </mc:AlternateContent>
+      <mc:AlternateContent xmlns:mc="http://schemas.openxmlformats.org/markup-compatibility/2006">
+        <mc:Choice xmlns:a14="http://schemas.microsoft.com/office/drawing/2010/main" Requires="a14">
+          <p:sp>
+            <p:nvSpPr>
+              <p:cNvPr id="23" name="TextBox 22">
+                <a:extLst>
+                  <a:ext uri="{FF2B5EF4-FFF2-40B4-BE49-F238E27FC236}">
+                    <a16:creationId xmlns:a16="http://schemas.microsoft.com/office/drawing/2014/main" id="{1DE09088-2D51-4093-7136-33528FEF20F2}"/>
+                  </a:ext>
+                </a:extLst>
+              </p:cNvPr>
+              <p:cNvSpPr txBox="1"/>
+              <p:nvPr/>
+            </p:nvSpPr>
+            <p:spPr>
+              <a:xfrm>
+                <a:off x="6527121" y="3918580"/>
+                <a:ext cx="2380523" cy="670761"/>
+              </a:xfrm>
+              <a:prstGeom prst="rect">
+                <a:avLst/>
+              </a:prstGeom>
+              <a:noFill/>
+            </p:spPr>
+            <p:txBody>
+              <a:bodyPr wrap="none" lIns="0" tIns="0" rIns="0" bIns="0" rtlCol="0">
+                <a:spAutoFit/>
+              </a:bodyPr>
+              <a:lstStyle/>
+              <a:p>
+                <a14:m>
+                  <m:oMathPara xmlns:m="http://schemas.openxmlformats.org/officeDocument/2006/math">
+                    <m:oMathParaPr>
+                      <m:jc m:val="centerGroup"/>
+                    </m:oMathParaPr>
+                    <m:oMath xmlns:m="http://schemas.openxmlformats.org/officeDocument/2006/math">
+                      <m:f>
+                        <m:fPr>
+                          <m:ctrlPr>
+                            <a:rPr lang="en-US" i="1" smtClean="0">
+                              <a:latin typeface="Cambria Math" panose="02040503050406030204" pitchFamily="18" charset="0"/>
+                            </a:rPr>
+                          </m:ctrlPr>
+                        </m:fPr>
+                        <m:num>
+                          <m:r>
+                            <a:rPr lang="en-US" i="1" smtClean="0">
+                              <a:latin typeface="Cambria Math" panose="02040503050406030204" pitchFamily="18" charset="0"/>
+                            </a:rPr>
+                            <m:t>𝜕</m:t>
+                          </m:r>
+                          <m:r>
+                            <a:rPr lang="en-US" b="0" i="1" smtClean="0">
+                              <a:latin typeface="Cambria Math" panose="02040503050406030204" pitchFamily="18" charset="0"/>
+                            </a:rPr>
+                            <m:t>𝐿</m:t>
+                          </m:r>
+                        </m:num>
+                        <m:den>
+                          <m:r>
+                            <a:rPr lang="en-US" i="1" smtClean="0">
+                              <a:latin typeface="Cambria Math" panose="02040503050406030204" pitchFamily="18" charset="0"/>
+                            </a:rPr>
+                            <m:t>𝜕</m:t>
+                          </m:r>
+                          <m:acc>
+                            <m:accPr>
+                              <m:chr m:val="⃑"/>
+                              <m:ctrlPr>
+                                <a:rPr lang="en-US" i="1">
+                                  <a:latin typeface="Cambria Math" panose="02040503050406030204" pitchFamily="18" charset="0"/>
+                                </a:rPr>
+                              </m:ctrlPr>
+                            </m:accPr>
+                            <m:e>
+                              <m:r>
+                                <a:rPr lang="en-US" i="1">
+                                  <a:latin typeface="Cambria Math" panose="02040503050406030204" pitchFamily="18" charset="0"/>
+                                </a:rPr>
+                                <m:t>𝑤</m:t>
+                              </m:r>
+                            </m:e>
+                          </m:acc>
+                        </m:den>
+                      </m:f>
+                      <m:r>
+                        <a:rPr lang="en-US" b="0" i="1" smtClean="0">
+                          <a:latin typeface="Cambria Math" panose="02040503050406030204" pitchFamily="18" charset="0"/>
+                        </a:rPr>
+                        <m:t>=</m:t>
+                      </m:r>
+                      <m:acc>
+                        <m:accPr>
+                          <m:chr m:val="⃑"/>
+                          <m:ctrlPr>
+                            <a:rPr lang="en-US" i="1">
+                              <a:latin typeface="Cambria Math" panose="02040503050406030204" pitchFamily="18" charset="0"/>
+                            </a:rPr>
+                          </m:ctrlPr>
+                        </m:accPr>
+                        <m:e>
+                          <m:r>
+                            <a:rPr lang="en-US" i="1">
+                              <a:latin typeface="Cambria Math" panose="02040503050406030204" pitchFamily="18" charset="0"/>
+                            </a:rPr>
+                            <m:t>𝑤</m:t>
+                          </m:r>
+                        </m:e>
+                      </m:acc>
+                      <m:r>
+                        <a:rPr lang="en-US" b="0" i="1" smtClean="0">
+                          <a:latin typeface="Cambria Math" panose="02040503050406030204" pitchFamily="18" charset="0"/>
+                        </a:rPr>
+                        <m:t>−</m:t>
+                      </m:r>
+                      <m:nary>
+                        <m:naryPr>
+                          <m:chr m:val="∑"/>
+                          <m:subHide m:val="on"/>
+                          <m:supHide m:val="on"/>
+                          <m:ctrlPr>
+                            <a:rPr lang="en-US" b="0" i="1" smtClean="0">
+                              <a:latin typeface="Cambria Math" panose="02040503050406030204" pitchFamily="18" charset="0"/>
+                            </a:rPr>
+                          </m:ctrlPr>
+                        </m:naryPr>
+                        <m:sub/>
+                        <m:sup/>
+                        <m:e>
+                          <m:sSub>
+                            <m:sSubPr>
+                              <m:ctrlPr>
+                                <a:rPr lang="en-US" b="0" i="1" smtClean="0">
+                                  <a:latin typeface="Cambria Math" panose="02040503050406030204" pitchFamily="18" charset="0"/>
+                                </a:rPr>
+                              </m:ctrlPr>
+                            </m:sSubPr>
+                            <m:e>
+                              <m:r>
+                                <a:rPr lang="en-US" b="0" i="1" smtClean="0">
+                                  <a:latin typeface="Cambria Math" panose="02040503050406030204" pitchFamily="18" charset="0"/>
+                                </a:rPr>
+                                <m:t>𝑎</m:t>
+                              </m:r>
+                            </m:e>
+                            <m:sub>
+                              <m:r>
+                                <a:rPr lang="en-US" b="0" i="1" smtClean="0">
+                                  <a:latin typeface="Cambria Math" panose="02040503050406030204" pitchFamily="18" charset="0"/>
+                                </a:rPr>
+                                <m:t>𝑖</m:t>
+                              </m:r>
+                            </m:sub>
+                          </m:sSub>
+                          <m:sSub>
+                            <m:sSubPr>
+                              <m:ctrlPr>
+                                <a:rPr lang="en-US" i="1">
+                                  <a:latin typeface="Cambria Math" panose="02040503050406030204" pitchFamily="18" charset="0"/>
+                                </a:rPr>
+                              </m:ctrlPr>
+                            </m:sSubPr>
+                            <m:e>
+                              <m:acc>
+                                <m:accPr>
+                                  <m:chr m:val="⃑"/>
+                                  <m:ctrlPr>
+                                    <a:rPr lang="en-US" i="1" smtClean="0">
+                                      <a:latin typeface="Cambria Math" panose="02040503050406030204" pitchFamily="18" charset="0"/>
+                                    </a:rPr>
+                                  </m:ctrlPr>
+                                </m:accPr>
+                                <m:e>
+                                  <m:r>
+                                    <a:rPr lang="en-US" b="0" i="1" smtClean="0">
+                                      <a:latin typeface="Cambria Math" panose="02040503050406030204" pitchFamily="18" charset="0"/>
+                                    </a:rPr>
+                                    <m:t>𝑥</m:t>
+                                  </m:r>
+                                </m:e>
+                              </m:acc>
+                            </m:e>
+                            <m:sub>
+                              <m:r>
+                                <a:rPr lang="en-US" i="1">
+                                  <a:latin typeface="Cambria Math" panose="02040503050406030204" pitchFamily="18" charset="0"/>
+                                </a:rPr>
+                                <m:t>𝑖</m:t>
+                              </m:r>
+                            </m:sub>
+                          </m:sSub>
+                          <m:r>
+                            <a:rPr lang="en-US" b="0" i="1" smtClean="0">
+                              <a:latin typeface="Cambria Math" panose="02040503050406030204" pitchFamily="18" charset="0"/>
+                            </a:rPr>
+                            <m:t>=0</m:t>
+                          </m:r>
+                        </m:e>
+                      </m:nary>
+                    </m:oMath>
+                  </m:oMathPara>
+                </a14:m>
+                <a:endParaRPr lang="en-US" dirty="0"/>
+              </a:p>
+            </p:txBody>
+          </p:sp>
+        </mc:Choice>
+        <mc:Fallback>
+          <p:sp>
+            <p:nvSpPr>
+              <p:cNvPr id="23" name="TextBox 22">
+                <a:extLst>
+                  <a:ext uri="{FF2B5EF4-FFF2-40B4-BE49-F238E27FC236}">
+                    <a16:creationId xmlns:a16="http://schemas.microsoft.com/office/drawing/2014/main" id="{1DE09088-2D51-4093-7136-33528FEF20F2}"/>
+                  </a:ext>
+                </a:extLst>
+              </p:cNvPr>
+              <p:cNvSpPr txBox="1">
+                <a:spLocks noRot="1" noChangeAspect="1" noMove="1" noResize="1" noEditPoints="1" noAdjustHandles="1" noChangeArrowheads="1" noChangeShapeType="1" noTextEdit="1"/>
+              </p:cNvSpPr>
+              <p:nvPr/>
+            </p:nvSpPr>
+            <p:spPr>
+              <a:xfrm>
+                <a:off x="6527121" y="3918580"/>
+                <a:ext cx="2380523" cy="670761"/>
+              </a:xfrm>
+              <a:prstGeom prst="rect">
+                <a:avLst/>
+              </a:prstGeom>
+              <a:blipFill>
+                <a:blip r:embed="rId7"/>
+                <a:stretch>
+                  <a:fillRect/>
+                </a:stretch>
+              </a:blipFill>
+            </p:spPr>
+            <p:txBody>
+              <a:bodyPr/>
+              <a:lstStyle/>
+              <a:p>
+                <a:r>
+                  <a:rPr lang="en-US">
+                    <a:noFill/>
+                  </a:rPr>
+                  <a:t> </a:t>
+                </a:r>
+              </a:p>
+            </p:txBody>
+          </p:sp>
+        </mc:Fallback>
+      </mc:AlternateContent>
+      <mc:AlternateContent xmlns:mc="http://schemas.openxmlformats.org/markup-compatibility/2006">
+        <mc:Choice xmlns:a14="http://schemas.microsoft.com/office/drawing/2010/main" Requires="a14">
+          <p:sp>
+            <p:nvSpPr>
+              <p:cNvPr id="24" name="TextBox 23">
+                <a:extLst>
+                  <a:ext uri="{FF2B5EF4-FFF2-40B4-BE49-F238E27FC236}">
+                    <a16:creationId xmlns:a16="http://schemas.microsoft.com/office/drawing/2014/main" id="{89409BD0-0180-F3BC-C502-113D67631214}"/>
+                  </a:ext>
+                </a:extLst>
+              </p:cNvPr>
+              <p:cNvSpPr txBox="1"/>
+              <p:nvPr/>
+            </p:nvSpPr>
+            <p:spPr>
+              <a:xfrm>
+                <a:off x="6585983" y="4526834"/>
+                <a:ext cx="1787028" cy="670761"/>
+              </a:xfrm>
+              <a:prstGeom prst="rect">
+                <a:avLst/>
+              </a:prstGeom>
+              <a:noFill/>
+            </p:spPr>
+            <p:txBody>
+              <a:bodyPr wrap="none" lIns="0" tIns="0" rIns="0" bIns="0" rtlCol="0">
+                <a:spAutoFit/>
+              </a:bodyPr>
+              <a:lstStyle/>
+              <a:p>
+                <a14:m>
+                  <m:oMathPara xmlns:m="http://schemas.openxmlformats.org/officeDocument/2006/math">
+                    <m:oMathParaPr>
+                      <m:jc m:val="centerGroup"/>
+                    </m:oMathParaPr>
+                    <m:oMath xmlns:m="http://schemas.openxmlformats.org/officeDocument/2006/math">
+                      <m:f>
+                        <m:fPr>
+                          <m:ctrlPr>
+                            <a:rPr lang="en-US" i="1" smtClean="0">
+                              <a:latin typeface="Cambria Math" panose="02040503050406030204" pitchFamily="18" charset="0"/>
+                            </a:rPr>
+                          </m:ctrlPr>
+                        </m:fPr>
+                        <m:num>
+                          <m:r>
+                            <a:rPr lang="en-US" i="1" smtClean="0">
+                              <a:latin typeface="Cambria Math" panose="02040503050406030204" pitchFamily="18" charset="0"/>
+                            </a:rPr>
+                            <m:t>𝜕</m:t>
+                          </m:r>
+                        </m:num>
+                        <m:den>
+                          <m:r>
+                            <a:rPr lang="en-US" i="1" smtClean="0">
+                              <a:latin typeface="Cambria Math" panose="02040503050406030204" pitchFamily="18" charset="0"/>
+                            </a:rPr>
+                            <m:t>𝜕</m:t>
+                          </m:r>
+                          <m:r>
+                            <a:rPr lang="en-US" b="0" i="1" smtClean="0">
+                              <a:latin typeface="Cambria Math" panose="02040503050406030204" pitchFamily="18" charset="0"/>
+                            </a:rPr>
+                            <m:t>𝑏</m:t>
+                          </m:r>
+                        </m:den>
+                      </m:f>
+                      <m:r>
+                        <a:rPr lang="en-US" b="0" i="1" smtClean="0">
+                          <a:latin typeface="Cambria Math" panose="02040503050406030204" pitchFamily="18" charset="0"/>
+                        </a:rPr>
+                        <m:t>=</m:t>
+                      </m:r>
+                      <m:nary>
+                        <m:naryPr>
+                          <m:chr m:val="∑"/>
+                          <m:subHide m:val="on"/>
+                          <m:supHide m:val="on"/>
+                          <m:ctrlPr>
+                            <a:rPr lang="en-US" b="0" i="1" smtClean="0">
+                              <a:latin typeface="Cambria Math" panose="02040503050406030204" pitchFamily="18" charset="0"/>
+                            </a:rPr>
+                          </m:ctrlPr>
+                        </m:naryPr>
+                        <m:sub/>
+                        <m:sup/>
+                        <m:e>
+                          <m:sSub>
+                            <m:sSubPr>
+                              <m:ctrlPr>
+                                <a:rPr lang="en-US" b="0" i="1" smtClean="0">
+                                  <a:latin typeface="Cambria Math" panose="02040503050406030204" pitchFamily="18" charset="0"/>
+                                </a:rPr>
+                              </m:ctrlPr>
+                            </m:sSubPr>
+                            <m:e>
+                              <m:r>
+                                <a:rPr lang="en-US" b="0" i="1" smtClean="0">
+                                  <a:latin typeface="Cambria Math" panose="02040503050406030204" pitchFamily="18" charset="0"/>
+                                </a:rPr>
+                                <m:t>𝑎</m:t>
+                              </m:r>
+                            </m:e>
+                            <m:sub>
+                              <m:r>
+                                <a:rPr lang="en-US" b="0" i="1" smtClean="0">
+                                  <a:latin typeface="Cambria Math" panose="02040503050406030204" pitchFamily="18" charset="0"/>
+                                </a:rPr>
+                                <m:t>𝑖</m:t>
+                              </m:r>
+                            </m:sub>
+                          </m:sSub>
+                          <m:sSub>
+                            <m:sSubPr>
+                              <m:ctrlPr>
+                                <a:rPr lang="en-US" i="1">
+                                  <a:latin typeface="Cambria Math" panose="02040503050406030204" pitchFamily="18" charset="0"/>
+                                </a:rPr>
+                              </m:ctrlPr>
+                            </m:sSubPr>
+                            <m:e>
+                              <m:r>
+                                <a:rPr lang="en-US" b="0" i="1" smtClean="0">
+                                  <a:latin typeface="Cambria Math" panose="02040503050406030204" pitchFamily="18" charset="0"/>
+                                </a:rPr>
+                                <m:t>𝑦</m:t>
+                              </m:r>
+                            </m:e>
+                            <m:sub>
+                              <m:r>
+                                <a:rPr lang="en-US" i="1">
+                                  <a:latin typeface="Cambria Math" panose="02040503050406030204" pitchFamily="18" charset="0"/>
+                                </a:rPr>
+                                <m:t>𝑖</m:t>
+                              </m:r>
+                            </m:sub>
+                          </m:sSub>
+                          <m:r>
+                            <a:rPr lang="en-US" b="0" i="1" smtClean="0">
+                              <a:latin typeface="Cambria Math" panose="02040503050406030204" pitchFamily="18" charset="0"/>
+                            </a:rPr>
+                            <m:t>=0</m:t>
+                          </m:r>
+                        </m:e>
+                      </m:nary>
+                    </m:oMath>
+                  </m:oMathPara>
+                </a14:m>
+                <a:endParaRPr lang="en-US" dirty="0"/>
+              </a:p>
+            </p:txBody>
+          </p:sp>
+        </mc:Choice>
+        <mc:Fallback>
+          <p:sp>
+            <p:nvSpPr>
+              <p:cNvPr id="24" name="TextBox 23">
+                <a:extLst>
+                  <a:ext uri="{FF2B5EF4-FFF2-40B4-BE49-F238E27FC236}">
+                    <a16:creationId xmlns:a16="http://schemas.microsoft.com/office/drawing/2014/main" id="{89409BD0-0180-F3BC-C502-113D67631214}"/>
+                  </a:ext>
+                </a:extLst>
+              </p:cNvPr>
+              <p:cNvSpPr txBox="1">
+                <a:spLocks noRot="1" noChangeAspect="1" noMove="1" noResize="1" noEditPoints="1" noAdjustHandles="1" noChangeArrowheads="1" noChangeShapeType="1" noTextEdit="1"/>
+              </p:cNvSpPr>
+              <p:nvPr/>
+            </p:nvSpPr>
+            <p:spPr>
+              <a:xfrm>
+                <a:off x="6585983" y="4526834"/>
+                <a:ext cx="1787028" cy="670761"/>
+              </a:xfrm>
+              <a:prstGeom prst="rect">
+                <a:avLst/>
+              </a:prstGeom>
+              <a:blipFill>
+                <a:blip r:embed="rId8"/>
+                <a:stretch>
+                  <a:fillRect/>
+                </a:stretch>
+              </a:blipFill>
+            </p:spPr>
+            <p:txBody>
+              <a:bodyPr/>
+              <a:lstStyle/>
+              <a:p>
+                <a:r>
+                  <a:rPr lang="en-US">
+                    <a:noFill/>
+                  </a:rPr>
+                  <a:t> </a:t>
+                </a:r>
+              </a:p>
+            </p:txBody>
+          </p:sp>
+        </mc:Fallback>
+      </mc:AlternateContent>
+      <p:pic>
+        <p:nvPicPr>
+          <p:cNvPr id="26" name="Picture 25">
+            <a:extLst>
+              <a:ext uri="{FF2B5EF4-FFF2-40B4-BE49-F238E27FC236}">
+                <a16:creationId xmlns:a16="http://schemas.microsoft.com/office/drawing/2014/main" id="{FB635478-C873-7F9B-DAB1-D9C446C4E6B5}"/>
+              </a:ext>
+            </a:extLst>
+          </p:cNvPr>
+          <p:cNvPicPr>
+            <a:picLocks noChangeAspect="1"/>
+          </p:cNvPicPr>
+          <p:nvPr/>
+        </p:nvPicPr>
+        <p:blipFill>
+          <a:blip r:embed="rId9"/>
+          <a:stretch>
+            <a:fillRect/>
+          </a:stretch>
+        </p:blipFill>
+        <p:spPr>
+          <a:xfrm>
+            <a:off x="6247184" y="5374948"/>
+            <a:ext cx="5320920" cy="1155166"/>
+          </a:xfrm>
+          <a:prstGeom prst="rect">
+            <a:avLst/>
+          </a:prstGeom>
+        </p:spPr>
+      </p:pic>
+    </p:spTree>
+    <p:extLst>
+      <p:ext uri="{BB962C8B-B14F-4D97-AF65-F5344CB8AC3E}">
+        <p14:creationId xmlns:p14="http://schemas.microsoft.com/office/powerpoint/2010/main" val="1778572764"/>
+      </p:ext>
+    </p:extLst>
+  </p:cSld>
+  <p:clrMapOvr>
+    <a:masterClrMapping/>
+  </p:clrMapOvr>
+</p:sld>
+</file>
+
+<file path=ppt/slides/slide8.xml><?xml version="1.0" encoding="utf-8"?>
+<p:sld xmlns:a="http://schemas.openxmlformats.org/drawingml/2006/main" xmlns:r="http://schemas.openxmlformats.org/officeDocument/2006/relationships" xmlns:p="http://schemas.openxmlformats.org/presentationml/2006/main">
+  <p:cSld>
+    <p:spTree>
+      <p:nvGrpSpPr>
+        <p:cNvPr id="1" name=""/>
+        <p:cNvGrpSpPr/>
+        <p:nvPr/>
+      </p:nvGrpSpPr>
+      <p:grpSpPr>
+        <a:xfrm>
+          <a:off x="0" y="0"/>
+          <a:ext cx="0" cy="0"/>
+          <a:chOff x="0" y="0"/>
+          <a:chExt cx="0" cy="0"/>
+        </a:xfrm>
+      </p:grpSpPr>
+      <p:sp>
+        <p:nvSpPr>
+          <p:cNvPr id="2" name="Title 1">
+            <a:extLst>
+              <a:ext uri="{FF2B5EF4-FFF2-40B4-BE49-F238E27FC236}">
+                <a16:creationId xmlns:a16="http://schemas.microsoft.com/office/drawing/2014/main" id="{B58FF49C-BEE3-6E1C-1A96-3F59C839EA7E}"/>
+              </a:ext>
+            </a:extLst>
+          </p:cNvPr>
+          <p:cNvSpPr>
+            <a:spLocks noGrp="1"/>
+          </p:cNvSpPr>
+          <p:nvPr>
+            <p:ph type="title"/>
+          </p:nvPr>
+        </p:nvSpPr>
+        <p:spPr/>
+        <p:txBody>
+          <a:bodyPr/>
+          <a:lstStyle/>
+          <a:p>
+            <a:r>
+              <a:rPr lang="en-US" dirty="0"/>
+              <a:t>SMO Optimization</a:t>
+            </a:r>
+          </a:p>
+        </p:txBody>
+      </p:sp>
+      <mc:AlternateContent xmlns:mc="http://schemas.openxmlformats.org/markup-compatibility/2006">
+        <mc:Choice xmlns:a14="http://schemas.microsoft.com/office/drawing/2010/main" Requires="a14">
+          <p:sp>
+            <p:nvSpPr>
+              <p:cNvPr id="8" name="TextBox 7">
+                <a:extLst>
+                  <a:ext uri="{FF2B5EF4-FFF2-40B4-BE49-F238E27FC236}">
+                    <a16:creationId xmlns:a16="http://schemas.microsoft.com/office/drawing/2014/main" id="{AB39DD20-4D2A-BB0A-6091-59AB7B55D88E}"/>
+                  </a:ext>
+                </a:extLst>
+              </p:cNvPr>
+              <p:cNvSpPr txBox="1"/>
+              <p:nvPr/>
+            </p:nvSpPr>
+            <p:spPr>
+              <a:xfrm>
+                <a:off x="952530" y="1710803"/>
+                <a:ext cx="1994970" cy="276999"/>
+              </a:xfrm>
+              <a:prstGeom prst="rect">
+                <a:avLst/>
+              </a:prstGeom>
+              <a:noFill/>
+            </p:spPr>
+            <p:txBody>
+              <a:bodyPr wrap="none" lIns="0" tIns="0" rIns="0" bIns="0" rtlCol="0">
+                <a:spAutoFit/>
+              </a:bodyPr>
+              <a:lstStyle/>
+              <a:p>
+                <a14:m>
+                  <m:oMathPara xmlns:m="http://schemas.openxmlformats.org/officeDocument/2006/math">
+                    <m:oMathParaPr>
+                      <m:jc m:val="centerGroup"/>
+                    </m:oMathParaPr>
+                    <m:oMath xmlns:m="http://schemas.openxmlformats.org/officeDocument/2006/math">
+                      <m:r>
+                        <a:rPr lang="en-US" b="0" i="1" smtClean="0">
+                          <a:latin typeface="Cambria Math" panose="02040503050406030204" pitchFamily="18" charset="0"/>
+                        </a:rPr>
+                        <m:t>𝐿</m:t>
+                      </m:r>
+                      <m:r>
+                        <a:rPr lang="en-US" b="0" i="1" smtClean="0">
+                          <a:latin typeface="Cambria Math" panose="02040503050406030204" pitchFamily="18" charset="0"/>
+                        </a:rPr>
+                        <m:t>=</m:t>
+                      </m:r>
+                      <m:r>
+                        <a:rPr lang="en-US" b="0" i="1" smtClean="0">
+                          <a:latin typeface="Cambria Math" panose="02040503050406030204" pitchFamily="18" charset="0"/>
+                        </a:rPr>
+                        <m:t>𝑓</m:t>
+                      </m:r>
+                      <m:r>
+                        <a:rPr lang="en-US" b="0" i="1" smtClean="0">
+                          <a:latin typeface="Cambria Math" panose="02040503050406030204" pitchFamily="18" charset="0"/>
+                        </a:rPr>
+                        <m:t>(</m:t>
+                      </m:r>
+                      <m:sSub>
+                        <m:sSubPr>
+                          <m:ctrlPr>
+                            <a:rPr lang="en-US" i="1">
+                              <a:latin typeface="Cambria Math" panose="02040503050406030204" pitchFamily="18" charset="0"/>
+                            </a:rPr>
+                          </m:ctrlPr>
+                        </m:sSubPr>
+                        <m:e>
+                          <m:r>
+                            <a:rPr lang="en-US" b="0" i="1" smtClean="0">
+                              <a:latin typeface="Cambria Math" panose="02040503050406030204" pitchFamily="18" charset="0"/>
+                            </a:rPr>
+                            <m:t>𝑎</m:t>
+                          </m:r>
+                        </m:e>
+                        <m:sub>
+                          <m:r>
+                            <a:rPr lang="en-US" b="0" i="1" smtClean="0">
+                              <a:latin typeface="Cambria Math" panose="02040503050406030204" pitchFamily="18" charset="0"/>
+                            </a:rPr>
+                            <m:t>0</m:t>
+                          </m:r>
+                        </m:sub>
+                      </m:sSub>
+                      <m:r>
+                        <a:rPr lang="en-US" i="1">
+                          <a:latin typeface="Cambria Math" panose="02040503050406030204" pitchFamily="18" charset="0"/>
+                        </a:rPr>
+                        <m:t>,</m:t>
+                      </m:r>
+                      <m:sSub>
+                        <m:sSubPr>
+                          <m:ctrlPr>
+                            <a:rPr lang="en-US" i="1">
+                              <a:latin typeface="Cambria Math" panose="02040503050406030204" pitchFamily="18" charset="0"/>
+                            </a:rPr>
+                          </m:ctrlPr>
+                        </m:sSubPr>
+                        <m:e>
+                          <m:r>
+                            <a:rPr lang="en-US" b="0" i="1" smtClean="0">
+                              <a:latin typeface="Cambria Math" panose="02040503050406030204" pitchFamily="18" charset="0"/>
+                            </a:rPr>
+                            <m:t>𝑎</m:t>
+                          </m:r>
+                        </m:e>
+                        <m:sub>
+                          <m:r>
+                            <a:rPr lang="en-US" b="0" i="1" smtClean="0">
+                              <a:latin typeface="Cambria Math" panose="02040503050406030204" pitchFamily="18" charset="0"/>
+                            </a:rPr>
+                            <m:t>1</m:t>
+                          </m:r>
+                        </m:sub>
+                      </m:sSub>
+                      <m:r>
+                        <a:rPr lang="en-US" i="1">
+                          <a:latin typeface="Cambria Math" panose="02040503050406030204" pitchFamily="18" charset="0"/>
+                        </a:rPr>
+                        <m:t>,…,</m:t>
+                      </m:r>
+                      <m:sSub>
+                        <m:sSubPr>
+                          <m:ctrlPr>
+                            <a:rPr lang="en-US" i="1">
+                              <a:latin typeface="Cambria Math" panose="02040503050406030204" pitchFamily="18" charset="0"/>
+                            </a:rPr>
+                          </m:ctrlPr>
+                        </m:sSubPr>
+                        <m:e>
+                          <m:r>
+                            <a:rPr lang="en-US" b="0" i="1" smtClean="0">
+                              <a:latin typeface="Cambria Math" panose="02040503050406030204" pitchFamily="18" charset="0"/>
+                            </a:rPr>
+                            <m:t>𝑎</m:t>
+                          </m:r>
+                        </m:e>
+                        <m:sub>
+                          <m:r>
+                            <a:rPr lang="en-US" b="0" i="1" smtClean="0">
+                              <a:latin typeface="Cambria Math" panose="02040503050406030204" pitchFamily="18" charset="0"/>
+                            </a:rPr>
+                            <m:t>𝑛</m:t>
+                          </m:r>
+                        </m:sub>
+                      </m:sSub>
+                      <m:r>
+                        <a:rPr lang="en-US" b="0" i="1" smtClean="0">
+                          <a:latin typeface="Cambria Math" panose="02040503050406030204" pitchFamily="18" charset="0"/>
+                        </a:rPr>
+                        <m:t>)</m:t>
+                      </m:r>
+                    </m:oMath>
+                  </m:oMathPara>
+                </a14:m>
+                <a:endParaRPr lang="en-US" dirty="0"/>
+              </a:p>
+            </p:txBody>
+          </p:sp>
+        </mc:Choice>
+        <mc:Fallback>
+          <p:sp>
+            <p:nvSpPr>
+              <p:cNvPr id="8" name="TextBox 7">
+                <a:extLst>
+                  <a:ext uri="{FF2B5EF4-FFF2-40B4-BE49-F238E27FC236}">
+                    <a16:creationId xmlns:a16="http://schemas.microsoft.com/office/drawing/2014/main" id="{AB39DD20-4D2A-BB0A-6091-59AB7B55D88E}"/>
+                  </a:ext>
+                </a:extLst>
+              </p:cNvPr>
+              <p:cNvSpPr txBox="1">
+                <a:spLocks noRot="1" noChangeAspect="1" noMove="1" noResize="1" noEditPoints="1" noAdjustHandles="1" noChangeArrowheads="1" noChangeShapeType="1" noTextEdit="1"/>
+              </p:cNvSpPr>
+              <p:nvPr/>
+            </p:nvSpPr>
+            <p:spPr>
+              <a:xfrm>
+                <a:off x="952530" y="1710803"/>
+                <a:ext cx="1994970" cy="276999"/>
+              </a:xfrm>
+              <a:prstGeom prst="rect">
+                <a:avLst/>
+              </a:prstGeom>
+              <a:blipFill>
+                <a:blip r:embed="rId2"/>
+                <a:stretch>
+                  <a:fillRect l="-2134" t="-4444" r="-3659" b="-35556"/>
+                </a:stretch>
+              </a:blipFill>
+            </p:spPr>
+            <p:txBody>
+              <a:bodyPr/>
+              <a:lstStyle/>
+              <a:p>
+                <a:r>
+                  <a:rPr lang="en-US">
+                    <a:noFill/>
+                  </a:rPr>
+                  <a:t> </a:t>
+                </a:r>
+              </a:p>
+            </p:txBody>
+          </p:sp>
+        </mc:Fallback>
+      </mc:AlternateContent>
+      <p:sp>
+        <p:nvSpPr>
+          <p:cNvPr id="9" name="TextBox 8">
+            <a:extLst>
+              <a:ext uri="{FF2B5EF4-FFF2-40B4-BE49-F238E27FC236}">
+                <a16:creationId xmlns:a16="http://schemas.microsoft.com/office/drawing/2014/main" id="{28EE997E-F742-5BE1-CD78-227B39E05083}"/>
+              </a:ext>
+            </a:extLst>
+          </p:cNvPr>
+          <p:cNvSpPr txBox="1"/>
+          <p:nvPr/>
+        </p:nvSpPr>
+        <p:spPr>
+          <a:xfrm>
+            <a:off x="952530" y="2142390"/>
+            <a:ext cx="4955139" cy="369332"/>
+          </a:xfrm>
+          <a:prstGeom prst="rect">
+            <a:avLst/>
+          </a:prstGeom>
+          <a:noFill/>
+        </p:spPr>
+        <p:txBody>
+          <a:bodyPr wrap="none" rtlCol="0">
+            <a:spAutoFit/>
+          </a:bodyPr>
+          <a:lstStyle/>
+          <a:p>
+            <a:r>
+              <a:rPr lang="en-US" dirty="0" err="1"/>
+              <a:t>Pilih</a:t>
+            </a:r>
+            <a:r>
+              <a:rPr lang="en-US" dirty="0"/>
+              <a:t> 2 </a:t>
+            </a:r>
+            <a:r>
+              <a:rPr lang="en-US" dirty="0" err="1"/>
+              <a:t>indeks</a:t>
+            </a:r>
+            <a:r>
+              <a:rPr lang="en-US" dirty="0"/>
+              <a:t> random {r, s}, </a:t>
+            </a:r>
+            <a:r>
+              <a:rPr lang="en-US" dirty="0" err="1"/>
+              <a:t>anggap</a:t>
+            </a:r>
+            <a:r>
+              <a:rPr lang="en-US" dirty="0"/>
+              <a:t> </a:t>
+            </a:r>
+            <a:r>
+              <a:rPr lang="en-US" dirty="0" err="1"/>
+              <a:t>lainnya</a:t>
+            </a:r>
+            <a:r>
+              <a:rPr lang="en-US" dirty="0"/>
+              <a:t> </a:t>
+            </a:r>
+            <a:r>
+              <a:rPr lang="en-US" dirty="0" err="1"/>
+              <a:t>konstan</a:t>
+            </a:r>
+            <a:endParaRPr lang="en-US" dirty="0"/>
+          </a:p>
+        </p:txBody>
+      </p:sp>
+      <mc:AlternateContent xmlns:mc="http://schemas.openxmlformats.org/markup-compatibility/2006">
+        <mc:Choice xmlns:a14="http://schemas.microsoft.com/office/drawing/2010/main" Requires="a14">
+          <p:sp>
+            <p:nvSpPr>
+              <p:cNvPr id="10" name="TextBox 9">
+                <a:extLst>
+                  <a:ext uri="{FF2B5EF4-FFF2-40B4-BE49-F238E27FC236}">
+                    <a16:creationId xmlns:a16="http://schemas.microsoft.com/office/drawing/2014/main" id="{E6B5B267-7B7B-D037-AB5B-34A9D27D51CB}"/>
+                  </a:ext>
+                </a:extLst>
+              </p:cNvPr>
+              <p:cNvSpPr txBox="1"/>
+              <p:nvPr/>
+            </p:nvSpPr>
+            <p:spPr>
+              <a:xfrm>
+                <a:off x="952530" y="2802878"/>
+                <a:ext cx="1350626" cy="276999"/>
+              </a:xfrm>
+              <a:prstGeom prst="rect">
+                <a:avLst/>
+              </a:prstGeom>
+              <a:noFill/>
+            </p:spPr>
+            <p:txBody>
+              <a:bodyPr wrap="none" lIns="0" tIns="0" rIns="0" bIns="0" rtlCol="0">
+                <a:spAutoFit/>
+              </a:bodyPr>
+              <a:lstStyle/>
+              <a:p>
+                <a14:m>
+                  <m:oMathPara xmlns:m="http://schemas.openxmlformats.org/officeDocument/2006/math">
+                    <m:oMathParaPr>
+                      <m:jc m:val="centerGroup"/>
+                    </m:oMathParaPr>
+                    <m:oMath xmlns:m="http://schemas.openxmlformats.org/officeDocument/2006/math">
+                      <m:r>
+                        <a:rPr lang="en-US" b="0" i="1" smtClean="0">
+                          <a:latin typeface="Cambria Math" panose="02040503050406030204" pitchFamily="18" charset="0"/>
+                        </a:rPr>
+                        <m:t>𝐿</m:t>
+                      </m:r>
+                      <m:r>
+                        <a:rPr lang="en-US" b="0" i="1" smtClean="0">
+                          <a:latin typeface="Cambria Math" panose="02040503050406030204" pitchFamily="18" charset="0"/>
+                        </a:rPr>
+                        <m:t>=</m:t>
+                      </m:r>
+                      <m:r>
+                        <a:rPr lang="en-US" b="0" i="1" smtClean="0">
+                          <a:latin typeface="Cambria Math" panose="02040503050406030204" pitchFamily="18" charset="0"/>
+                        </a:rPr>
+                        <m:t>𝑓</m:t>
+                      </m:r>
+                      <m:r>
+                        <a:rPr lang="en-US" b="0" i="1" smtClean="0">
+                          <a:latin typeface="Cambria Math" panose="02040503050406030204" pitchFamily="18" charset="0"/>
+                        </a:rPr>
+                        <m:t>(</m:t>
+                      </m:r>
+                      <m:sSub>
+                        <m:sSubPr>
+                          <m:ctrlPr>
+                            <a:rPr lang="en-US" i="1">
+                              <a:latin typeface="Cambria Math" panose="02040503050406030204" pitchFamily="18" charset="0"/>
+                            </a:rPr>
+                          </m:ctrlPr>
+                        </m:sSubPr>
+                        <m:e>
+                          <m:r>
+                            <a:rPr lang="en-US" b="0" i="1" smtClean="0">
+                              <a:latin typeface="Cambria Math" panose="02040503050406030204" pitchFamily="18" charset="0"/>
+                            </a:rPr>
+                            <m:t>𝑎</m:t>
+                          </m:r>
+                        </m:e>
+                        <m:sub>
+                          <m:r>
+                            <a:rPr lang="en-US" b="0" i="1" smtClean="0">
+                              <a:latin typeface="Cambria Math" panose="02040503050406030204" pitchFamily="18" charset="0"/>
+                            </a:rPr>
+                            <m:t>𝑟</m:t>
+                          </m:r>
+                        </m:sub>
+                      </m:sSub>
+                      <m:r>
+                        <a:rPr lang="en-US" i="1">
+                          <a:latin typeface="Cambria Math" panose="02040503050406030204" pitchFamily="18" charset="0"/>
+                        </a:rPr>
+                        <m:t>,</m:t>
+                      </m:r>
+                      <m:sSub>
+                        <m:sSubPr>
+                          <m:ctrlPr>
+                            <a:rPr lang="en-US" i="1">
+                              <a:latin typeface="Cambria Math" panose="02040503050406030204" pitchFamily="18" charset="0"/>
+                            </a:rPr>
+                          </m:ctrlPr>
+                        </m:sSubPr>
+                        <m:e>
+                          <m:r>
+                            <a:rPr lang="en-US" b="0" i="1" smtClean="0">
+                              <a:latin typeface="Cambria Math" panose="02040503050406030204" pitchFamily="18" charset="0"/>
+                            </a:rPr>
+                            <m:t>𝑎</m:t>
+                          </m:r>
+                        </m:e>
+                        <m:sub>
+                          <m:r>
+                            <a:rPr lang="en-US" b="0" i="1" smtClean="0">
+                              <a:latin typeface="Cambria Math" panose="02040503050406030204" pitchFamily="18" charset="0"/>
+                            </a:rPr>
+                            <m:t>𝑠</m:t>
+                          </m:r>
+                        </m:sub>
+                      </m:sSub>
+                      <m:r>
+                        <a:rPr lang="en-US" b="0" i="1" smtClean="0">
+                          <a:latin typeface="Cambria Math" panose="02040503050406030204" pitchFamily="18" charset="0"/>
+                        </a:rPr>
+                        <m:t>)</m:t>
+                      </m:r>
+                    </m:oMath>
+                  </m:oMathPara>
+                </a14:m>
+                <a:endParaRPr lang="en-US" dirty="0"/>
+              </a:p>
+            </p:txBody>
+          </p:sp>
+        </mc:Choice>
+        <mc:Fallback>
+          <p:sp>
+            <p:nvSpPr>
+              <p:cNvPr id="10" name="TextBox 9">
+                <a:extLst>
+                  <a:ext uri="{FF2B5EF4-FFF2-40B4-BE49-F238E27FC236}">
+                    <a16:creationId xmlns:a16="http://schemas.microsoft.com/office/drawing/2014/main" id="{E6B5B267-7B7B-D037-AB5B-34A9D27D51CB}"/>
+                  </a:ext>
+                </a:extLst>
+              </p:cNvPr>
+              <p:cNvSpPr txBox="1">
+                <a:spLocks noRot="1" noChangeAspect="1" noMove="1" noResize="1" noEditPoints="1" noAdjustHandles="1" noChangeArrowheads="1" noChangeShapeType="1" noTextEdit="1"/>
+              </p:cNvSpPr>
+              <p:nvPr/>
+            </p:nvSpPr>
+            <p:spPr>
+              <a:xfrm>
+                <a:off x="952530" y="2802878"/>
+                <a:ext cx="1350626" cy="276999"/>
+              </a:xfrm>
+              <a:prstGeom prst="rect">
+                <a:avLst/>
+              </a:prstGeom>
+              <a:blipFill>
+                <a:blip r:embed="rId3"/>
+                <a:stretch>
+                  <a:fillRect l="-3604" t="-2222" r="-5856" b="-35556"/>
+                </a:stretch>
+              </a:blipFill>
+            </p:spPr>
+            <p:txBody>
+              <a:bodyPr/>
+              <a:lstStyle/>
+              <a:p>
+                <a:r>
+                  <a:rPr lang="en-US">
+                    <a:noFill/>
+                  </a:rPr>
+                  <a:t> </a:t>
+                </a:r>
+              </a:p>
+            </p:txBody>
+          </p:sp>
+        </mc:Fallback>
+      </mc:AlternateContent>
+      <mc:AlternateContent xmlns:mc="http://schemas.openxmlformats.org/markup-compatibility/2006">
+        <mc:Choice xmlns:a14="http://schemas.microsoft.com/office/drawing/2010/main" Requires="a14">
+          <p:sp>
+            <p:nvSpPr>
+              <p:cNvPr id="12" name="TextBox 11">
+                <a:extLst>
+                  <a:ext uri="{FF2B5EF4-FFF2-40B4-BE49-F238E27FC236}">
+                    <a16:creationId xmlns:a16="http://schemas.microsoft.com/office/drawing/2014/main" id="{EB60E266-1190-9C90-EC2D-4E804516916A}"/>
+                  </a:ext>
+                </a:extLst>
+              </p:cNvPr>
+              <p:cNvSpPr txBox="1"/>
+              <p:nvPr/>
+            </p:nvSpPr>
+            <p:spPr>
+              <a:xfrm>
+                <a:off x="5967525" y="1788478"/>
+                <a:ext cx="6259512" cy="785856"/>
+              </a:xfrm>
+              <a:prstGeom prst="rect">
+                <a:avLst/>
+              </a:prstGeom>
+              <a:noFill/>
+            </p:spPr>
+            <p:txBody>
+              <a:bodyPr wrap="square">
+                <a:spAutoFit/>
+              </a:bodyPr>
+              <a:lstStyle/>
+              <a:p>
+                <a:pPr/>
+                <a14:m>
+                  <m:oMathPara xmlns:m="http://schemas.openxmlformats.org/officeDocument/2006/math">
+                    <m:oMathParaPr>
+                      <m:jc m:val="centerGroup"/>
+                    </m:oMathParaPr>
+                    <m:oMath xmlns:m="http://schemas.openxmlformats.org/officeDocument/2006/math">
+                      <m:nary>
+                        <m:naryPr>
+                          <m:chr m:val="∑"/>
+                          <m:subHide m:val="on"/>
+                          <m:supHide m:val="on"/>
+                          <m:ctrlPr>
+                            <a:rPr lang="en-US" b="0" i="1" smtClean="0">
+                              <a:latin typeface="Cambria Math" panose="02040503050406030204" pitchFamily="18" charset="0"/>
+                            </a:rPr>
+                          </m:ctrlPr>
+                        </m:naryPr>
+                        <m:sub/>
+                        <m:sup/>
+                        <m:e>
+                          <m:sSub>
+                            <m:sSubPr>
+                              <m:ctrlPr>
+                                <a:rPr lang="en-US" b="0" i="1" smtClean="0">
+                                  <a:latin typeface="Cambria Math" panose="02040503050406030204" pitchFamily="18" charset="0"/>
+                                </a:rPr>
+                              </m:ctrlPr>
+                            </m:sSubPr>
+                            <m:e>
+                              <m:r>
+                                <a:rPr lang="en-US" b="0" i="1" smtClean="0">
+                                  <a:latin typeface="Cambria Math" panose="02040503050406030204" pitchFamily="18" charset="0"/>
+                                </a:rPr>
+                                <m:t>𝑎</m:t>
+                              </m:r>
+                            </m:e>
+                            <m:sub>
+                              <m:r>
+                                <a:rPr lang="en-US" b="0" i="1" smtClean="0">
+                                  <a:latin typeface="Cambria Math" panose="02040503050406030204" pitchFamily="18" charset="0"/>
+                                </a:rPr>
+                                <m:t>𝑖</m:t>
+                              </m:r>
+                            </m:sub>
+                          </m:sSub>
+                          <m:sSub>
+                            <m:sSubPr>
+                              <m:ctrlPr>
+                                <a:rPr lang="en-US" i="1">
+                                  <a:latin typeface="Cambria Math" panose="02040503050406030204" pitchFamily="18" charset="0"/>
+                                </a:rPr>
+                              </m:ctrlPr>
+                            </m:sSubPr>
+                            <m:e>
+                              <m:r>
+                                <a:rPr lang="en-US" b="0" i="1" smtClean="0">
+                                  <a:latin typeface="Cambria Math" panose="02040503050406030204" pitchFamily="18" charset="0"/>
+                                </a:rPr>
+                                <m:t>𝑦</m:t>
+                              </m:r>
+                            </m:e>
+                            <m:sub>
+                              <m:r>
+                                <a:rPr lang="en-US" i="1">
+                                  <a:latin typeface="Cambria Math" panose="02040503050406030204" pitchFamily="18" charset="0"/>
+                                </a:rPr>
+                                <m:t>𝑖</m:t>
+                              </m:r>
+                            </m:sub>
+                          </m:sSub>
+                          <m:r>
+                            <a:rPr lang="en-US" b="0" i="1" smtClean="0">
+                              <a:latin typeface="Cambria Math" panose="02040503050406030204" pitchFamily="18" charset="0"/>
+                            </a:rPr>
+                            <m:t>=0</m:t>
+                          </m:r>
+                        </m:e>
+                      </m:nary>
+                      <m:r>
+                        <a:rPr lang="en-US" b="0" i="1" smtClean="0">
+                          <a:latin typeface="Cambria Math" panose="02040503050406030204" pitchFamily="18" charset="0"/>
+                        </a:rPr>
+                        <m:t>→</m:t>
+                      </m:r>
+                      <m:sSub>
+                        <m:sSubPr>
+                          <m:ctrlPr>
+                            <a:rPr lang="en-US" i="1">
+                              <a:latin typeface="Cambria Math" panose="02040503050406030204" pitchFamily="18" charset="0"/>
+                            </a:rPr>
+                          </m:ctrlPr>
+                        </m:sSubPr>
+                        <m:e>
+                          <m:r>
+                            <a:rPr lang="en-US" i="1">
+                              <a:latin typeface="Cambria Math" panose="02040503050406030204" pitchFamily="18" charset="0"/>
+                            </a:rPr>
+                            <m:t>𝑎</m:t>
+                          </m:r>
+                        </m:e>
+                        <m:sub>
+                          <m:r>
+                            <a:rPr lang="en-US" b="0" i="1" smtClean="0">
+                              <a:latin typeface="Cambria Math" panose="02040503050406030204" pitchFamily="18" charset="0"/>
+                            </a:rPr>
+                            <m:t>𝑠</m:t>
+                          </m:r>
+                        </m:sub>
+                      </m:sSub>
+                      <m:r>
+                        <a:rPr lang="en-US" b="0" i="1" smtClean="0">
+                          <a:latin typeface="Cambria Math" panose="02040503050406030204" pitchFamily="18" charset="0"/>
+                        </a:rPr>
+                        <m:t>=−</m:t>
+                      </m:r>
+                      <m:f>
+                        <m:fPr>
+                          <m:ctrlPr>
+                            <a:rPr lang="en-US" b="0" i="1" smtClean="0">
+                              <a:latin typeface="Cambria Math" panose="02040503050406030204" pitchFamily="18" charset="0"/>
+                            </a:rPr>
+                          </m:ctrlPr>
+                        </m:fPr>
+                        <m:num>
+                          <m:sSub>
+                            <m:sSubPr>
+                              <m:ctrlPr>
+                                <a:rPr lang="en-US" i="1">
+                                  <a:latin typeface="Cambria Math" panose="02040503050406030204" pitchFamily="18" charset="0"/>
+                                </a:rPr>
+                              </m:ctrlPr>
+                            </m:sSubPr>
+                            <m:e>
+                              <m:r>
+                                <a:rPr lang="en-US" i="1">
+                                  <a:latin typeface="Cambria Math" panose="02040503050406030204" pitchFamily="18" charset="0"/>
+                                </a:rPr>
+                                <m:t>𝑎</m:t>
+                              </m:r>
+                            </m:e>
+                            <m:sub>
+                              <m:r>
+                                <a:rPr lang="en-US" b="0" i="1" smtClean="0">
+                                  <a:latin typeface="Cambria Math" panose="02040503050406030204" pitchFamily="18" charset="0"/>
+                                </a:rPr>
+                                <m:t>𝑟</m:t>
+                              </m:r>
+                            </m:sub>
+                          </m:sSub>
+                          <m:sSub>
+                            <m:sSubPr>
+                              <m:ctrlPr>
+                                <a:rPr lang="en-US" i="1">
+                                  <a:latin typeface="Cambria Math" panose="02040503050406030204" pitchFamily="18" charset="0"/>
+                                </a:rPr>
+                              </m:ctrlPr>
+                            </m:sSubPr>
+                            <m:e>
+                              <m:r>
+                                <a:rPr lang="en-US" b="0" i="1" smtClean="0">
+                                  <a:latin typeface="Cambria Math" panose="02040503050406030204" pitchFamily="18" charset="0"/>
+                                </a:rPr>
+                                <m:t>𝑦</m:t>
+                              </m:r>
+                            </m:e>
+                            <m:sub>
+                              <m:r>
+                                <a:rPr lang="en-US" b="0" i="1" smtClean="0">
+                                  <a:latin typeface="Cambria Math" panose="02040503050406030204" pitchFamily="18" charset="0"/>
+                                </a:rPr>
+                                <m:t>𝑟</m:t>
+                              </m:r>
+                            </m:sub>
+                          </m:sSub>
+                          <m:r>
+                            <a:rPr lang="en-US" b="0" i="1" smtClean="0">
+                              <a:latin typeface="Cambria Math" panose="02040503050406030204" pitchFamily="18" charset="0"/>
+                            </a:rPr>
+                            <m:t>+</m:t>
+                          </m:r>
+                          <m:nary>
+                            <m:naryPr>
+                              <m:chr m:val="∑"/>
+                              <m:supHide m:val="on"/>
+                              <m:ctrlPr>
+                                <a:rPr lang="en-US" b="0" i="1" smtClean="0">
+                                  <a:latin typeface="Cambria Math" panose="02040503050406030204" pitchFamily="18" charset="0"/>
+                                </a:rPr>
+                              </m:ctrlPr>
+                            </m:naryPr>
+                            <m:sub>
+                              <m:r>
+                                <m:rPr>
+                                  <m:brk m:alnAt="7"/>
+                                </m:rPr>
+                                <a:rPr lang="en-US" b="0" i="1" smtClean="0">
+                                  <a:latin typeface="Cambria Math" panose="02040503050406030204" pitchFamily="18" charset="0"/>
+                                </a:rPr>
+                                <m:t>𝑖</m:t>
+                              </m:r>
+                              <m:r>
+                                <a:rPr lang="en-US" b="0" i="1" smtClean="0">
+                                  <a:latin typeface="Cambria Math" panose="02040503050406030204" pitchFamily="18" charset="0"/>
+                                  <a:ea typeface="Cambria Math" panose="02040503050406030204" pitchFamily="18" charset="0"/>
+                                </a:rPr>
+                                <m:t>≠</m:t>
+                              </m:r>
+                              <m:d>
+                                <m:dPr>
+                                  <m:begChr m:val="{"/>
+                                  <m:endChr m:val="}"/>
+                                  <m:ctrlPr>
+                                    <a:rPr lang="en-US" b="0" i="1" smtClean="0">
+                                      <a:latin typeface="Cambria Math" panose="02040503050406030204" pitchFamily="18" charset="0"/>
+                                      <a:ea typeface="Cambria Math" panose="02040503050406030204" pitchFamily="18" charset="0"/>
+                                    </a:rPr>
+                                  </m:ctrlPr>
+                                </m:dPr>
+                                <m:e>
+                                  <m:r>
+                                    <m:rPr>
+                                      <m:brk m:alnAt="7"/>
+                                    </m:rPr>
+                                    <a:rPr lang="en-US" b="0" i="1" smtClean="0">
+                                      <a:latin typeface="Cambria Math" panose="02040503050406030204" pitchFamily="18" charset="0"/>
+                                      <a:ea typeface="Cambria Math" panose="02040503050406030204" pitchFamily="18" charset="0"/>
+                                    </a:rPr>
+                                    <m:t>𝑟</m:t>
+                                  </m:r>
+                                  <m:r>
+                                    <a:rPr lang="en-US" b="0" i="1" smtClean="0">
+                                      <a:latin typeface="Cambria Math" panose="02040503050406030204" pitchFamily="18" charset="0"/>
+                                      <a:ea typeface="Cambria Math" panose="02040503050406030204" pitchFamily="18" charset="0"/>
+                                    </a:rPr>
+                                    <m:t>,</m:t>
+                                  </m:r>
+                                  <m:r>
+                                    <a:rPr lang="en-US" b="0" i="1" smtClean="0">
+                                      <a:latin typeface="Cambria Math" panose="02040503050406030204" pitchFamily="18" charset="0"/>
+                                      <a:ea typeface="Cambria Math" panose="02040503050406030204" pitchFamily="18" charset="0"/>
+                                    </a:rPr>
+                                    <m:t>𝑠</m:t>
+                                  </m:r>
+                                </m:e>
+                              </m:d>
+                            </m:sub>
+                            <m:sup/>
+                            <m:e>
+                              <m:sSub>
+                                <m:sSubPr>
+                                  <m:ctrlPr>
+                                    <a:rPr lang="en-US" i="1">
+                                      <a:latin typeface="Cambria Math" panose="02040503050406030204" pitchFamily="18" charset="0"/>
+                                    </a:rPr>
+                                  </m:ctrlPr>
+                                </m:sSubPr>
+                                <m:e>
+                                  <m:r>
+                                    <a:rPr lang="en-US" i="1">
+                                      <a:latin typeface="Cambria Math" panose="02040503050406030204" pitchFamily="18" charset="0"/>
+                                    </a:rPr>
+                                    <m:t>𝑎</m:t>
+                                  </m:r>
+                                </m:e>
+                                <m:sub>
+                                  <m:r>
+                                    <a:rPr lang="en-US" i="1">
+                                      <a:latin typeface="Cambria Math" panose="02040503050406030204" pitchFamily="18" charset="0"/>
+                                    </a:rPr>
+                                    <m:t>𝑖</m:t>
+                                  </m:r>
+                                </m:sub>
+                              </m:sSub>
+                              <m:sSub>
+                                <m:sSubPr>
+                                  <m:ctrlPr>
+                                    <a:rPr lang="en-US" i="1">
+                                      <a:latin typeface="Cambria Math" panose="02040503050406030204" pitchFamily="18" charset="0"/>
+                                    </a:rPr>
+                                  </m:ctrlPr>
+                                </m:sSubPr>
+                                <m:e>
+                                  <m:r>
+                                    <a:rPr lang="en-US" i="1">
+                                      <a:latin typeface="Cambria Math" panose="02040503050406030204" pitchFamily="18" charset="0"/>
+                                    </a:rPr>
+                                    <m:t>𝑦</m:t>
+                                  </m:r>
+                                </m:e>
+                                <m:sub>
+                                  <m:r>
+                                    <a:rPr lang="en-US" i="1">
+                                      <a:latin typeface="Cambria Math" panose="02040503050406030204" pitchFamily="18" charset="0"/>
+                                    </a:rPr>
+                                    <m:t>𝑖</m:t>
+                                  </m:r>
+                                </m:sub>
+                              </m:sSub>
+                            </m:e>
+                          </m:nary>
+                        </m:num>
+                        <m:den>
+                          <m:sSub>
+                            <m:sSubPr>
+                              <m:ctrlPr>
+                                <a:rPr lang="en-US" i="1">
+                                  <a:latin typeface="Cambria Math" panose="02040503050406030204" pitchFamily="18" charset="0"/>
+                                </a:rPr>
+                              </m:ctrlPr>
+                            </m:sSubPr>
+                            <m:e>
+                              <m:r>
+                                <a:rPr lang="en-US" b="0" i="1" smtClean="0">
+                                  <a:latin typeface="Cambria Math" panose="02040503050406030204" pitchFamily="18" charset="0"/>
+                                </a:rPr>
+                                <m:t>𝑦</m:t>
+                              </m:r>
+                            </m:e>
+                            <m:sub>
+                              <m:r>
+                                <a:rPr lang="en-US" b="0" i="1" smtClean="0">
+                                  <a:latin typeface="Cambria Math" panose="02040503050406030204" pitchFamily="18" charset="0"/>
+                                </a:rPr>
+                                <m:t>𝑠</m:t>
+                              </m:r>
+                            </m:sub>
+                          </m:sSub>
+                        </m:den>
+                      </m:f>
+                      <m:r>
+                        <a:rPr lang="en-US" b="0" i="1" smtClean="0">
+                          <a:latin typeface="Cambria Math" panose="02040503050406030204" pitchFamily="18" charset="0"/>
+                        </a:rPr>
+                        <m:t>→</m:t>
+                      </m:r>
+                      <m:sSub>
+                        <m:sSubPr>
+                          <m:ctrlPr>
+                            <a:rPr lang="en-US" i="1">
+                              <a:latin typeface="Cambria Math" panose="02040503050406030204" pitchFamily="18" charset="0"/>
+                            </a:rPr>
+                          </m:ctrlPr>
+                        </m:sSubPr>
+                        <m:e>
+                          <m:r>
+                            <a:rPr lang="en-US" i="1">
+                              <a:latin typeface="Cambria Math" panose="02040503050406030204" pitchFamily="18" charset="0"/>
+                            </a:rPr>
+                            <m:t>𝑎</m:t>
+                          </m:r>
+                        </m:e>
+                        <m:sub>
+                          <m:r>
+                            <a:rPr lang="en-US" i="1">
+                              <a:latin typeface="Cambria Math" panose="02040503050406030204" pitchFamily="18" charset="0"/>
+                            </a:rPr>
+                            <m:t>𝑠</m:t>
+                          </m:r>
+                        </m:sub>
+                      </m:sSub>
+                      <m:r>
+                        <a:rPr lang="en-US" i="1">
+                          <a:latin typeface="Cambria Math" panose="02040503050406030204" pitchFamily="18" charset="0"/>
+                        </a:rPr>
+                        <m:t>=</m:t>
+                      </m:r>
+                      <m:r>
+                        <a:rPr lang="en-US" b="0" i="1" smtClean="0">
+                          <a:latin typeface="Cambria Math" panose="02040503050406030204" pitchFamily="18" charset="0"/>
+                        </a:rPr>
+                        <m:t>𝑔</m:t>
+                      </m:r>
+                      <m:r>
+                        <a:rPr lang="en-US" b="0" i="1" smtClean="0">
+                          <a:latin typeface="Cambria Math" panose="02040503050406030204" pitchFamily="18" charset="0"/>
+                        </a:rPr>
+                        <m:t>(</m:t>
+                      </m:r>
+                      <m:sSub>
+                        <m:sSubPr>
+                          <m:ctrlPr>
+                            <a:rPr lang="en-US" i="1">
+                              <a:latin typeface="Cambria Math" panose="02040503050406030204" pitchFamily="18" charset="0"/>
+                            </a:rPr>
+                          </m:ctrlPr>
+                        </m:sSubPr>
+                        <m:e>
+                          <m:r>
+                            <a:rPr lang="en-US" i="1">
+                              <a:latin typeface="Cambria Math" panose="02040503050406030204" pitchFamily="18" charset="0"/>
+                            </a:rPr>
+                            <m:t>𝑎</m:t>
+                          </m:r>
+                        </m:e>
+                        <m:sub>
+                          <m:r>
+                            <a:rPr lang="en-US" b="0" i="1" smtClean="0">
+                              <a:latin typeface="Cambria Math" panose="02040503050406030204" pitchFamily="18" charset="0"/>
+                            </a:rPr>
+                            <m:t>𝑟</m:t>
+                          </m:r>
+                        </m:sub>
+                      </m:sSub>
+                      <m:r>
+                        <a:rPr lang="en-US" b="0" i="1" smtClean="0">
+                          <a:latin typeface="Cambria Math" panose="02040503050406030204" pitchFamily="18" charset="0"/>
+                        </a:rPr>
+                        <m:t>)</m:t>
+                      </m:r>
+                    </m:oMath>
+                  </m:oMathPara>
+                </a14:m>
+                <a:endParaRPr lang="en-US" dirty="0"/>
+              </a:p>
+            </p:txBody>
+          </p:sp>
+        </mc:Choice>
+        <mc:Fallback>
+          <p:sp>
+            <p:nvSpPr>
+              <p:cNvPr id="12" name="TextBox 11">
+                <a:extLst>
+                  <a:ext uri="{FF2B5EF4-FFF2-40B4-BE49-F238E27FC236}">
+                    <a16:creationId xmlns:a16="http://schemas.microsoft.com/office/drawing/2014/main" id="{EB60E266-1190-9C90-EC2D-4E804516916A}"/>
+                  </a:ext>
+                </a:extLst>
+              </p:cNvPr>
+              <p:cNvSpPr txBox="1">
+                <a:spLocks noRot="1" noChangeAspect="1" noMove="1" noResize="1" noEditPoints="1" noAdjustHandles="1" noChangeArrowheads="1" noChangeShapeType="1" noTextEdit="1"/>
+              </p:cNvSpPr>
+              <p:nvPr/>
+            </p:nvSpPr>
+            <p:spPr>
+              <a:xfrm>
+                <a:off x="5967525" y="1788478"/>
+                <a:ext cx="6259512" cy="785856"/>
+              </a:xfrm>
+              <a:prstGeom prst="rect">
+                <a:avLst/>
+              </a:prstGeom>
+              <a:blipFill>
+                <a:blip r:embed="rId4"/>
+                <a:stretch>
+                  <a:fillRect/>
+                </a:stretch>
+              </a:blipFill>
+            </p:spPr>
+            <p:txBody>
+              <a:bodyPr/>
+              <a:lstStyle/>
+              <a:p>
+                <a:r>
+                  <a:rPr lang="en-US">
+                    <a:noFill/>
+                  </a:rPr>
+                  <a:t> </a:t>
+                </a:r>
+              </a:p>
+            </p:txBody>
+          </p:sp>
+        </mc:Fallback>
+      </mc:AlternateContent>
+      <p:sp>
+        <p:nvSpPr>
+          <p:cNvPr id="13" name="TextBox 12">
+            <a:extLst>
+              <a:ext uri="{FF2B5EF4-FFF2-40B4-BE49-F238E27FC236}">
+                <a16:creationId xmlns:a16="http://schemas.microsoft.com/office/drawing/2014/main" id="{03260B7A-AF86-E830-F887-0DC2BC2FE9EA}"/>
+              </a:ext>
+            </a:extLst>
+          </p:cNvPr>
+          <p:cNvSpPr txBox="1"/>
+          <p:nvPr/>
+        </p:nvSpPr>
+        <p:spPr>
+          <a:xfrm>
+            <a:off x="6270345" y="2511221"/>
+            <a:ext cx="4910575" cy="369332"/>
+          </a:xfrm>
+          <a:prstGeom prst="rect">
+            <a:avLst/>
+          </a:prstGeom>
+          <a:noFill/>
+        </p:spPr>
+        <p:txBody>
+          <a:bodyPr wrap="none" rtlCol="0">
+            <a:spAutoFit/>
+          </a:bodyPr>
+          <a:lstStyle/>
+          <a:p>
+            <a:r>
+              <a:rPr lang="en-US" dirty="0" err="1"/>
+              <a:t>Anggap</a:t>
+            </a:r>
+            <a:r>
+              <a:rPr lang="en-US" dirty="0"/>
+              <a:t> as </a:t>
+            </a:r>
+            <a:r>
+              <a:rPr lang="en-US" dirty="0" err="1"/>
+              <a:t>sebagai</a:t>
+            </a:r>
+            <a:r>
+              <a:rPr lang="en-US" dirty="0"/>
+              <a:t> </a:t>
+            </a:r>
+            <a:r>
+              <a:rPr lang="en-US" dirty="0" err="1"/>
+              <a:t>fungsi</a:t>
+            </a:r>
+            <a:r>
+              <a:rPr lang="en-US" dirty="0"/>
+              <a:t> </a:t>
+            </a:r>
+            <a:r>
+              <a:rPr lang="en-US" dirty="0" err="1"/>
+              <a:t>dari</a:t>
+            </a:r>
+            <a:r>
+              <a:rPr lang="en-US" dirty="0"/>
+              <a:t> </a:t>
+            </a:r>
+            <a:r>
+              <a:rPr lang="en-US" dirty="0" err="1"/>
+              <a:t>ar</a:t>
+            </a:r>
+            <a:r>
+              <a:rPr lang="en-US" dirty="0"/>
+              <a:t>, </a:t>
+            </a:r>
+            <a:r>
+              <a:rPr lang="en-US" dirty="0" err="1"/>
+              <a:t>substitusikan</a:t>
+            </a:r>
+            <a:r>
+              <a:rPr lang="en-US" dirty="0"/>
+              <a:t> </a:t>
+            </a:r>
+            <a:r>
+              <a:rPr lang="en-US" dirty="0" err="1"/>
+              <a:t>ke</a:t>
+            </a:r>
+            <a:r>
+              <a:rPr lang="en-US" dirty="0"/>
+              <a:t> L</a:t>
+            </a:r>
+          </a:p>
+        </p:txBody>
+      </p:sp>
+      <mc:AlternateContent xmlns:mc="http://schemas.openxmlformats.org/markup-compatibility/2006">
+        <mc:Choice xmlns:a14="http://schemas.microsoft.com/office/drawing/2010/main" Requires="a14">
+          <p:sp>
+            <p:nvSpPr>
+              <p:cNvPr id="14" name="TextBox 13">
+                <a:extLst>
+                  <a:ext uri="{FF2B5EF4-FFF2-40B4-BE49-F238E27FC236}">
+                    <a16:creationId xmlns:a16="http://schemas.microsoft.com/office/drawing/2014/main" id="{23FFD7AF-2E54-5319-231A-7CE9F3E1FA07}"/>
+                  </a:ext>
+                </a:extLst>
+              </p:cNvPr>
+              <p:cNvSpPr txBox="1"/>
+              <p:nvPr/>
+            </p:nvSpPr>
+            <p:spPr>
+              <a:xfrm>
+                <a:off x="952530" y="3832344"/>
+                <a:ext cx="2843279" cy="276999"/>
+              </a:xfrm>
+              <a:prstGeom prst="rect">
+                <a:avLst/>
+              </a:prstGeom>
+              <a:noFill/>
+            </p:spPr>
+            <p:txBody>
+              <a:bodyPr wrap="none" lIns="0" tIns="0" rIns="0" bIns="0" rtlCol="0">
+                <a:spAutoFit/>
+              </a:bodyPr>
+              <a:lstStyle/>
+              <a:p>
+                <a14:m>
+                  <m:oMathPara xmlns:m="http://schemas.openxmlformats.org/officeDocument/2006/math">
+                    <m:oMathParaPr>
+                      <m:jc m:val="centerGroup"/>
+                    </m:oMathParaPr>
+                    <m:oMath xmlns:m="http://schemas.openxmlformats.org/officeDocument/2006/math">
+                      <m:r>
+                        <a:rPr lang="en-US" b="0" i="1" smtClean="0">
+                          <a:latin typeface="Cambria Math" panose="02040503050406030204" pitchFamily="18" charset="0"/>
+                        </a:rPr>
+                        <m:t>𝐿</m:t>
+                      </m:r>
+                      <m:r>
+                        <a:rPr lang="en-US" b="0" i="1" smtClean="0">
+                          <a:latin typeface="Cambria Math" panose="02040503050406030204" pitchFamily="18" charset="0"/>
+                        </a:rPr>
+                        <m:t>=</m:t>
+                      </m:r>
+                      <m:r>
+                        <a:rPr lang="en-US" b="0" i="1" smtClean="0">
+                          <a:latin typeface="Cambria Math" panose="02040503050406030204" pitchFamily="18" charset="0"/>
+                        </a:rPr>
+                        <m:t>𝑓</m:t>
+                      </m:r>
+                      <m:d>
+                        <m:dPr>
+                          <m:ctrlPr>
+                            <a:rPr lang="en-US" b="0" i="1" smtClean="0">
+                              <a:latin typeface="Cambria Math" panose="02040503050406030204" pitchFamily="18" charset="0"/>
+                            </a:rPr>
+                          </m:ctrlPr>
+                        </m:dPr>
+                        <m:e>
+                          <m:sSub>
+                            <m:sSubPr>
+                              <m:ctrlPr>
+                                <a:rPr lang="en-US" i="1">
+                                  <a:latin typeface="Cambria Math" panose="02040503050406030204" pitchFamily="18" charset="0"/>
+                                </a:rPr>
+                              </m:ctrlPr>
+                            </m:sSubPr>
+                            <m:e>
+                              <m:r>
+                                <a:rPr lang="en-US" b="0" i="1" smtClean="0">
+                                  <a:latin typeface="Cambria Math" panose="02040503050406030204" pitchFamily="18" charset="0"/>
+                                </a:rPr>
+                                <m:t>𝑎</m:t>
+                              </m:r>
+                            </m:e>
+                            <m:sub>
+                              <m:r>
+                                <a:rPr lang="en-US" b="0" i="1" smtClean="0">
+                                  <a:latin typeface="Cambria Math" panose="02040503050406030204" pitchFamily="18" charset="0"/>
+                                </a:rPr>
+                                <m:t>𝑟</m:t>
+                              </m:r>
+                            </m:sub>
+                          </m:sSub>
+                        </m:e>
+                      </m:d>
+                      <m:r>
+                        <a:rPr lang="en-US" b="0" i="1" smtClean="0">
+                          <a:latin typeface="Cambria Math" panose="02040503050406030204" pitchFamily="18" charset="0"/>
+                        </a:rPr>
+                        <m:t>=</m:t>
+                      </m:r>
+                      <m:r>
+                        <a:rPr lang="en-US" b="0" i="1" smtClean="0">
+                          <a:latin typeface="Cambria Math" panose="02040503050406030204" pitchFamily="18" charset="0"/>
+                        </a:rPr>
+                        <m:t>𝑎</m:t>
+                      </m:r>
+                      <m:sSup>
+                        <m:sSupPr>
+                          <m:ctrlPr>
+                            <a:rPr lang="en-US" b="0" i="1" smtClean="0">
+                              <a:latin typeface="Cambria Math" panose="02040503050406030204" pitchFamily="18" charset="0"/>
+                            </a:rPr>
+                          </m:ctrlPr>
+                        </m:sSupPr>
+                        <m:e>
+                          <m:sSub>
+                            <m:sSubPr>
+                              <m:ctrlPr>
+                                <a:rPr lang="en-US" i="1">
+                                  <a:latin typeface="Cambria Math" panose="02040503050406030204" pitchFamily="18" charset="0"/>
+                                </a:rPr>
+                              </m:ctrlPr>
+                            </m:sSubPr>
+                            <m:e>
+                              <m:r>
+                                <a:rPr lang="en-US" i="1">
+                                  <a:latin typeface="Cambria Math" panose="02040503050406030204" pitchFamily="18" charset="0"/>
+                                </a:rPr>
+                                <m:t>𝑎</m:t>
+                              </m:r>
+                            </m:e>
+                            <m:sub>
+                              <m:r>
+                                <a:rPr lang="en-US" i="1">
+                                  <a:latin typeface="Cambria Math" panose="02040503050406030204" pitchFamily="18" charset="0"/>
+                                </a:rPr>
+                                <m:t>𝑟</m:t>
+                              </m:r>
+                            </m:sub>
+                          </m:sSub>
+                        </m:e>
+                        <m:sup>
+                          <m:r>
+                            <a:rPr lang="en-US" b="0" i="1" smtClean="0">
+                              <a:latin typeface="Cambria Math" panose="02040503050406030204" pitchFamily="18" charset="0"/>
+                            </a:rPr>
+                            <m:t>2</m:t>
+                          </m:r>
+                        </m:sup>
+                      </m:sSup>
+                      <m:r>
+                        <a:rPr lang="en-US" b="0" i="1" smtClean="0">
+                          <a:latin typeface="Cambria Math" panose="02040503050406030204" pitchFamily="18" charset="0"/>
+                        </a:rPr>
+                        <m:t>+</m:t>
+                      </m:r>
+                      <m:r>
+                        <a:rPr lang="en-US" b="0" i="1" smtClean="0">
+                          <a:latin typeface="Cambria Math" panose="02040503050406030204" pitchFamily="18" charset="0"/>
+                        </a:rPr>
+                        <m:t>𝑏</m:t>
+                      </m:r>
+                      <m:sSub>
+                        <m:sSubPr>
+                          <m:ctrlPr>
+                            <a:rPr lang="en-US" i="1">
+                              <a:latin typeface="Cambria Math" panose="02040503050406030204" pitchFamily="18" charset="0"/>
+                            </a:rPr>
+                          </m:ctrlPr>
+                        </m:sSubPr>
+                        <m:e>
+                          <m:r>
+                            <a:rPr lang="en-US" i="1">
+                              <a:latin typeface="Cambria Math" panose="02040503050406030204" pitchFamily="18" charset="0"/>
+                            </a:rPr>
+                            <m:t>𝑎</m:t>
+                          </m:r>
+                        </m:e>
+                        <m:sub>
+                          <m:r>
+                            <a:rPr lang="en-US" i="1">
+                              <a:latin typeface="Cambria Math" panose="02040503050406030204" pitchFamily="18" charset="0"/>
+                            </a:rPr>
+                            <m:t>𝑟</m:t>
+                          </m:r>
+                        </m:sub>
+                      </m:sSub>
+                      <m:r>
+                        <a:rPr lang="en-US" b="0" i="1" smtClean="0">
+                          <a:latin typeface="Cambria Math" panose="02040503050406030204" pitchFamily="18" charset="0"/>
+                        </a:rPr>
+                        <m:t>+</m:t>
+                      </m:r>
+                      <m:r>
+                        <a:rPr lang="en-US" b="0" i="1" smtClean="0">
+                          <a:latin typeface="Cambria Math" panose="02040503050406030204" pitchFamily="18" charset="0"/>
+                        </a:rPr>
+                        <m:t>𝑐</m:t>
+                      </m:r>
+                    </m:oMath>
+                  </m:oMathPara>
+                </a14:m>
+                <a:endParaRPr lang="en-US" dirty="0"/>
+              </a:p>
+            </p:txBody>
+          </p:sp>
+        </mc:Choice>
+        <mc:Fallback>
+          <p:sp>
+            <p:nvSpPr>
+              <p:cNvPr id="14" name="TextBox 13">
+                <a:extLst>
+                  <a:ext uri="{FF2B5EF4-FFF2-40B4-BE49-F238E27FC236}">
+                    <a16:creationId xmlns:a16="http://schemas.microsoft.com/office/drawing/2014/main" id="{23FFD7AF-2E54-5319-231A-7CE9F3E1FA07}"/>
+                  </a:ext>
+                </a:extLst>
+              </p:cNvPr>
+              <p:cNvSpPr txBox="1">
+                <a:spLocks noRot="1" noChangeAspect="1" noMove="1" noResize="1" noEditPoints="1" noAdjustHandles="1" noChangeArrowheads="1" noChangeShapeType="1" noTextEdit="1"/>
+              </p:cNvSpPr>
+              <p:nvPr/>
+            </p:nvSpPr>
+            <p:spPr>
+              <a:xfrm>
+                <a:off x="952530" y="3832344"/>
+                <a:ext cx="2843279" cy="276999"/>
+              </a:xfrm>
+              <a:prstGeom prst="rect">
+                <a:avLst/>
+              </a:prstGeom>
+              <a:blipFill>
+                <a:blip r:embed="rId5"/>
+                <a:stretch>
+                  <a:fillRect l="-1285" t="-4444" r="-214" b="-35556"/>
+                </a:stretch>
+              </a:blipFill>
+            </p:spPr>
+            <p:txBody>
+              <a:bodyPr/>
+              <a:lstStyle/>
+              <a:p>
+                <a:r>
+                  <a:rPr lang="en-US">
+                    <a:noFill/>
+                  </a:rPr>
+                  <a:t> </a:t>
+                </a:r>
+              </a:p>
+            </p:txBody>
+          </p:sp>
+        </mc:Fallback>
+      </mc:AlternateContent>
+      <p:pic>
+        <p:nvPicPr>
+          <p:cNvPr id="16" name="Picture 15">
+            <a:extLst>
+              <a:ext uri="{FF2B5EF4-FFF2-40B4-BE49-F238E27FC236}">
+                <a16:creationId xmlns:a16="http://schemas.microsoft.com/office/drawing/2014/main" id="{CC31B49B-0E71-4E52-FE12-4F549CF2B77F}"/>
+              </a:ext>
+            </a:extLst>
+          </p:cNvPr>
+          <p:cNvPicPr>
+            <a:picLocks noChangeAspect="1"/>
+          </p:cNvPicPr>
+          <p:nvPr/>
+        </p:nvPicPr>
+        <p:blipFill>
+          <a:blip r:embed="rId6"/>
+          <a:stretch>
+            <a:fillRect/>
+          </a:stretch>
+        </p:blipFill>
+        <p:spPr>
+          <a:xfrm>
+            <a:off x="838200" y="4283667"/>
+            <a:ext cx="6366346" cy="1933789"/>
+          </a:xfrm>
+          <a:prstGeom prst="rect">
+            <a:avLst/>
+          </a:prstGeom>
+        </p:spPr>
+      </p:pic>
+      <p:sp>
+        <p:nvSpPr>
+          <p:cNvPr id="18" name="TextBox 17">
+            <a:extLst>
+              <a:ext uri="{FF2B5EF4-FFF2-40B4-BE49-F238E27FC236}">
+                <a16:creationId xmlns:a16="http://schemas.microsoft.com/office/drawing/2014/main" id="{10F2344C-7902-0CE4-C91F-3CD4351F701B}"/>
+              </a:ext>
+            </a:extLst>
+          </p:cNvPr>
+          <p:cNvSpPr txBox="1"/>
+          <p:nvPr/>
+        </p:nvSpPr>
+        <p:spPr>
+          <a:xfrm>
+            <a:off x="8010506" y="4237198"/>
+            <a:ext cx="2395207" cy="369332"/>
+          </a:xfrm>
+          <a:prstGeom prst="rect">
+            <a:avLst/>
+          </a:prstGeom>
+          <a:noFill/>
+        </p:spPr>
+        <p:txBody>
+          <a:bodyPr wrap="none" rtlCol="0">
+            <a:spAutoFit/>
+          </a:bodyPr>
+          <a:lstStyle/>
+          <a:p>
+            <a:r>
+              <a:rPr lang="en-US" dirty="0"/>
+              <a:t>Cari </a:t>
+            </a:r>
+            <a:r>
+              <a:rPr lang="en-US" dirty="0" err="1"/>
+              <a:t>ar</a:t>
+            </a:r>
+            <a:r>
+              <a:rPr lang="en-US" dirty="0"/>
+              <a:t> di </a:t>
+            </a:r>
+            <a:r>
+              <a:rPr lang="en-US" dirty="0" err="1"/>
+              <a:t>titik</a:t>
+            </a:r>
+            <a:r>
+              <a:rPr lang="en-US" dirty="0"/>
+              <a:t> minimum</a:t>
+            </a:r>
+          </a:p>
+        </p:txBody>
+      </p:sp>
+      <mc:AlternateContent xmlns:mc="http://schemas.openxmlformats.org/markup-compatibility/2006">
+        <mc:Choice xmlns:a14="http://schemas.microsoft.com/office/drawing/2010/main" Requires="a14">
+          <p:sp>
+            <p:nvSpPr>
+              <p:cNvPr id="19" name="TextBox 18">
+                <a:extLst>
+                  <a:ext uri="{FF2B5EF4-FFF2-40B4-BE49-F238E27FC236}">
+                    <a16:creationId xmlns:a16="http://schemas.microsoft.com/office/drawing/2014/main" id="{151626E8-C852-8F59-37CF-2679F401F0A4}"/>
+                  </a:ext>
+                </a:extLst>
+              </p:cNvPr>
+              <p:cNvSpPr txBox="1"/>
+              <p:nvPr/>
+            </p:nvSpPr>
+            <p:spPr>
+              <a:xfrm>
+                <a:off x="7933766" y="4631363"/>
+                <a:ext cx="2548688" cy="582852"/>
+              </a:xfrm>
+              <a:prstGeom prst="rect">
+                <a:avLst/>
+              </a:prstGeom>
+              <a:noFill/>
+            </p:spPr>
+            <p:txBody>
+              <a:bodyPr wrap="square" lIns="0" tIns="0" rIns="0" bIns="0" rtlCol="0">
+                <a:spAutoFit/>
+              </a:bodyPr>
+              <a:lstStyle/>
+              <a:p>
+                <a14:m>
+                  <m:oMathPara xmlns:m="http://schemas.openxmlformats.org/officeDocument/2006/math">
+                    <m:oMathParaPr>
+                      <m:jc m:val="centerGroup"/>
+                    </m:oMathParaPr>
+                    <m:oMath xmlns:m="http://schemas.openxmlformats.org/officeDocument/2006/math">
+                      <m:f>
+                        <m:fPr>
+                          <m:ctrlPr>
+                            <a:rPr lang="en-US" i="1" smtClean="0">
+                              <a:latin typeface="Cambria Math" panose="02040503050406030204" pitchFamily="18" charset="0"/>
+                            </a:rPr>
+                          </m:ctrlPr>
+                        </m:fPr>
+                        <m:num>
+                          <m:r>
+                            <a:rPr lang="en-US" i="1" smtClean="0">
+                              <a:latin typeface="Cambria Math" panose="02040503050406030204" pitchFamily="18" charset="0"/>
+                            </a:rPr>
+                            <m:t>𝑑</m:t>
+                          </m:r>
+                          <m:r>
+                            <a:rPr lang="en-US" i="1">
+                              <a:latin typeface="Cambria Math" panose="02040503050406030204" pitchFamily="18" charset="0"/>
+                            </a:rPr>
+                            <m:t>𝑓</m:t>
+                          </m:r>
+                          <m:d>
+                            <m:dPr>
+                              <m:ctrlPr>
+                                <a:rPr lang="en-US" i="1">
+                                  <a:latin typeface="Cambria Math" panose="02040503050406030204" pitchFamily="18" charset="0"/>
+                                </a:rPr>
+                              </m:ctrlPr>
+                            </m:dPr>
+                            <m:e>
+                              <m:sSub>
+                                <m:sSubPr>
+                                  <m:ctrlPr>
+                                    <a:rPr lang="en-US" i="1">
+                                      <a:latin typeface="Cambria Math" panose="02040503050406030204" pitchFamily="18" charset="0"/>
+                                    </a:rPr>
+                                  </m:ctrlPr>
+                                </m:sSubPr>
+                                <m:e>
+                                  <m:r>
+                                    <a:rPr lang="en-US" i="1">
+                                      <a:latin typeface="Cambria Math" panose="02040503050406030204" pitchFamily="18" charset="0"/>
+                                    </a:rPr>
+                                    <m:t>𝑎</m:t>
+                                  </m:r>
+                                </m:e>
+                                <m:sub>
+                                  <m:r>
+                                    <a:rPr lang="en-US" i="1">
+                                      <a:latin typeface="Cambria Math" panose="02040503050406030204" pitchFamily="18" charset="0"/>
+                                    </a:rPr>
+                                    <m:t>𝑟</m:t>
+                                  </m:r>
+                                </m:sub>
+                              </m:sSub>
+                            </m:e>
+                          </m:d>
+                        </m:num>
+                        <m:den>
+                          <m:r>
+                            <a:rPr lang="en-US" i="1" smtClean="0">
+                              <a:latin typeface="Cambria Math" panose="02040503050406030204" pitchFamily="18" charset="0"/>
+                            </a:rPr>
+                            <m:t>𝑑</m:t>
+                          </m:r>
+                          <m:sSub>
+                            <m:sSubPr>
+                              <m:ctrlPr>
+                                <a:rPr lang="en-US" i="1">
+                                  <a:latin typeface="Cambria Math" panose="02040503050406030204" pitchFamily="18" charset="0"/>
+                                </a:rPr>
+                              </m:ctrlPr>
+                            </m:sSubPr>
+                            <m:e>
+                              <m:r>
+                                <a:rPr lang="en-US" i="1">
+                                  <a:latin typeface="Cambria Math" panose="02040503050406030204" pitchFamily="18" charset="0"/>
+                                </a:rPr>
+                                <m:t>𝑎</m:t>
+                              </m:r>
+                            </m:e>
+                            <m:sub>
+                              <m:r>
+                                <a:rPr lang="en-US" i="1">
+                                  <a:latin typeface="Cambria Math" panose="02040503050406030204" pitchFamily="18" charset="0"/>
+                                </a:rPr>
+                                <m:t>𝑟</m:t>
+                              </m:r>
+                            </m:sub>
+                          </m:sSub>
+                        </m:den>
+                      </m:f>
+                      <m:r>
+                        <a:rPr lang="en-US" b="0" i="1" smtClean="0">
+                          <a:latin typeface="Cambria Math" panose="02040503050406030204" pitchFamily="18" charset="0"/>
+                        </a:rPr>
+                        <m:t>=</m:t>
+                      </m:r>
+                      <m:f>
+                        <m:fPr>
+                          <m:ctrlPr>
+                            <a:rPr lang="en-US" b="0" i="1" smtClean="0">
+                              <a:latin typeface="Cambria Math" panose="02040503050406030204" pitchFamily="18" charset="0"/>
+                            </a:rPr>
+                          </m:ctrlPr>
+                        </m:fPr>
+                        <m:num>
+                          <m:r>
+                            <a:rPr lang="en-US" b="0" i="1" smtClean="0">
+                              <a:latin typeface="Cambria Math" panose="02040503050406030204" pitchFamily="18" charset="0"/>
+                            </a:rPr>
+                            <m:t>𝑏</m:t>
+                          </m:r>
+                        </m:num>
+                        <m:den>
+                          <m:r>
+                            <a:rPr lang="en-US" b="0" i="1" smtClean="0">
+                              <a:latin typeface="Cambria Math" panose="02040503050406030204" pitchFamily="18" charset="0"/>
+                            </a:rPr>
+                            <m:t>2</m:t>
+                          </m:r>
+                          <m:r>
+                            <a:rPr lang="en-US" b="0" i="1" smtClean="0">
+                              <a:latin typeface="Cambria Math" panose="02040503050406030204" pitchFamily="18" charset="0"/>
+                            </a:rPr>
+                            <m:t>𝑎</m:t>
+                          </m:r>
+                        </m:den>
+                      </m:f>
+                    </m:oMath>
+                  </m:oMathPara>
+                </a14:m>
+                <a:endParaRPr lang="en-US" dirty="0"/>
+              </a:p>
+            </p:txBody>
+          </p:sp>
+        </mc:Choice>
+        <mc:Fallback>
+          <p:sp>
+            <p:nvSpPr>
+              <p:cNvPr id="19" name="TextBox 18">
+                <a:extLst>
+                  <a:ext uri="{FF2B5EF4-FFF2-40B4-BE49-F238E27FC236}">
+                    <a16:creationId xmlns:a16="http://schemas.microsoft.com/office/drawing/2014/main" id="{151626E8-C852-8F59-37CF-2679F401F0A4}"/>
+                  </a:ext>
+                </a:extLst>
+              </p:cNvPr>
+              <p:cNvSpPr txBox="1">
+                <a:spLocks noRot="1" noChangeAspect="1" noMove="1" noResize="1" noEditPoints="1" noAdjustHandles="1" noChangeArrowheads="1" noChangeShapeType="1" noTextEdit="1"/>
+              </p:cNvSpPr>
+              <p:nvPr/>
+            </p:nvSpPr>
+            <p:spPr>
+              <a:xfrm>
+                <a:off x="7933766" y="4631363"/>
+                <a:ext cx="2548688" cy="582852"/>
+              </a:xfrm>
+              <a:prstGeom prst="rect">
+                <a:avLst/>
+              </a:prstGeom>
+              <a:blipFill>
+                <a:blip r:embed="rId7"/>
+                <a:stretch>
+                  <a:fillRect/>
+                </a:stretch>
+              </a:blipFill>
+            </p:spPr>
+            <p:txBody>
+              <a:bodyPr/>
+              <a:lstStyle/>
+              <a:p>
+                <a:r>
+                  <a:rPr lang="en-US">
+                    <a:noFill/>
+                  </a:rPr>
+                  <a:t> </a:t>
+                </a:r>
+              </a:p>
+            </p:txBody>
+          </p:sp>
+        </mc:Fallback>
+      </mc:AlternateContent>
+    </p:spTree>
+    <p:extLst>
+      <p:ext uri="{BB962C8B-B14F-4D97-AF65-F5344CB8AC3E}">
+        <p14:creationId xmlns:p14="http://schemas.microsoft.com/office/powerpoint/2010/main" val="37796088"/>
+      </p:ext>
+    </p:extLst>
+  </p:cSld>
+  <p:clrMapOvr>
+    <a:masterClrMapping/>
+  </p:clrMapOvr>
+</p:sld>
+</file>
+
+<file path=ppt/slides/slide9.xml><?xml version="1.0" encoding="utf-8"?>
+<p:sld xmlns:a="http://schemas.openxmlformats.org/drawingml/2006/main" xmlns:r="http://schemas.openxmlformats.org/officeDocument/2006/relationships" xmlns:p="http://schemas.openxmlformats.org/presentationml/2006/main">
+  <p:cSld>
+    <p:spTree>
+      <p:nvGrpSpPr>
+        <p:cNvPr id="1" name=""/>
+        <p:cNvGrpSpPr/>
+        <p:nvPr/>
+      </p:nvGrpSpPr>
+      <p:grpSpPr>
+        <a:xfrm>
+          <a:off x="0" y="0"/>
+          <a:ext cx="0" cy="0"/>
+          <a:chOff x="0" y="0"/>
+          <a:chExt cx="0" cy="0"/>
+        </a:xfrm>
+      </p:grpSpPr>
+      <p:sp>
+        <p:nvSpPr>
+          <p:cNvPr id="2" name="Title 1">
+            <a:extLst>
+              <a:ext uri="{FF2B5EF4-FFF2-40B4-BE49-F238E27FC236}">
+                <a16:creationId xmlns:a16="http://schemas.microsoft.com/office/drawing/2014/main" id="{55371BE9-B356-97B8-8425-96B4EB2007B0}"/>
+              </a:ext>
+            </a:extLst>
+          </p:cNvPr>
+          <p:cNvSpPr>
+            <a:spLocks noGrp="1"/>
+          </p:cNvSpPr>
+          <p:nvPr>
+            <p:ph type="title"/>
+          </p:nvPr>
+        </p:nvSpPr>
+        <p:spPr>
+          <a:xfrm>
+            <a:off x="838200" y="365125"/>
+            <a:ext cx="4637690" cy="1325563"/>
+          </a:xfrm>
+        </p:spPr>
+        <p:txBody>
+          <a:bodyPr/>
+          <a:lstStyle/>
+          <a:p>
+            <a:r>
+              <a:rPr lang="en-US" dirty="0"/>
+              <a:t>SMO Optimization</a:t>
+            </a:r>
+          </a:p>
+        </p:txBody>
+      </p:sp>
+      <p:pic>
+        <p:nvPicPr>
+          <p:cNvPr id="5" name="Picture 4">
+            <a:extLst>
+              <a:ext uri="{FF2B5EF4-FFF2-40B4-BE49-F238E27FC236}">
+                <a16:creationId xmlns:a16="http://schemas.microsoft.com/office/drawing/2014/main" id="{C5861E59-2104-6DC8-610C-87E33EA6F988}"/>
+              </a:ext>
+            </a:extLst>
+          </p:cNvPr>
+          <p:cNvPicPr>
+            <a:picLocks noChangeAspect="1"/>
+          </p:cNvPicPr>
+          <p:nvPr/>
+        </p:nvPicPr>
+        <p:blipFill>
+          <a:blip r:embed="rId2"/>
+          <a:stretch>
+            <a:fillRect/>
+          </a:stretch>
+        </p:blipFill>
+        <p:spPr>
+          <a:xfrm>
+            <a:off x="4992415" y="1816812"/>
+            <a:ext cx="6905297" cy="2411542"/>
+          </a:xfrm>
+          <a:prstGeom prst="rect">
+            <a:avLst/>
+          </a:prstGeom>
+        </p:spPr>
+      </p:pic>
+      <p:pic>
+        <p:nvPicPr>
+          <p:cNvPr id="7" name="Picture 6">
+            <a:extLst>
+              <a:ext uri="{FF2B5EF4-FFF2-40B4-BE49-F238E27FC236}">
+                <a16:creationId xmlns:a16="http://schemas.microsoft.com/office/drawing/2014/main" id="{30C46407-00F6-1892-C2D1-C2C33D177B66}"/>
+              </a:ext>
+            </a:extLst>
+          </p:cNvPr>
+          <p:cNvPicPr>
+            <a:picLocks noChangeAspect="1"/>
+          </p:cNvPicPr>
+          <p:nvPr/>
+        </p:nvPicPr>
+        <p:blipFill>
+          <a:blip r:embed="rId3"/>
+          <a:stretch>
+            <a:fillRect/>
+          </a:stretch>
+        </p:blipFill>
+        <p:spPr>
+          <a:xfrm>
+            <a:off x="451944" y="2857063"/>
+            <a:ext cx="4162097" cy="1724558"/>
+          </a:xfrm>
+          <a:prstGeom prst="rect">
+            <a:avLst/>
+          </a:prstGeom>
+        </p:spPr>
+      </p:pic>
+      <p:pic>
+        <p:nvPicPr>
+          <p:cNvPr id="9" name="Picture 8">
+            <a:extLst>
+              <a:ext uri="{FF2B5EF4-FFF2-40B4-BE49-F238E27FC236}">
+                <a16:creationId xmlns:a16="http://schemas.microsoft.com/office/drawing/2014/main" id="{89A93D71-93E6-5F2C-7CC2-9060C94996EE}"/>
+              </a:ext>
+            </a:extLst>
+          </p:cNvPr>
+          <p:cNvPicPr>
+            <a:picLocks noChangeAspect="1"/>
+          </p:cNvPicPr>
+          <p:nvPr/>
+        </p:nvPicPr>
+        <p:blipFill>
+          <a:blip r:embed="rId4"/>
+          <a:stretch>
+            <a:fillRect/>
+          </a:stretch>
+        </p:blipFill>
+        <p:spPr>
+          <a:xfrm>
+            <a:off x="451944" y="4792704"/>
+            <a:ext cx="8471339" cy="1700171"/>
+          </a:xfrm>
+          <a:prstGeom prst="rect">
+            <a:avLst/>
+          </a:prstGeom>
+        </p:spPr>
+      </p:pic>
+    </p:spTree>
+    <p:extLst>
+      <p:ext uri="{BB962C8B-B14F-4D97-AF65-F5344CB8AC3E}">
+        <p14:creationId xmlns:p14="http://schemas.microsoft.com/office/powerpoint/2010/main" val="2646684173"/>
       </p:ext>
     </p:extLst>
   </p:cSld>
